--- a/projects/HMM/P2 - Hidden Markov Model.pptx
+++ b/projects/HMM/P2 - Hidden Markov Model.pptx
@@ -5,7 +5,7 @@
     <p:sldMasterId id="2147483660" r:id="rId1"/>
   </p:sldMasterIdLst>
   <p:notesMasterIdLst>
-    <p:notesMasterId r:id="rId17"/>
+    <p:notesMasterId r:id="rId18"/>
   </p:notesMasterIdLst>
   <p:sldIdLst>
     <p:sldId id="256" r:id="rId2"/>
@@ -14,15 +14,16 @@
     <p:sldId id="453" r:id="rId5"/>
     <p:sldId id="455" r:id="rId6"/>
     <p:sldId id="454" r:id="rId7"/>
-    <p:sldId id="451" r:id="rId8"/>
-    <p:sldId id="456" r:id="rId9"/>
-    <p:sldId id="460" r:id="rId10"/>
-    <p:sldId id="446" r:id="rId11"/>
-    <p:sldId id="459" r:id="rId12"/>
-    <p:sldId id="457" r:id="rId13"/>
-    <p:sldId id="458" r:id="rId14"/>
-    <p:sldId id="267" r:id="rId15"/>
-    <p:sldId id="257" r:id="rId16"/>
+    <p:sldId id="461" r:id="rId8"/>
+    <p:sldId id="451" r:id="rId9"/>
+    <p:sldId id="456" r:id="rId10"/>
+    <p:sldId id="460" r:id="rId11"/>
+    <p:sldId id="446" r:id="rId12"/>
+    <p:sldId id="459" r:id="rId13"/>
+    <p:sldId id="457" r:id="rId14"/>
+    <p:sldId id="458" r:id="rId15"/>
+    <p:sldId id="267" r:id="rId16"/>
+    <p:sldId id="257" r:id="rId17"/>
   </p:sldIdLst>
   <p:sldSz cx="12192000" cy="6858000"/>
   <p:notesSz cx="6858000" cy="9144000"/>
@@ -211,7 +212,7 @@
           <a:p>
             <a:fld id="{A0C1F70C-5BF6-43D2-96A0-6511110BD68E}" type="datetimeFigureOut">
               <a:rPr lang="en-US" smtClean="0"/>
-              <a:t>12/3/2020</a:t>
+              <a:t>12/4/2020</a:t>
             </a:fld>
             <a:endParaRPr lang="en-US"/>
           </a:p>
@@ -717,7 +718,7 @@
           <a:p>
             <a:fld id="{63CC9EBA-D40F-4B2C-8629-D756AD22D0E0}" type="slidenum">
               <a:rPr lang="en-US" smtClean="0"/>
-              <a:t>13</a:t>
+              <a:t>14</a:t>
             </a:fld>
             <a:endParaRPr lang="en-US"/>
           </a:p>
@@ -801,7 +802,7 @@
           <a:p>
             <a:fld id="{63CC9EBA-D40F-4B2C-8629-D756AD22D0E0}" type="slidenum">
               <a:rPr lang="en-US" smtClean="0"/>
-              <a:t>14</a:t>
+              <a:t>15</a:t>
             </a:fld>
             <a:endParaRPr lang="en-US"/>
           </a:p>
@@ -2544,7 +2545,7 @@
           <a:p>
             <a:fld id="{D56A5F13-4F86-5646-9B99-A42325757066}" type="datetime1">
               <a:rPr lang="en-US" smtClean="0"/>
-              <a:t>12/3/2020</a:t>
+              <a:t>12/4/2020</a:t>
             </a:fld>
             <a:endParaRPr lang="en-US"/>
           </a:p>
@@ -2833,7 +2834,7 @@
           <a:p>
             <a:fld id="{34C8E77E-B710-C741-B9C3-BDFAF2BD28F5}" type="datetime1">
               <a:rPr lang="en-US" smtClean="0"/>
-              <a:t>12/3/2020</a:t>
+              <a:t>12/4/2020</a:t>
             </a:fld>
             <a:endParaRPr lang="en-US"/>
           </a:p>
@@ -3122,7 +3123,7 @@
           <a:p>
             <a:fld id="{3CC70E32-BC87-A748-B8DC-BBE1A8E155BB}" type="datetime1">
               <a:rPr lang="en-US" smtClean="0"/>
-              <a:t>12/3/2020</a:t>
+              <a:t>12/4/2020</a:t>
             </a:fld>
             <a:endParaRPr lang="en-US"/>
           </a:p>
@@ -3411,7 +3412,7 @@
           <a:p>
             <a:fld id="{FF80D806-2732-D74C-AA54-685EF616F24A}" type="datetime1">
               <a:rPr lang="en-US" smtClean="0"/>
-              <a:t>12/3/2020</a:t>
+              <a:t>12/4/2020</a:t>
             </a:fld>
             <a:endParaRPr lang="en-US"/>
           </a:p>
@@ -3648,7 +3649,7 @@
           <a:p>
             <a:fld id="{7EE62EE2-D39B-DB40-8504-5F31AB3A7B1B}" type="datetime1">
               <a:rPr lang="en-US" smtClean="0"/>
-              <a:t>12/3/2020</a:t>
+              <a:t>12/4/2020</a:t>
             </a:fld>
             <a:endParaRPr lang="en-US"/>
           </a:p>
@@ -4105,7 +4106,7 @@
           <a:p>
             <a:fld id="{F2C6AE98-BAC0-8443-BBA0-C97A4F30D31A}" type="datetime1">
               <a:rPr lang="en-US" smtClean="0"/>
-              <a:t>12/3/2020</a:t>
+              <a:t>12/4/2020</a:t>
             </a:fld>
             <a:endParaRPr lang="en-US"/>
           </a:p>
@@ -4373,7 +4374,7 @@
           <a:p>
             <a:fld id="{88DBBF51-3929-3A49-BA7D-3AF73092A0AD}" type="datetime1">
               <a:rPr lang="en-US" smtClean="0"/>
-              <a:t>12/3/2020</a:t>
+              <a:t>12/4/2020</a:t>
             </a:fld>
             <a:endParaRPr lang="en-US"/>
           </a:p>
@@ -4571,7 +4572,7 @@
           <a:p>
             <a:fld id="{36C5C674-12AF-41F5-BDE5-1132B29F8CB8}" type="datetime1">
               <a:rPr lang="en-US" smtClean="0"/>
-              <a:t>12/3/2020</a:t>
+              <a:t>12/4/2020</a:t>
             </a:fld>
             <a:endParaRPr lang="en-US"/>
           </a:p>
@@ -6944,7 +6945,7 @@
           <a:p>
             <a:fld id="{3D457031-A04F-0040-B79E-439CA9E02781}" type="datetime1">
               <a:rPr lang="en-US" smtClean="0"/>
-              <a:t>12/3/2020</a:t>
+              <a:t>12/4/2020</a:t>
             </a:fld>
             <a:endParaRPr lang="en-US"/>
           </a:p>
@@ -7194,7 +7195,7 @@
           <a:p>
             <a:fld id="{641269E8-56DE-E044-B0E5-B498755A2633}" type="datetime1">
               <a:rPr lang="en-US" smtClean="0"/>
-              <a:t>12/3/2020</a:t>
+              <a:t>12/4/2020</a:t>
             </a:fld>
             <a:endParaRPr lang="en-US"/>
           </a:p>
@@ -7580,7 +7581,7 @@
           <a:p>
             <a:fld id="{219B2A40-E9E6-7E49-9EE5-F8C2FAB652F4}" type="datetime1">
               <a:rPr lang="en-US" smtClean="0"/>
-              <a:t>12/3/2020</a:t>
+              <a:t>12/4/2020</a:t>
             </a:fld>
             <a:endParaRPr lang="en-US"/>
           </a:p>
@@ -7840,7 +7841,7 @@
           <a:p>
             <a:fld id="{08D12B45-3253-4A45-B8F9-2E00FEB0C480}" type="datetime1">
               <a:rPr lang="en-US" smtClean="0"/>
-              <a:t>12/3/2020</a:t>
+              <a:t>12/4/2020</a:t>
             </a:fld>
             <a:endParaRPr lang="en-US"/>
           </a:p>
@@ -9956,8 +9957,361 @@
           <a:chExt cx="0" cy="0"/>
         </a:xfrm>
       </p:grpSpPr>
-      <mc:AlternateContent xmlns:mc="http://schemas.openxmlformats.org/markup-compatibility/2006">
-        <mc:Choice xmlns:a14="http://schemas.microsoft.com/office/drawing/2010/main" Requires="a14">
+      <p:sp>
+        <p:nvSpPr>
+          <p:cNvPr id="3" name="Title 2">
+            <a:extLst>
+              <a:ext uri="{FF2B5EF4-FFF2-40B4-BE49-F238E27FC236}">
+                <a16:creationId xmlns:a16="http://schemas.microsoft.com/office/drawing/2014/main" id="{10D9C820-AAE1-4FCE-9B15-E7B93F4B6E5D}"/>
+              </a:ext>
+            </a:extLst>
+          </p:cNvPr>
+          <p:cNvSpPr>
+            <a:spLocks noGrp="1"/>
+          </p:cNvSpPr>
+          <p:nvPr>
+            <p:ph type="title"/>
+          </p:nvPr>
+        </p:nvSpPr>
+        <p:spPr/>
+        <p:txBody>
+          <a:bodyPr/>
+          <a:lstStyle/>
+          <a:p>
+            <a:r>
+              <a:rPr lang="en-US" dirty="0"/>
+              <a:t>Tool: Hmm Learn</a:t>
+            </a:r>
+          </a:p>
+        </p:txBody>
+      </p:sp>
+      <p:sp>
+        <p:nvSpPr>
+          <p:cNvPr id="4" name="Slide Number Placeholder 3">
+            <a:extLst>
+              <a:ext uri="{FF2B5EF4-FFF2-40B4-BE49-F238E27FC236}">
+                <a16:creationId xmlns:a16="http://schemas.microsoft.com/office/drawing/2014/main" id="{39A9C1CD-884E-444E-908F-ADABEB829459}"/>
+              </a:ext>
+            </a:extLst>
+          </p:cNvPr>
+          <p:cNvSpPr>
+            <a:spLocks noGrp="1"/>
+          </p:cNvSpPr>
+          <p:nvPr>
+            <p:ph type="sldNum" sz="quarter" idx="16"/>
+          </p:nvPr>
+        </p:nvSpPr>
+        <p:spPr/>
+        <p:txBody>
+          <a:bodyPr/>
+          <a:lstStyle/>
+          <a:p>
+            <a:fld id="{1915DC07-6425-4740-9695-FB9F2ED48CC1}" type="slidenum">
+              <a:rPr lang="en-US" smtClean="0"/>
+              <a:t>10</a:t>
+            </a:fld>
+            <a:endParaRPr lang="en-US"/>
+          </a:p>
+        </p:txBody>
+      </p:sp>
+      <p:pic>
+        <p:nvPicPr>
+          <p:cNvPr id="6" name="Picture 5">
+            <a:extLst>
+              <a:ext uri="{FF2B5EF4-FFF2-40B4-BE49-F238E27FC236}">
+                <a16:creationId xmlns:a16="http://schemas.microsoft.com/office/drawing/2014/main" id="{4C5DEB5E-FC90-4B48-89C2-B0225F62DE1C}"/>
+              </a:ext>
+            </a:extLst>
+          </p:cNvPr>
+          <p:cNvPicPr>
+            <a:picLocks noChangeAspect="1"/>
+          </p:cNvPicPr>
+          <p:nvPr/>
+        </p:nvPicPr>
+        <p:blipFill>
+          <a:blip r:embed="rId2"/>
+          <a:stretch>
+            <a:fillRect/>
+          </a:stretch>
+        </p:blipFill>
+        <p:spPr>
+          <a:xfrm>
+            <a:off x="436418" y="1103109"/>
+            <a:ext cx="8686800" cy="3006718"/>
+          </a:xfrm>
+          <a:prstGeom prst="rect">
+            <a:avLst/>
+          </a:prstGeom>
+        </p:spPr>
+      </p:pic>
+      <p:pic>
+        <p:nvPicPr>
+          <p:cNvPr id="8" name="Picture 7">
+            <a:extLst>
+              <a:ext uri="{FF2B5EF4-FFF2-40B4-BE49-F238E27FC236}">
+                <a16:creationId xmlns:a16="http://schemas.microsoft.com/office/drawing/2014/main" id="{767F577F-54AF-43FB-8908-74FACBD43FF5}"/>
+              </a:ext>
+            </a:extLst>
+          </p:cNvPr>
+          <p:cNvPicPr>
+            <a:picLocks noChangeAspect="1"/>
+          </p:cNvPicPr>
+          <p:nvPr/>
+        </p:nvPicPr>
+        <p:blipFill>
+          <a:blip r:embed="rId3"/>
+          <a:stretch>
+            <a:fillRect/>
+          </a:stretch>
+        </p:blipFill>
+        <p:spPr>
+          <a:xfrm>
+            <a:off x="363682" y="4655348"/>
+            <a:ext cx="8759536" cy="1153792"/>
+          </a:xfrm>
+          <a:prstGeom prst="rect">
+            <a:avLst/>
+          </a:prstGeom>
+        </p:spPr>
+      </p:pic>
+      <p:sp>
+        <p:nvSpPr>
+          <p:cNvPr id="9" name="TextBox 8">
+            <a:extLst>
+              <a:ext uri="{FF2B5EF4-FFF2-40B4-BE49-F238E27FC236}">
+                <a16:creationId xmlns:a16="http://schemas.microsoft.com/office/drawing/2014/main" id="{0B84C342-2D8E-4B18-8C21-A6CAA46296A0}"/>
+              </a:ext>
+            </a:extLst>
+          </p:cNvPr>
+          <p:cNvSpPr txBox="1"/>
+          <p:nvPr/>
+        </p:nvSpPr>
+        <p:spPr bwMode="gray">
+          <a:xfrm>
+            <a:off x="363681" y="835902"/>
+            <a:ext cx="5288973" cy="545521"/>
+          </a:xfrm>
+          <a:prstGeom prst="rect">
+            <a:avLst/>
+          </a:prstGeom>
+          <a:noFill/>
+        </p:spPr>
+        <p:txBody>
+          <a:bodyPr wrap="square" lIns="0" tIns="0" rIns="0" bIns="0" rtlCol="0">
+            <a:noAutofit/>
+          </a:bodyPr>
+          <a:lstStyle/>
+          <a:p>
+            <a:pPr marL="182563" indent="-182563">
+              <a:spcBef>
+                <a:spcPts val="300"/>
+              </a:spcBef>
+              <a:spcAft>
+                <a:spcPts val="300"/>
+              </a:spcAft>
+              <a:buClr>
+                <a:schemeClr val="accent1"/>
+              </a:buClr>
+              <a:buSzPct val="90000"/>
+              <a:buFont typeface="Arial" panose="020B0604020202020204" pitchFamily="34" charset="0"/>
+              <a:buChar char="■"/>
+            </a:pPr>
+            <a:r>
+              <a:rPr lang="en-US" dirty="0"/>
+              <a:t>Initializing and Sampling a Model </a:t>
+            </a:r>
+          </a:p>
+        </p:txBody>
+      </p:sp>
+      <p:sp>
+        <p:nvSpPr>
+          <p:cNvPr id="12" name="TextBox 11">
+            <a:extLst>
+              <a:ext uri="{FF2B5EF4-FFF2-40B4-BE49-F238E27FC236}">
+                <a16:creationId xmlns:a16="http://schemas.microsoft.com/office/drawing/2014/main" id="{5CBDE3B2-979E-4B2F-B252-ABCA8B5E8D38}"/>
+              </a:ext>
+            </a:extLst>
+          </p:cNvPr>
+          <p:cNvSpPr txBox="1"/>
+          <p:nvPr/>
+        </p:nvSpPr>
+        <p:spPr bwMode="gray">
+          <a:xfrm>
+            <a:off x="422564" y="4392734"/>
+            <a:ext cx="3958936" cy="545521"/>
+          </a:xfrm>
+          <a:prstGeom prst="rect">
+            <a:avLst/>
+          </a:prstGeom>
+          <a:noFill/>
+        </p:spPr>
+        <p:txBody>
+          <a:bodyPr wrap="square" lIns="0" tIns="0" rIns="0" bIns="0" rtlCol="0">
+            <a:noAutofit/>
+          </a:bodyPr>
+          <a:lstStyle/>
+          <a:p>
+            <a:pPr marL="182563" indent="-182563">
+              <a:spcBef>
+                <a:spcPts val="300"/>
+              </a:spcBef>
+              <a:spcAft>
+                <a:spcPts val="300"/>
+              </a:spcAft>
+              <a:buClr>
+                <a:schemeClr val="accent1"/>
+              </a:buClr>
+              <a:buSzPct val="90000"/>
+              <a:buFont typeface="Arial" panose="020B0604020202020204" pitchFamily="34" charset="0"/>
+              <a:buChar char="■"/>
+            </a:pPr>
+            <a:r>
+              <a:rPr lang="en-US" dirty="0"/>
+              <a:t>Learning </a:t>
+            </a:r>
+          </a:p>
+        </p:txBody>
+      </p:sp>
+    </p:spTree>
+    <p:extLst>
+      <p:ext uri="{BB962C8B-B14F-4D97-AF65-F5344CB8AC3E}">
+        <p14:creationId xmlns:p14="http://schemas.microsoft.com/office/powerpoint/2010/main" val="3504014497"/>
+      </p:ext>
+    </p:extLst>
+  </p:cSld>
+  <p:clrMapOvr>
+    <a:masterClrMapping/>
+  </p:clrMapOvr>
+  <p:transition>
+    <p:fade/>
+  </p:transition>
+  <p:timing>
+    <p:tnLst>
+      <p:par>
+        <p:cTn id="1" dur="indefinite" restart="never" nodeType="tmRoot">
+          <p:childTnLst>
+            <p:seq concurrent="1" nextAc="seek">
+              <p:cTn id="2" dur="indefinite" nodeType="mainSeq">
+                <p:childTnLst>
+                  <p:par>
+                    <p:cTn id="3" fill="hold">
+                      <p:stCondLst>
+                        <p:cond delay="indefinite"/>
+                      </p:stCondLst>
+                      <p:childTnLst>
+                        <p:par>
+                          <p:cTn id="4" fill="hold">
+                            <p:stCondLst>
+                              <p:cond delay="0"/>
+                            </p:stCondLst>
+                            <p:childTnLst>
+                              <p:par>
+                                <p:cTn id="5" presetID="1" presetClass="entr" presetSubtype="0" fill="hold" nodeType="clickEffect">
+                                  <p:stCondLst>
+                                    <p:cond delay="0"/>
+                                  </p:stCondLst>
+                                  <p:childTnLst>
+                                    <p:set>
+                                      <p:cBhvr>
+                                        <p:cTn id="6" dur="1" fill="hold">
+                                          <p:stCondLst>
+                                            <p:cond delay="0"/>
+                                          </p:stCondLst>
+                                        </p:cTn>
+                                        <p:tgtEl>
+                                          <p:spTgt spid="8"/>
+                                        </p:tgtEl>
+                                        <p:attrNameLst>
+                                          <p:attrName>style.visibility</p:attrName>
+                                        </p:attrNameLst>
+                                      </p:cBhvr>
+                                      <p:to>
+                                        <p:strVal val="visible"/>
+                                      </p:to>
+                                    </p:set>
+                                  </p:childTnLst>
+                                </p:cTn>
+                              </p:par>
+                              <p:par>
+                                <p:cTn id="7" presetID="1" presetClass="entr" presetSubtype="0" fill="hold" grpId="0" nodeType="withEffect">
+                                  <p:stCondLst>
+                                    <p:cond delay="0"/>
+                                  </p:stCondLst>
+                                  <p:childTnLst>
+                                    <p:set>
+                                      <p:cBhvr>
+                                        <p:cTn id="8" dur="1" fill="hold">
+                                          <p:stCondLst>
+                                            <p:cond delay="0"/>
+                                          </p:stCondLst>
+                                        </p:cTn>
+                                        <p:tgtEl>
+                                          <p:spTgt spid="12"/>
+                                        </p:tgtEl>
+                                        <p:attrNameLst>
+                                          <p:attrName>style.visibility</p:attrName>
+                                        </p:attrNameLst>
+                                      </p:cBhvr>
+                                      <p:to>
+                                        <p:strVal val="visible"/>
+                                      </p:to>
+                                    </p:set>
+                                  </p:childTnLst>
+                                </p:cTn>
+                              </p:par>
+                            </p:childTnLst>
+                          </p:cTn>
+                        </p:par>
+                      </p:childTnLst>
+                    </p:cTn>
+                  </p:par>
+                </p:childTnLst>
+              </p:cTn>
+              <p:prevCondLst>
+                <p:cond evt="onPrev" delay="0">
+                  <p:tgtEl>
+                    <p:sldTgt/>
+                  </p:tgtEl>
+                </p:cond>
+              </p:prevCondLst>
+              <p:nextCondLst>
+                <p:cond evt="onNext" delay="0">
+                  <p:tgtEl>
+                    <p:sldTgt/>
+                  </p:tgtEl>
+                </p:cond>
+              </p:nextCondLst>
+            </p:seq>
+          </p:childTnLst>
+        </p:cTn>
+      </p:par>
+    </p:tnLst>
+    <p:bldLst>
+      <p:bldP spid="12" grpId="0"/>
+    </p:bldLst>
+  </p:timing>
+</p:sld>
+</file>
+
+<file path=ppt/slides/slide11.xml><?xml version="1.0" encoding="utf-8"?>
+<p:sld xmlns:a="http://schemas.openxmlformats.org/drawingml/2006/main" xmlns:r="http://schemas.openxmlformats.org/officeDocument/2006/relationships" xmlns:p="http://schemas.openxmlformats.org/presentationml/2006/main">
+  <p:cSld>
+    <p:spTree>
+      <p:nvGrpSpPr>
+        <p:cNvPr id="1" name=""/>
+        <p:cNvGrpSpPr/>
+        <p:nvPr/>
+      </p:nvGrpSpPr>
+      <p:grpSpPr>
+        <a:xfrm>
+          <a:off x="0" y="0"/>
+          <a:ext cx="0" cy="0"/>
+          <a:chOff x="0" y="0"/>
+          <a:chExt cx="0" cy="0"/>
+        </a:xfrm>
+      </p:grpSpPr>
+      <mc:AlternateContent xmlns:mc="http://schemas.openxmlformats.org/markup-compatibility/2006" xmlns:a14="http://schemas.microsoft.com/office/drawing/2010/main">
+        <mc:Choice Requires="a14">
           <p:sp>
             <p:nvSpPr>
               <p:cNvPr id="2" name="Text Placeholder 1">
@@ -10087,13 +10441,7 @@
                           <a:rPr lang="en-US" b="0" i="1" smtClean="0">
                             <a:latin typeface="Cambria Math" panose="02040503050406030204" pitchFamily="18" charset="0"/>
                           </a:rPr>
-                          <m:t>𝑂</m:t>
-                        </m:r>
-                        <m:r>
-                          <a:rPr lang="en-US" b="0" i="1" smtClean="0">
-                            <a:latin typeface="Cambria Math" panose="02040503050406030204" pitchFamily="18" charset="0"/>
-                          </a:rPr>
-                          <m:t>𝑑</m:t>
+                          <m:t>𝑂𝑑</m:t>
                         </m:r>
                       </m:e>
                       <m:sub>
@@ -10324,13 +10672,7 @@
                           <a:rPr lang="en-US" b="0" i="1" smtClean="0">
                             <a:latin typeface="Cambria Math" panose="02040503050406030204" pitchFamily="18" charset="0"/>
                           </a:rPr>
-                          <m:t>𝑂</m:t>
-                        </m:r>
-                        <m:r>
-                          <a:rPr lang="en-US" b="0" i="1" smtClean="0">
-                            <a:latin typeface="Cambria Math" panose="02040503050406030204" pitchFamily="18" charset="0"/>
-                          </a:rPr>
-                          <m:t>𝑑</m:t>
+                          <m:t>𝑂𝑑</m:t>
                         </m:r>
                       </m:e>
                       <m:sub>
@@ -10447,13 +10789,7 @@
                           <a:rPr lang="en-US" b="0" i="1" smtClean="0">
                             <a:latin typeface="Cambria Math" panose="02040503050406030204" pitchFamily="18" charset="0"/>
                           </a:rPr>
-                          <m:t>𝑂</m:t>
-                        </m:r>
-                        <m:r>
-                          <a:rPr lang="en-US" b="0" i="1" smtClean="0">
-                            <a:latin typeface="Cambria Math" panose="02040503050406030204" pitchFamily="18" charset="0"/>
-                          </a:rPr>
-                          <m:t>𝑢</m:t>
+                          <m:t>𝑂𝑢</m:t>
                         </m:r>
                       </m:e>
                       <m:sub>
@@ -10645,7 +10981,7 @@
             </p:txBody>
           </p:sp>
         </mc:Choice>
-        <mc:Fallback>
+        <mc:Fallback xmlns="">
           <p:sp>
             <p:nvSpPr>
               <p:cNvPr id="2" name="Text Placeholder 1">
@@ -10740,7 +11076,7 @@
           <a:p>
             <a:fld id="{1915DC07-6425-4740-9695-FB9F2ED48CC1}" type="slidenum">
               <a:rPr lang="en-US" smtClean="0"/>
-              <a:t>10</a:t>
+              <a:t>11</a:t>
             </a:fld>
             <a:endParaRPr lang="en-US"/>
           </a:p>
@@ -10762,7 +11098,7 @@
 </p:sld>
 </file>
 
-<file path=ppt/slides/slide11.xml><?xml version="1.0" encoding="utf-8"?>
+<file path=ppt/slides/slide12.xml><?xml version="1.0" encoding="utf-8"?>
 <p:sld xmlns:a="http://schemas.openxmlformats.org/drawingml/2006/main" xmlns:r="http://schemas.openxmlformats.org/officeDocument/2006/relationships" xmlns:p="http://schemas.openxmlformats.org/presentationml/2006/main">
   <p:cSld>
     <p:spTree>
@@ -10938,7 +11274,7 @@
           <a:p>
             <a:fld id="{1915DC07-6425-4740-9695-FB9F2ED48CC1}" type="slidenum">
               <a:rPr lang="en-US" smtClean="0"/>
-              <a:t>11</a:t>
+              <a:t>12</a:t>
             </a:fld>
             <a:endParaRPr lang="en-US"/>
           </a:p>
@@ -10960,7 +11296,7 @@
 </p:sld>
 </file>
 
-<file path=ppt/slides/slide12.xml><?xml version="1.0" encoding="utf-8"?>
+<file path=ppt/slides/slide13.xml><?xml version="1.0" encoding="utf-8"?>
 <p:sld xmlns:a="http://schemas.openxmlformats.org/drawingml/2006/main" xmlns:r="http://schemas.openxmlformats.org/officeDocument/2006/relationships" xmlns:p="http://schemas.openxmlformats.org/presentationml/2006/main">
   <p:cSld>
     <p:spTree>
@@ -10977,8 +11313,8 @@
           <a:chExt cx="0" cy="0"/>
         </a:xfrm>
       </p:grpSpPr>
-      <mc:AlternateContent xmlns:mc="http://schemas.openxmlformats.org/markup-compatibility/2006">
-        <mc:Choice xmlns:a14="http://schemas.microsoft.com/office/drawing/2010/main" Requires="a14">
+      <mc:AlternateContent xmlns:mc="http://schemas.openxmlformats.org/markup-compatibility/2006" xmlns:a14="http://schemas.microsoft.com/office/drawing/2010/main">
+        <mc:Choice Requires="a14">
           <p:sp>
             <p:nvSpPr>
               <p:cNvPr id="2" name="Text Placeholder 1">
@@ -13375,7 +13711,7 @@
             </p:txBody>
           </p:sp>
         </mc:Choice>
-        <mc:Fallback>
+        <mc:Fallback xmlns="">
           <p:sp>
             <p:nvSpPr>
               <p:cNvPr id="2" name="Text Placeholder 1">
@@ -13470,7 +13806,7 @@
           <a:p>
             <a:fld id="{1915DC07-6425-4740-9695-FB9F2ED48CC1}" type="slidenum">
               <a:rPr lang="en-US" smtClean="0"/>
-              <a:t>12</a:t>
+              <a:t>13</a:t>
             </a:fld>
             <a:endParaRPr lang="en-US"/>
           </a:p>
@@ -13492,7 +13828,7 @@
 </p:sld>
 </file>
 
-<file path=ppt/slides/slide13.xml><?xml version="1.0" encoding="utf-8"?>
+<file path=ppt/slides/slide14.xml><?xml version="1.0" encoding="utf-8"?>
 <p:sld xmlns:a="http://schemas.openxmlformats.org/drawingml/2006/main" xmlns:r="http://schemas.openxmlformats.org/officeDocument/2006/relationships" xmlns:p="http://schemas.openxmlformats.org/presentationml/2006/main">
   <p:cSld>
     <p:spTree>
@@ -13509,8 +13845,8 @@
           <a:chExt cx="0" cy="0"/>
         </a:xfrm>
       </p:grpSpPr>
-      <mc:AlternateContent xmlns:mc="http://schemas.openxmlformats.org/markup-compatibility/2006">
-        <mc:Choice xmlns:a14="http://schemas.microsoft.com/office/drawing/2010/main" Requires="a14">
+      <mc:AlternateContent xmlns:mc="http://schemas.openxmlformats.org/markup-compatibility/2006" xmlns:a14="http://schemas.microsoft.com/office/drawing/2010/main">
+        <mc:Choice Requires="a14">
           <p:sp>
             <p:nvSpPr>
               <p:cNvPr id="2" name="Text Placeholder 1">
@@ -14964,7 +15300,7 @@
             </p:txBody>
           </p:sp>
         </mc:Choice>
-        <mc:Fallback>
+        <mc:Fallback xmlns="">
           <p:sp>
             <p:nvSpPr>
               <p:cNvPr id="2" name="Text Placeholder 1">
@@ -15008,8 +15344,8 @@
           </p:sp>
         </mc:Fallback>
       </mc:AlternateContent>
-      <mc:AlternateContent xmlns:mc="http://schemas.openxmlformats.org/markup-compatibility/2006">
-        <mc:Choice xmlns:a14="http://schemas.microsoft.com/office/drawing/2010/main" Requires="a14">
+      <mc:AlternateContent xmlns:mc="http://schemas.openxmlformats.org/markup-compatibility/2006" xmlns:a14="http://schemas.microsoft.com/office/drawing/2010/main">
+        <mc:Choice Requires="a14">
           <p:sp>
             <p:nvSpPr>
               <p:cNvPr id="3" name="Title 2">
@@ -15080,7 +15416,7 @@
             </p:txBody>
           </p:sp>
         </mc:Choice>
-        <mc:Fallback>
+        <mc:Fallback xmlns="">
           <p:sp>
             <p:nvSpPr>
               <p:cNvPr id="3" name="Title 2">
@@ -15143,7 +15479,7 @@
           <a:p>
             <a:fld id="{1915DC07-6425-4740-9695-FB9F2ED48CC1}" type="slidenum">
               <a:rPr lang="en-US" smtClean="0"/>
-              <a:t>13</a:t>
+              <a:t>14</a:t>
             </a:fld>
             <a:endParaRPr lang="en-US"/>
           </a:p>
@@ -15165,7 +15501,7 @@
 </p:sld>
 </file>
 
-<file path=ppt/slides/slide14.xml><?xml version="1.0" encoding="utf-8"?>
+<file path=ppt/slides/slide15.xml><?xml version="1.0" encoding="utf-8"?>
 <p:sld xmlns:a="http://schemas.openxmlformats.org/drawingml/2006/main" xmlns:r="http://schemas.openxmlformats.org/officeDocument/2006/relationships" xmlns:p="http://schemas.openxmlformats.org/presentationml/2006/main">
   <p:cSld>
     <p:spTree>
@@ -15228,7 +15564,7 @@
 </p:sld>
 </file>
 
-<file path=ppt/slides/slide15.xml><?xml version="1.0" encoding="utf-8"?>
+<file path=ppt/slides/slide16.xml><?xml version="1.0" encoding="utf-8"?>
 <p:sld xmlns:a="http://schemas.openxmlformats.org/drawingml/2006/main" xmlns:r="http://schemas.openxmlformats.org/officeDocument/2006/relationships" xmlns:p="http://schemas.openxmlformats.org/presentationml/2006/main">
   <p:cSld>
     <p:spTree>
@@ -16962,8 +17298,8 @@
           <a:chExt cx="0" cy="0"/>
         </a:xfrm>
       </p:grpSpPr>
-      <mc:AlternateContent xmlns:mc="http://schemas.openxmlformats.org/markup-compatibility/2006">
-        <mc:Choice xmlns:a14="http://schemas.microsoft.com/office/drawing/2010/main" Requires="a14">
+      <mc:AlternateContent xmlns:mc="http://schemas.openxmlformats.org/markup-compatibility/2006" xmlns:a14="http://schemas.microsoft.com/office/drawing/2010/main">
+        <mc:Choice Requires="a14">
           <p:sp>
             <p:nvSpPr>
               <p:cNvPr id="2" name="Text Placeholder 1">
@@ -17345,7 +17681,7 @@
             </p:txBody>
           </p:sp>
         </mc:Choice>
-        <mc:Fallback>
+        <mc:Fallback xmlns="">
           <p:sp>
             <p:nvSpPr>
               <p:cNvPr id="2" name="Text Placeholder 1">
@@ -17446,6 +17782,71 @@
           </a:p>
         </p:txBody>
       </p:sp>
+      <p:sp>
+        <p:nvSpPr>
+          <p:cNvPr id="6" name="TextBox 5">
+            <a:extLst>
+              <a:ext uri="{FF2B5EF4-FFF2-40B4-BE49-F238E27FC236}">
+                <a16:creationId xmlns:a16="http://schemas.microsoft.com/office/drawing/2014/main" id="{7E438216-724B-4E60-9EAA-3B6E6C65CB9A}"/>
+              </a:ext>
+            </a:extLst>
+          </p:cNvPr>
+          <p:cNvSpPr txBox="1"/>
+          <p:nvPr/>
+        </p:nvSpPr>
+        <p:spPr bwMode="gray">
+          <a:xfrm>
+            <a:off x="37958" y="5832221"/>
+            <a:ext cx="11914862" cy="923330"/>
+          </a:xfrm>
+          <a:prstGeom prst="rect">
+            <a:avLst/>
+          </a:prstGeom>
+          <a:noFill/>
+        </p:spPr>
+        <p:txBody>
+          <a:bodyPr wrap="square">
+            <a:spAutoFit/>
+          </a:bodyPr>
+          <a:lstStyle/>
+          <a:p>
+            <a:r>
+              <a:rPr lang="en-US" b="1" dirty="0"/>
+              <a:t>Reference</a:t>
+            </a:r>
+            <a:r>
+              <a:rPr lang="en-US" dirty="0"/>
+              <a:t>:</a:t>
+            </a:r>
+          </a:p>
+          <a:p>
+            <a:r>
+              <a:rPr lang="en-US" dirty="0" err="1"/>
+              <a:t>Rabiner</a:t>
+            </a:r>
+            <a:r>
+              <a:rPr lang="en-US" dirty="0"/>
+              <a:t>, L. R. (1989). A tutorial on hidden Markov models and selected applications in speech recognition. </a:t>
+            </a:r>
+            <a:r>
+              <a:rPr lang="en-US" i="1" dirty="0"/>
+              <a:t>Proceedings of the IEEE</a:t>
+            </a:r>
+            <a:r>
+              <a:rPr lang="en-US" dirty="0"/>
+              <a:t>, </a:t>
+            </a:r>
+            <a:r>
+              <a:rPr lang="en-US" i="1" dirty="0"/>
+              <a:t>77</a:t>
+            </a:r>
+            <a:r>
+              <a:rPr lang="en-US" dirty="0"/>
+              <a:t>(2), 257-286.</a:t>
+            </a:r>
+          </a:p>
+        </p:txBody>
+      </p:sp>
     </p:spTree>
     <p:extLst>
       <p:ext uri="{BB962C8B-B14F-4D97-AF65-F5344CB8AC3E}">
@@ -17479,8 +17880,8 @@
           <a:chExt cx="0" cy="0"/>
         </a:xfrm>
       </p:grpSpPr>
-      <mc:AlternateContent xmlns:mc="http://schemas.openxmlformats.org/markup-compatibility/2006">
-        <mc:Choice xmlns:a14="http://schemas.microsoft.com/office/drawing/2010/main" Requires="a14">
+      <mc:AlternateContent xmlns:mc="http://schemas.openxmlformats.org/markup-compatibility/2006" xmlns:a14="http://schemas.microsoft.com/office/drawing/2010/main">
+        <mc:Choice Requires="a14">
           <p:sp>
             <p:nvSpPr>
               <p:cNvPr id="2" name="Text Placeholder 1">
@@ -18223,7 +18624,7 @@
             </p:txBody>
           </p:sp>
         </mc:Choice>
-        <mc:Fallback>
+        <mc:Fallback xmlns="">
           <p:sp>
             <p:nvSpPr>
               <p:cNvPr id="2" name="Text Placeholder 1">
@@ -18357,8 +18758,8 @@
           <a:chExt cx="0" cy="0"/>
         </a:xfrm>
       </p:grpSpPr>
-      <mc:AlternateContent xmlns:mc="http://schemas.openxmlformats.org/markup-compatibility/2006">
-        <mc:Choice xmlns:a14="http://schemas.microsoft.com/office/drawing/2010/main" Requires="a14">
+      <mc:AlternateContent xmlns:mc="http://schemas.openxmlformats.org/markup-compatibility/2006" xmlns:a14="http://schemas.microsoft.com/office/drawing/2010/main">
+        <mc:Choice Requires="a14">
           <p:sp>
             <p:nvSpPr>
               <p:cNvPr id="2" name="Text Placeholder 1">
@@ -18914,7 +19315,7 @@
             </p:txBody>
           </p:sp>
         </mc:Choice>
-        <mc:Fallback>
+        <mc:Fallback xmlns="">
           <p:sp>
             <p:nvSpPr>
               <p:cNvPr id="2" name="Text Placeholder 1">
@@ -19068,8 +19469,8 @@
             </p:nvSpPr>
             <p:spPr>
               <a:xfrm>
-                <a:off x="478369" y="1225486"/>
-                <a:ext cx="11502616" cy="4746428"/>
+                <a:off x="344692" y="1020710"/>
+                <a:ext cx="11502616" cy="3282524"/>
               </a:xfrm>
             </p:spPr>
             <p:txBody>
@@ -19079,84 +19480,76 @@
                 <a:pPr marL="0" indent="0">
                   <a:buNone/>
                 </a:pPr>
-                <a:endParaRPr lang="en-US" b="0" i="1" dirty="0">
-                  <a:latin typeface="Cambria Math" panose="02040503050406030204" pitchFamily="18" charset="0"/>
-                </a:endParaRPr>
-              </a:p>
-              <a:p>
-                <a:pPr marL="0" indent="0">
-                  <a:buNone/>
-                </a:pPr>
                 <a14:m>
                   <m:oMath xmlns:m="http://schemas.openxmlformats.org/officeDocument/2006/math">
                     <m:r>
-                      <a:rPr lang="en-US" b="0" i="1" smtClean="0">
+                      <a:rPr lang="en-US" sz="1600" b="0" i="1" smtClean="0">
                         <a:latin typeface="Cambria Math" panose="02040503050406030204" pitchFamily="18" charset="0"/>
                       </a:rPr>
                       <m:t>𝜃</m:t>
                     </m:r>
                     <m:r>
-                      <a:rPr lang="en-US" b="0" i="1" smtClean="0">
+                      <a:rPr lang="en-US" sz="1600" b="0" i="1" smtClean="0">
                         <a:latin typeface="Cambria Math" panose="02040503050406030204" pitchFamily="18" charset="0"/>
                       </a:rPr>
                       <m:t>=(</m:t>
                     </m:r>
                     <m:r>
-                      <a:rPr lang="en-US" b="0" i="1" smtClean="0">
+                      <a:rPr lang="en-US" sz="1600" b="0" i="1" smtClean="0">
                         <a:latin typeface="Cambria Math" panose="02040503050406030204" pitchFamily="18" charset="0"/>
                       </a:rPr>
                       <m:t>𝑆</m:t>
                     </m:r>
                     <m:r>
-                      <a:rPr lang="en-US" b="0" i="1" smtClean="0">
+                      <a:rPr lang="en-US" sz="1600" b="0" i="1" smtClean="0">
                         <a:latin typeface="Cambria Math" panose="02040503050406030204" pitchFamily="18" charset="0"/>
                       </a:rPr>
                       <m:t>, </m:t>
                     </m:r>
                     <m:r>
-                      <a:rPr lang="en-US" b="0" i="1" smtClean="0">
+                      <a:rPr lang="en-US" sz="1600" b="0" i="1" smtClean="0">
                         <a:latin typeface="Cambria Math" panose="02040503050406030204" pitchFamily="18" charset="0"/>
                       </a:rPr>
                       <m:t>𝑂</m:t>
                     </m:r>
                     <m:r>
-                      <a:rPr lang="en-US" b="0" i="1" smtClean="0">
+                      <a:rPr lang="en-US" sz="1600" b="0" i="1" smtClean="0">
                         <a:latin typeface="Cambria Math" panose="02040503050406030204" pitchFamily="18" charset="0"/>
                       </a:rPr>
                       <m:t>, </m:t>
                     </m:r>
                     <m:r>
-                      <a:rPr lang="en-US" b="0" i="1" smtClean="0">
+                      <a:rPr lang="en-US" sz="1600" b="0" i="1" smtClean="0">
                         <a:latin typeface="Cambria Math" panose="02040503050406030204" pitchFamily="18" charset="0"/>
                       </a:rPr>
                       <m:t>𝐴</m:t>
                     </m:r>
                     <m:r>
-                      <a:rPr lang="en-US" b="0" i="1" smtClean="0">
+                      <a:rPr lang="en-US" sz="1600" b="0" i="1" smtClean="0">
                         <a:latin typeface="Cambria Math" panose="02040503050406030204" pitchFamily="18" charset="0"/>
                       </a:rPr>
                       <m:t>,</m:t>
                     </m:r>
                     <m:r>
-                      <a:rPr lang="en-US" b="0" i="1" smtClean="0">
+                      <a:rPr lang="en-US" sz="1600" b="0" i="1" smtClean="0">
                         <a:latin typeface="Cambria Math" panose="02040503050406030204" pitchFamily="18" charset="0"/>
                       </a:rPr>
                       <m:t>𝐵</m:t>
                     </m:r>
                     <m:r>
-                      <a:rPr lang="en-US" b="0" i="1" smtClean="0">
+                      <a:rPr lang="en-US" sz="1600" b="0" i="1" smtClean="0">
                         <a:latin typeface="Cambria Math" panose="02040503050406030204" pitchFamily="18" charset="0"/>
                       </a:rPr>
                       <m:t>,</m:t>
                     </m:r>
                     <m:r>
-                      <a:rPr lang="en-US" b="0" i="1" smtClean="0">
+                      <a:rPr lang="en-US" sz="1600" b="0" i="1" smtClean="0">
                         <a:latin typeface="Cambria Math" panose="02040503050406030204" pitchFamily="18" charset="0"/>
                       </a:rPr>
                       <m:t>𝜋</m:t>
                     </m:r>
                     <m:r>
-                      <a:rPr lang="en-US" b="0" i="1" smtClean="0">
+                      <a:rPr lang="en-US" sz="1600" b="0" i="1" smtClean="0">
                         <a:latin typeface="Cambria Math" panose="02040503050406030204" pitchFamily="18" charset="0"/>
                       </a:rPr>
                       <m:t>)</m:t>
@@ -19164,7 +19557,7 @@
                   </m:oMath>
                 </a14:m>
                 <a:r>
-                  <a:rPr lang="en-US" i="0" dirty="0">
+                  <a:rPr lang="en-US" sz="1600" i="0" dirty="0">
                     <a:latin typeface="+mj-lt"/>
                   </a:rPr>
                   <a:t> : prior HMM model</a:t>
@@ -19177,7 +19570,7 @@
                 <a14:m>
                   <m:oMath xmlns:m="http://schemas.openxmlformats.org/officeDocument/2006/math">
                     <m:r>
-                      <a:rPr lang="en-US" b="0" i="1" dirty="0" smtClean="0">
+                      <a:rPr lang="en-US" sz="1600" b="0" i="1" dirty="0" smtClean="0">
                         <a:latin typeface="Cambria Math" panose="02040503050406030204" pitchFamily="18" charset="0"/>
                       </a:rPr>
                       <m:t>𝑂</m:t>
@@ -19185,18 +19578,18 @@
                   </m:oMath>
                 </a14:m>
                 <a:r>
-                  <a:rPr lang="en-US" b="0" i="0" dirty="0">
+                  <a:rPr lang="en-US" sz="1600" b="0" i="0" dirty="0">
                     <a:latin typeface="+mj-lt"/>
                   </a:rPr>
                   <a:t>: sequence of observations</a:t>
                 </a:r>
                 <a:r>
-                  <a:rPr lang="en-US" dirty="0">
+                  <a:rPr lang="en-US" sz="1600" dirty="0">
                     <a:latin typeface="+mj-lt"/>
                   </a:rPr>
                   <a:t> </a:t>
                 </a:r>
-                <a:endParaRPr lang="en-US" b="0" i="1" dirty="0">
+                <a:endParaRPr lang="en-US" sz="1600" b="0" i="1" dirty="0">
                   <a:latin typeface="Cambria Math" panose="02040503050406030204" pitchFamily="18" charset="0"/>
                 </a:endParaRPr>
               </a:p>
@@ -19209,14 +19602,14 @@
                     <m:sSub>
                       <m:sSubPr>
                         <m:ctrlPr>
-                          <a:rPr lang="en-US" b="0" i="1" smtClean="0">
+                          <a:rPr lang="en-US" sz="1600" b="0" i="1" smtClean="0">
                             <a:latin typeface="Cambria Math" panose="02040503050406030204" pitchFamily="18" charset="0"/>
                           </a:rPr>
                         </m:ctrlPr>
                       </m:sSubPr>
                       <m:e>
                         <m:r>
-                          <a:rPr lang="en-US" b="0" i="1" smtClean="0">
+                          <a:rPr lang="en-US" sz="1600" b="0" i="1" smtClean="0">
                             <a:latin typeface="Cambria Math" panose="02040503050406030204" pitchFamily="18" charset="0"/>
                           </a:rPr>
                           <m:t>𝛼</m:t>
@@ -19224,7 +19617,7 @@
                       </m:e>
                       <m:sub>
                         <m:r>
-                          <a:rPr lang="en-US" b="0" i="1" smtClean="0">
+                          <a:rPr lang="en-US" sz="1600" b="0" i="1" smtClean="0">
                             <a:latin typeface="Cambria Math" panose="02040503050406030204" pitchFamily="18" charset="0"/>
                           </a:rPr>
                           <m:t>𝑡</m:t>
@@ -19234,14 +19627,14 @@
                     <m:d>
                       <m:dPr>
                         <m:ctrlPr>
-                          <a:rPr lang="en-US" b="0" i="1" smtClean="0">
+                          <a:rPr lang="en-US" sz="1600" b="0" i="1" smtClean="0">
                             <a:latin typeface="Cambria Math" panose="02040503050406030204" pitchFamily="18" charset="0"/>
                           </a:rPr>
                         </m:ctrlPr>
                       </m:dPr>
                       <m:e>
                         <m:r>
-                          <a:rPr lang="en-US" b="0" i="1" smtClean="0">
+                          <a:rPr lang="en-US" sz="1600" b="0" i="1" smtClean="0">
                             <a:latin typeface="Cambria Math" panose="02040503050406030204" pitchFamily="18" charset="0"/>
                           </a:rPr>
                           <m:t>𝑖</m:t>
@@ -19251,15 +19644,26 @@
                   </m:oMath>
                 </a14:m>
                 <a:r>
-                  <a:rPr lang="en-US" b="0" i="0" dirty="0">
+                  <a:rPr lang="en-US" sz="1600" b="0" i="0" dirty="0">
                     <a:latin typeface="+mj-lt"/>
                   </a:rPr>
                   <a:t>:computed by the forward step </a:t>
                 </a:r>
+              </a:p>
+              <a:p>
+                <a:pPr marL="0" indent="0">
+                  <a:buNone/>
+                </a:pPr>
+                <a:r>
+                  <a:rPr lang="en-US" sz="1600" dirty="0">
+                    <a:latin typeface="+mj-lt"/>
+                  </a:rPr>
+                  <a:t>	</a:t>
+                </a:r>
                 <a14:m>
                   <m:oMath xmlns:m="http://schemas.openxmlformats.org/officeDocument/2006/math">
                     <m:r>
-                      <a:rPr lang="en-US" i="1">
+                      <a:rPr lang="en-US" sz="1600" i="1">
                         <a:latin typeface="Cambria Math" panose="02040503050406030204" pitchFamily="18" charset="0"/>
                       </a:rPr>
                       <m:t>𝑃</m:t>
@@ -19267,14 +19671,14 @@
                     <m:d>
                       <m:dPr>
                         <m:ctrlPr>
-                          <a:rPr lang="en-US" i="1">
+                          <a:rPr lang="en-US" sz="1600" i="1">
                             <a:latin typeface="Cambria Math" panose="02040503050406030204" pitchFamily="18" charset="0"/>
                           </a:rPr>
                         </m:ctrlPr>
                       </m:dPr>
                       <m:e>
                         <m:r>
-                          <a:rPr lang="en-US" i="1">
+                          <a:rPr lang="en-US" sz="1600" i="1">
                             <a:latin typeface="Cambria Math" panose="02040503050406030204" pitchFamily="18" charset="0"/>
                           </a:rPr>
                           <m:t>𝑂</m:t>
@@ -19282,20 +19686,20 @@
                         <m:sSub>
                           <m:sSubPr>
                             <m:ctrlPr>
-                              <a:rPr lang="en-US" i="1">
+                              <a:rPr lang="en-US" sz="1600" i="1">
                                 <a:latin typeface="Cambria Math" panose="02040503050406030204" pitchFamily="18" charset="0"/>
                               </a:rPr>
                             </m:ctrlPr>
                           </m:sSubPr>
                           <m:e>
                             <m:r>
-                              <a:rPr lang="en-US" b="0" i="1" smtClean="0">
+                              <a:rPr lang="en-US" sz="1600" b="0" i="1" smtClean="0">
                                 <a:latin typeface="Cambria Math" panose="02040503050406030204" pitchFamily="18" charset="0"/>
                               </a:rPr>
                               <m:t>,</m:t>
                             </m:r>
                             <m:r>
-                              <a:rPr lang="en-US" i="1">
+                              <a:rPr lang="en-US" sz="1600" i="1">
                                 <a:latin typeface="Cambria Math" panose="02040503050406030204" pitchFamily="18" charset="0"/>
                               </a:rPr>
                               <m:t>𝑆</m:t>
@@ -19303,7 +19707,7 @@
                           </m:e>
                           <m:sub>
                             <m:r>
-                              <a:rPr lang="en-US" i="1">
+                              <a:rPr lang="en-US" sz="1600" i="1">
                                 <a:latin typeface="Cambria Math" panose="02040503050406030204" pitchFamily="18" charset="0"/>
                               </a:rPr>
                               <m:t>𝑡</m:t>
@@ -19311,7 +19715,7 @@
                           </m:sub>
                         </m:sSub>
                         <m:r>
-                          <a:rPr lang="en-US" i="1">
+                          <a:rPr lang="en-US" sz="1600" i="1">
                             <a:latin typeface="Cambria Math" panose="02040503050406030204" pitchFamily="18" charset="0"/>
                           </a:rPr>
                           <m:t>=</m:t>
@@ -19319,14 +19723,14 @@
                         <m:sSub>
                           <m:sSubPr>
                             <m:ctrlPr>
-                              <a:rPr lang="en-US" i="1">
+                              <a:rPr lang="en-US" sz="1600" i="1">
                                 <a:latin typeface="Cambria Math" panose="02040503050406030204" pitchFamily="18" charset="0"/>
                               </a:rPr>
                             </m:ctrlPr>
                           </m:sSubPr>
                           <m:e>
                             <m:r>
-                              <a:rPr lang="en-US" i="1">
+                              <a:rPr lang="en-US" sz="1600" i="1">
                                 <a:latin typeface="Cambria Math" panose="02040503050406030204" pitchFamily="18" charset="0"/>
                               </a:rPr>
                               <m:t>𝑠</m:t>
@@ -19334,7 +19738,7 @@
                           </m:e>
                           <m:sub>
                             <m:r>
-                              <a:rPr lang="en-US" i="1">
+                              <a:rPr lang="en-US" sz="1600" i="1">
                                 <a:latin typeface="Cambria Math" panose="02040503050406030204" pitchFamily="18" charset="0"/>
                               </a:rPr>
                               <m:t>𝑖</m:t>
@@ -19344,7 +19748,7 @@
                       </m:e>
                       <m:e>
                         <m:r>
-                          <a:rPr lang="en-US" i="1">
+                          <a:rPr lang="en-US" sz="1600" i="1">
                             <a:latin typeface="Cambria Math" panose="02040503050406030204" pitchFamily="18" charset="0"/>
                           </a:rPr>
                           <m:t>𝜃</m:t>
@@ -19353,7 +19757,54 @@
                     </m:d>
                   </m:oMath>
                 </a14:m>
-                <a:endParaRPr lang="en-US" i="1" dirty="0">
+                <a:r>
+                  <a:rPr lang="en-US" sz="1600" i="1" dirty="0">
+                    <a:latin typeface="Cambria Math" panose="02040503050406030204" pitchFamily="18" charset="0"/>
+                  </a:rPr>
+                  <a:t> </a:t>
+                </a:r>
+                <a:r>
+                  <a:rPr lang="en-US" sz="1600" i="0" dirty="0">
+                    <a:latin typeface="+mj-lt"/>
+                  </a:rPr>
+                  <a:t>probability of arriving at state </a:t>
+                </a:r>
+                <a14:m>
+                  <m:oMath xmlns:m="http://schemas.openxmlformats.org/officeDocument/2006/math">
+                    <m:sSub>
+                      <m:sSubPr>
+                        <m:ctrlPr>
+                          <a:rPr lang="en-US" sz="1600" i="1" dirty="0" smtClean="0">
+                            <a:latin typeface="Cambria Math" panose="02040503050406030204" pitchFamily="18" charset="0"/>
+                          </a:rPr>
+                        </m:ctrlPr>
+                      </m:sSubPr>
+                      <m:e>
+                        <m:r>
+                          <a:rPr lang="en-US" sz="1600" i="1" dirty="0" smtClean="0">
+                            <a:latin typeface="Cambria Math" panose="02040503050406030204" pitchFamily="18" charset="0"/>
+                          </a:rPr>
+                          <m:t>𝑠</m:t>
+                        </m:r>
+                      </m:e>
+                      <m:sub>
+                        <m:r>
+                          <a:rPr lang="en-US" sz="1600" i="1" dirty="0" smtClean="0">
+                            <a:latin typeface="Cambria Math" panose="02040503050406030204" pitchFamily="18" charset="0"/>
+                          </a:rPr>
+                          <m:t>𝑖</m:t>
+                        </m:r>
+                      </m:sub>
+                    </m:sSub>
+                  </m:oMath>
+                </a14:m>
+                <a:r>
+                  <a:rPr lang="en-US" sz="1600" i="0" dirty="0">
+                    <a:latin typeface="+mj-lt"/>
+                  </a:rPr>
+                  <a:t> after a set of observations</a:t>
+                </a:r>
+                <a:endParaRPr lang="en-US" sz="1600" i="1" dirty="0">
                   <a:latin typeface="Cambria Math" panose="02040503050406030204" pitchFamily="18" charset="0"/>
                 </a:endParaRPr>
               </a:p>
@@ -19366,14 +19817,14 @@
                     <m:sSub>
                       <m:sSubPr>
                         <m:ctrlPr>
-                          <a:rPr lang="en-US" b="0" i="1" smtClean="0">
+                          <a:rPr lang="en-US" sz="1600" b="0" i="1" smtClean="0">
                             <a:latin typeface="Cambria Math" panose="02040503050406030204" pitchFamily="18" charset="0"/>
                           </a:rPr>
                         </m:ctrlPr>
                       </m:sSubPr>
                       <m:e>
                         <m:r>
-                          <a:rPr lang="en-US" b="0" i="1" smtClean="0">
+                          <a:rPr lang="en-US" sz="1600" b="0" i="1" smtClean="0">
                             <a:latin typeface="Cambria Math" panose="02040503050406030204" pitchFamily="18" charset="0"/>
                           </a:rPr>
                           <m:t>𝛽</m:t>
@@ -19381,7 +19832,7 @@
                       </m:e>
                       <m:sub>
                         <m:r>
-                          <a:rPr lang="en-US" b="0" i="1" smtClean="0">
+                          <a:rPr lang="en-US" sz="1600" b="0" i="1" smtClean="0">
                             <a:latin typeface="Cambria Math" panose="02040503050406030204" pitchFamily="18" charset="0"/>
                           </a:rPr>
                           <m:t>𝑡</m:t>
@@ -19391,14 +19842,14 @@
                     <m:d>
                       <m:dPr>
                         <m:ctrlPr>
-                          <a:rPr lang="en-US" b="0" i="1" smtClean="0">
+                          <a:rPr lang="en-US" sz="1600" b="0" i="1" smtClean="0">
                             <a:latin typeface="Cambria Math" panose="02040503050406030204" pitchFamily="18" charset="0"/>
                           </a:rPr>
                         </m:ctrlPr>
                       </m:dPr>
                       <m:e>
                         <m:r>
-                          <a:rPr lang="en-US" b="0" i="1" smtClean="0">
+                          <a:rPr lang="en-US" sz="1600" b="0" i="1" smtClean="0">
                             <a:latin typeface="Cambria Math" panose="02040503050406030204" pitchFamily="18" charset="0"/>
                           </a:rPr>
                           <m:t>𝑖</m:t>
@@ -19408,79 +19859,155 @@
                   </m:oMath>
                 </a14:m>
                 <a:r>
-                  <a:rPr lang="en-US" b="0" i="0" dirty="0">
+                  <a:rPr lang="en-US" sz="1600" b="0" i="0" dirty="0">
                     <a:latin typeface="+mj-lt"/>
                   </a:rPr>
                   <a:t>:computed by the backward step </a:t>
                 </a:r>
+                <a:endParaRPr lang="en-US" sz="1600" i="1" dirty="0">
+                  <a:latin typeface="Cambria Math" panose="02040503050406030204" pitchFamily="18" charset="0"/>
+                </a:endParaRPr>
+              </a:p>
+              <a:p>
+                <a:pPr marL="0" indent="0">
+                  <a:buNone/>
+                </a:pPr>
+                <a:r>
+                  <a:rPr lang="en-US" sz="1600" b="0" dirty="0"/>
+                  <a:t>	</a:t>
+                </a:r>
                 <a14:m>
                   <m:oMath xmlns:m="http://schemas.openxmlformats.org/officeDocument/2006/math">
                     <m:r>
-                      <a:rPr lang="en-US" i="1">
+                      <a:rPr lang="en-US" sz="1600" b="0" i="1" smtClean="0">
+                        <a:latin typeface="Cambria Math" panose="02040503050406030204" pitchFamily="18" charset="0"/>
+                      </a:rPr>
+                      <m:t> </m:t>
+                    </m:r>
+                    <m:r>
+                      <a:rPr lang="en-US" sz="1600" i="1">
                         <a:latin typeface="Cambria Math" panose="02040503050406030204" pitchFamily="18" charset="0"/>
                       </a:rPr>
                       <m:t>𝑃</m:t>
                     </m:r>
-                    <m:r>
-                      <a:rPr lang="en-US" i="1">
-                        <a:latin typeface="Cambria Math" panose="02040503050406030204" pitchFamily="18" charset="0"/>
-                      </a:rPr>
-                      <m:t>(</m:t>
-                    </m:r>
-                    <m:r>
-                      <a:rPr lang="en-US" b="0" i="1" smtClean="0">
-                        <a:latin typeface="Cambria Math" panose="02040503050406030204" pitchFamily="18" charset="0"/>
-                      </a:rPr>
-                      <m:t>𝑂</m:t>
-                    </m:r>
+                    <m:d>
+                      <m:dPr>
+                        <m:ctrlPr>
+                          <a:rPr lang="en-US" sz="1600" i="1">
+                            <a:latin typeface="Cambria Math" panose="02040503050406030204" pitchFamily="18" charset="0"/>
+                          </a:rPr>
+                        </m:ctrlPr>
+                      </m:dPr>
+                      <m:e>
+                        <m:r>
+                          <a:rPr lang="en-US" sz="1600" b="0" i="1" smtClean="0">
+                            <a:latin typeface="Cambria Math" panose="02040503050406030204" pitchFamily="18" charset="0"/>
+                          </a:rPr>
+                          <m:t>𝑂</m:t>
+                        </m:r>
+                        <m:sSub>
+                          <m:sSubPr>
+                            <m:ctrlPr>
+                              <a:rPr lang="en-US" sz="1600" i="1">
+                                <a:latin typeface="Cambria Math" panose="02040503050406030204" pitchFamily="18" charset="0"/>
+                              </a:rPr>
+                            </m:ctrlPr>
+                          </m:sSubPr>
+                          <m:e>
+                            <m:r>
+                              <a:rPr lang="en-US" sz="1600" b="0" i="1" smtClean="0">
+                                <a:latin typeface="Cambria Math" panose="02040503050406030204" pitchFamily="18" charset="0"/>
+                              </a:rPr>
+                              <m:t>|</m:t>
+                            </m:r>
+                            <m:r>
+                              <a:rPr lang="en-US" sz="1600" i="1">
+                                <a:latin typeface="Cambria Math" panose="02040503050406030204" pitchFamily="18" charset="0"/>
+                              </a:rPr>
+                              <m:t>𝑆</m:t>
+                            </m:r>
+                          </m:e>
+                          <m:sub>
+                            <m:r>
+                              <a:rPr lang="en-US" sz="1600" i="1">
+                                <a:latin typeface="Cambria Math" panose="02040503050406030204" pitchFamily="18" charset="0"/>
+                              </a:rPr>
+                              <m:t>𝑡</m:t>
+                            </m:r>
+                          </m:sub>
+                        </m:sSub>
+                        <m:r>
+                          <a:rPr lang="en-US" sz="1600" i="1">
+                            <a:latin typeface="Cambria Math" panose="02040503050406030204" pitchFamily="18" charset="0"/>
+                          </a:rPr>
+                          <m:t>=</m:t>
+                        </m:r>
+                        <m:sSub>
+                          <m:sSubPr>
+                            <m:ctrlPr>
+                              <a:rPr lang="en-US" sz="1600" i="1">
+                                <a:latin typeface="Cambria Math" panose="02040503050406030204" pitchFamily="18" charset="0"/>
+                              </a:rPr>
+                            </m:ctrlPr>
+                          </m:sSubPr>
+                          <m:e>
+                            <m:r>
+                              <a:rPr lang="en-US" sz="1600" i="1">
+                                <a:latin typeface="Cambria Math" panose="02040503050406030204" pitchFamily="18" charset="0"/>
+                              </a:rPr>
+                              <m:t>𝑠</m:t>
+                            </m:r>
+                          </m:e>
+                          <m:sub>
+                            <m:r>
+                              <a:rPr lang="en-US" sz="1600" i="1">
+                                <a:latin typeface="Cambria Math" panose="02040503050406030204" pitchFamily="18" charset="0"/>
+                              </a:rPr>
+                              <m:t>𝑖</m:t>
+                            </m:r>
+                          </m:sub>
+                        </m:sSub>
+                        <m:r>
+                          <a:rPr lang="en-US" sz="1600" b="0" i="1" smtClean="0">
+                            <a:latin typeface="Cambria Math" panose="02040503050406030204" pitchFamily="18" charset="0"/>
+                          </a:rPr>
+                          <m:t>,</m:t>
+                        </m:r>
+                        <m:r>
+                          <a:rPr lang="en-US" sz="1600" i="1">
+                            <a:latin typeface="Cambria Math" panose="02040503050406030204" pitchFamily="18" charset="0"/>
+                          </a:rPr>
+                          <m:t> </m:t>
+                        </m:r>
+                        <m:r>
+                          <a:rPr lang="en-US" sz="1600" i="1">
+                            <a:latin typeface="Cambria Math" panose="02040503050406030204" pitchFamily="18" charset="0"/>
+                          </a:rPr>
+                          <m:t>𝜃</m:t>
+                        </m:r>
+                      </m:e>
+                    </m:d>
+                  </m:oMath>
+                </a14:m>
+                <a:r>
+                  <a:rPr lang="en-US" sz="1600" i="0" dirty="0">
+                    <a:latin typeface="+mj-lt"/>
+                  </a:rPr>
+                  <a:t> probability of seeing a set of observations if I start at state </a:t>
+                </a:r>
+                <a14:m>
+                  <m:oMath xmlns:m="http://schemas.openxmlformats.org/officeDocument/2006/math">
                     <m:sSub>
                       <m:sSubPr>
                         <m:ctrlPr>
-                          <a:rPr lang="en-US" i="1">
+                          <a:rPr lang="en-US" sz="1600" i="1" dirty="0" smtClean="0">
                             <a:latin typeface="Cambria Math" panose="02040503050406030204" pitchFamily="18" charset="0"/>
                           </a:rPr>
                         </m:ctrlPr>
                       </m:sSubPr>
                       <m:e>
                         <m:r>
-                          <a:rPr lang="en-US" b="0" i="1" smtClean="0">
-                            <a:latin typeface="Cambria Math" panose="02040503050406030204" pitchFamily="18" charset="0"/>
-                          </a:rPr>
-                          <m:t>|</m:t>
-                        </m:r>
-                        <m:r>
-                          <a:rPr lang="en-US" i="1">
-                            <a:latin typeface="Cambria Math" panose="02040503050406030204" pitchFamily="18" charset="0"/>
-                          </a:rPr>
-                          <m:t>𝑆</m:t>
-                        </m:r>
-                      </m:e>
-                      <m:sub>
-                        <m:r>
-                          <a:rPr lang="en-US" i="1">
-                            <a:latin typeface="Cambria Math" panose="02040503050406030204" pitchFamily="18" charset="0"/>
-                          </a:rPr>
-                          <m:t>𝑡</m:t>
-                        </m:r>
-                      </m:sub>
-                    </m:sSub>
-                    <m:r>
-                      <a:rPr lang="en-US" i="1">
-                        <a:latin typeface="Cambria Math" panose="02040503050406030204" pitchFamily="18" charset="0"/>
-                      </a:rPr>
-                      <m:t>=</m:t>
-                    </m:r>
-                    <m:sSub>
-                      <m:sSubPr>
-                        <m:ctrlPr>
-                          <a:rPr lang="en-US" i="1">
-                            <a:latin typeface="Cambria Math" panose="02040503050406030204" pitchFamily="18" charset="0"/>
-                          </a:rPr>
-                        </m:ctrlPr>
-                      </m:sSubPr>
-                      <m:e>
-                        <m:r>
-                          <a:rPr lang="en-US" i="1">
+                          <a:rPr lang="en-US" sz="1600" i="1" dirty="0" smtClean="0">
                             <a:latin typeface="Cambria Math" panose="02040503050406030204" pitchFamily="18" charset="0"/>
                           </a:rPr>
                           <m:t>𝑠</m:t>
@@ -19488,491 +20015,16 @@
                       </m:e>
                       <m:sub>
                         <m:r>
-                          <a:rPr lang="en-US" i="1">
+                          <a:rPr lang="en-US" sz="1600" i="1" dirty="0" smtClean="0">
                             <a:latin typeface="Cambria Math" panose="02040503050406030204" pitchFamily="18" charset="0"/>
                           </a:rPr>
                           <m:t>𝑖</m:t>
                         </m:r>
                       </m:sub>
                     </m:sSub>
-                    <m:r>
-                      <a:rPr lang="en-US" b="0" i="1" smtClean="0">
-                        <a:latin typeface="Cambria Math" panose="02040503050406030204" pitchFamily="18" charset="0"/>
-                      </a:rPr>
-                      <m:t>,</m:t>
-                    </m:r>
-                    <m:r>
-                      <a:rPr lang="en-US" i="1">
-                        <a:latin typeface="Cambria Math" panose="02040503050406030204" pitchFamily="18" charset="0"/>
-                      </a:rPr>
-                      <m:t> </m:t>
-                    </m:r>
-                    <m:r>
-                      <a:rPr lang="en-US" i="1">
-                        <a:latin typeface="Cambria Math" panose="02040503050406030204" pitchFamily="18" charset="0"/>
-                      </a:rPr>
-                      <m:t>𝜃</m:t>
-                    </m:r>
-                    <m:r>
-                      <a:rPr lang="en-US" i="1">
-                        <a:latin typeface="Cambria Math" panose="02040503050406030204" pitchFamily="18" charset="0"/>
-                      </a:rPr>
-                      <m:t>)</m:t>
-                    </m:r>
                   </m:oMath>
                 </a14:m>
-                <a:endParaRPr lang="en-US" b="0" i="0" dirty="0">
-                  <a:latin typeface="+mj-lt"/>
-                </a:endParaRPr>
-              </a:p>
-              <a:p>
-                <a:pPr marL="0" indent="0">
-                  <a:buNone/>
-                </a:pPr>
-                <a:r>
-                  <a:rPr lang="en-US" b="0" i="0" dirty="0">
-                    <a:latin typeface="+mj-lt"/>
-                  </a:rPr>
-                  <a:t> </a:t>
-                </a:r>
-                <a:endParaRPr lang="en-US" b="0" i="1" dirty="0">
-                  <a:latin typeface="Cambria Math" panose="02040503050406030204" pitchFamily="18" charset="0"/>
-                </a:endParaRPr>
-              </a:p>
-              <a:p>
-                <a:pPr marL="0" indent="0">
-                  <a:buNone/>
-                </a:pPr>
-                <a14:m>
-                  <m:oMath xmlns:m="http://schemas.openxmlformats.org/officeDocument/2006/math">
-                    <m:sSub>
-                      <m:sSubPr>
-                        <m:ctrlPr>
-                          <a:rPr lang="en-US" b="0" i="1" smtClean="0">
-                            <a:latin typeface="Cambria Math" panose="02040503050406030204" pitchFamily="18" charset="0"/>
-                          </a:rPr>
-                        </m:ctrlPr>
-                      </m:sSubPr>
-                      <m:e>
-                        <m:r>
-                          <a:rPr lang="en-US" b="0" i="1" smtClean="0">
-                            <a:latin typeface="Cambria Math" panose="02040503050406030204" pitchFamily="18" charset="0"/>
-                          </a:rPr>
-                          <m:t>𝛾</m:t>
-                        </m:r>
-                      </m:e>
-                      <m:sub>
-                        <m:r>
-                          <a:rPr lang="en-US" b="0" i="1" smtClean="0">
-                            <a:latin typeface="Cambria Math" panose="02040503050406030204" pitchFamily="18" charset="0"/>
-                          </a:rPr>
-                          <m:t>𝑡</m:t>
-                        </m:r>
-                      </m:sub>
-                    </m:sSub>
-                    <m:d>
-                      <m:dPr>
-                        <m:ctrlPr>
-                          <a:rPr lang="en-US" b="0" i="1" smtClean="0">
-                            <a:latin typeface="Cambria Math" panose="02040503050406030204" pitchFamily="18" charset="0"/>
-                          </a:rPr>
-                        </m:ctrlPr>
-                      </m:dPr>
-                      <m:e>
-                        <m:r>
-                          <a:rPr lang="en-US" b="0" i="1" smtClean="0">
-                            <a:latin typeface="Cambria Math" panose="02040503050406030204" pitchFamily="18" charset="0"/>
-                          </a:rPr>
-                          <m:t>𝑖</m:t>
-                        </m:r>
-                      </m:e>
-                    </m:d>
-                  </m:oMath>
-                </a14:m>
-                <a:r>
-                  <a:rPr lang="en-US" b="0" i="0" dirty="0">
-                    <a:latin typeface="+mj-lt"/>
-                  </a:rPr>
-                  <a:t>:  </a:t>
-                </a:r>
-                <a14:m>
-                  <m:oMath xmlns:m="http://schemas.openxmlformats.org/officeDocument/2006/math">
-                    <m:r>
-                      <a:rPr lang="en-US" b="0" i="1" smtClean="0">
-                        <a:latin typeface="Cambria Math" panose="02040503050406030204" pitchFamily="18" charset="0"/>
-                      </a:rPr>
-                      <m:t>𝑃</m:t>
-                    </m:r>
-                    <m:r>
-                      <a:rPr lang="en-US" b="0" i="1" smtClean="0">
-                        <a:latin typeface="Cambria Math" panose="02040503050406030204" pitchFamily="18" charset="0"/>
-                      </a:rPr>
-                      <m:t>(</m:t>
-                    </m:r>
-                    <m:sSub>
-                      <m:sSubPr>
-                        <m:ctrlPr>
-                          <a:rPr lang="en-US" b="0" i="1" smtClean="0">
-                            <a:latin typeface="Cambria Math" panose="02040503050406030204" pitchFamily="18" charset="0"/>
-                          </a:rPr>
-                        </m:ctrlPr>
-                      </m:sSubPr>
-                      <m:e>
-                        <m:r>
-                          <a:rPr lang="en-US" b="0" i="1" smtClean="0">
-                            <a:latin typeface="Cambria Math" panose="02040503050406030204" pitchFamily="18" charset="0"/>
-                          </a:rPr>
-                          <m:t>𝑆</m:t>
-                        </m:r>
-                      </m:e>
-                      <m:sub>
-                        <m:r>
-                          <a:rPr lang="en-US" b="0" i="1" smtClean="0">
-                            <a:latin typeface="Cambria Math" panose="02040503050406030204" pitchFamily="18" charset="0"/>
-                          </a:rPr>
-                          <m:t>𝑡</m:t>
-                        </m:r>
-                      </m:sub>
-                    </m:sSub>
-                    <m:r>
-                      <a:rPr lang="en-US" b="0" i="1" smtClean="0">
-                        <a:latin typeface="Cambria Math" panose="02040503050406030204" pitchFamily="18" charset="0"/>
-                      </a:rPr>
-                      <m:t>=</m:t>
-                    </m:r>
-                    <m:sSub>
-                      <m:sSubPr>
-                        <m:ctrlPr>
-                          <a:rPr lang="en-US" b="0" i="1" smtClean="0">
-                            <a:latin typeface="Cambria Math" panose="02040503050406030204" pitchFamily="18" charset="0"/>
-                          </a:rPr>
-                        </m:ctrlPr>
-                      </m:sSubPr>
-                      <m:e>
-                        <m:r>
-                          <a:rPr lang="en-US" b="0" i="1" smtClean="0">
-                            <a:latin typeface="Cambria Math" panose="02040503050406030204" pitchFamily="18" charset="0"/>
-                          </a:rPr>
-                          <m:t>𝑠</m:t>
-                        </m:r>
-                      </m:e>
-                      <m:sub>
-                        <m:r>
-                          <a:rPr lang="en-US" b="0" i="1" smtClean="0">
-                            <a:latin typeface="Cambria Math" panose="02040503050406030204" pitchFamily="18" charset="0"/>
-                          </a:rPr>
-                          <m:t>𝑖</m:t>
-                        </m:r>
-                      </m:sub>
-                    </m:sSub>
-                    <m:r>
-                      <a:rPr lang="en-US" b="0" i="1" smtClean="0">
-                        <a:latin typeface="Cambria Math" panose="02040503050406030204" pitchFamily="18" charset="0"/>
-                      </a:rPr>
-                      <m:t>|</m:t>
-                    </m:r>
-                    <m:r>
-                      <a:rPr lang="en-US" b="0" i="1" smtClean="0">
-                        <a:latin typeface="Cambria Math" panose="02040503050406030204" pitchFamily="18" charset="0"/>
-                      </a:rPr>
-                      <m:t>𝑂</m:t>
-                    </m:r>
-                    <m:r>
-                      <a:rPr lang="en-US" b="0" i="1" smtClean="0">
-                        <a:latin typeface="Cambria Math" panose="02040503050406030204" pitchFamily="18" charset="0"/>
-                      </a:rPr>
-                      <m:t>, </m:t>
-                    </m:r>
-                    <m:r>
-                      <a:rPr lang="en-US" b="0" i="1" smtClean="0">
-                        <a:latin typeface="Cambria Math" panose="02040503050406030204" pitchFamily="18" charset="0"/>
-                      </a:rPr>
-                      <m:t>𝜃</m:t>
-                    </m:r>
-                    <m:r>
-                      <a:rPr lang="en-US" b="0" i="1" smtClean="0">
-                        <a:latin typeface="Cambria Math" panose="02040503050406030204" pitchFamily="18" charset="0"/>
-                      </a:rPr>
-                      <m:t>)</m:t>
-                    </m:r>
-                  </m:oMath>
-                </a14:m>
-                <a:endParaRPr lang="en-US" b="0" i="0" dirty="0">
-                  <a:latin typeface="+mj-lt"/>
-                </a:endParaRPr>
-              </a:p>
-              <a:p>
-                <a:pPr marL="0" indent="0">
-                  <a:buNone/>
-                </a:pPr>
-                <a:endParaRPr lang="en-US" b="0" i="1" dirty="0">
-                  <a:latin typeface="Cambria Math" panose="02040503050406030204" pitchFamily="18" charset="0"/>
-                </a:endParaRPr>
-              </a:p>
-              <a:p>
-                <a:pPr marL="0" indent="0">
-                  <a:buNone/>
-                </a:pPr>
-                <a14:m>
-                  <m:oMathPara xmlns:m="http://schemas.openxmlformats.org/officeDocument/2006/math">
-                    <m:oMathParaPr>
-                      <m:jc m:val="left"/>
-                    </m:oMathParaPr>
-                    <m:oMath xmlns:m="http://schemas.openxmlformats.org/officeDocument/2006/math">
-                      <m:sSub>
-                        <m:sSubPr>
-                          <m:ctrlPr>
-                            <a:rPr lang="en-US" b="0" i="1" smtClean="0">
-                              <a:latin typeface="Cambria Math" panose="02040503050406030204" pitchFamily="18" charset="0"/>
-                            </a:rPr>
-                          </m:ctrlPr>
-                        </m:sSubPr>
-                        <m:e>
-                          <m:r>
-                            <a:rPr lang="en-US" b="0" i="1" smtClean="0">
-                              <a:latin typeface="Cambria Math" panose="02040503050406030204" pitchFamily="18" charset="0"/>
-                            </a:rPr>
-                            <m:t>  </m:t>
-                          </m:r>
-                          <m:r>
-                            <a:rPr lang="en-US" b="0" i="1" smtClean="0">
-                              <a:latin typeface="Cambria Math" panose="02040503050406030204" pitchFamily="18" charset="0"/>
-                            </a:rPr>
-                            <m:t>𝜉</m:t>
-                          </m:r>
-                        </m:e>
-                        <m:sub>
-                          <m:r>
-                            <a:rPr lang="en-US" b="0" i="1" smtClean="0">
-                              <a:latin typeface="Cambria Math" panose="02040503050406030204" pitchFamily="18" charset="0"/>
-                            </a:rPr>
-                            <m:t>𝑡</m:t>
-                          </m:r>
-                        </m:sub>
-                      </m:sSub>
-                      <m:d>
-                        <m:dPr>
-                          <m:ctrlPr>
-                            <a:rPr lang="en-US" b="0" i="1" smtClean="0">
-                              <a:latin typeface="Cambria Math" panose="02040503050406030204" pitchFamily="18" charset="0"/>
-                            </a:rPr>
-                          </m:ctrlPr>
-                        </m:dPr>
-                        <m:e>
-                          <m:r>
-                            <a:rPr lang="en-US" b="0" i="1" smtClean="0">
-                              <a:latin typeface="Cambria Math" panose="02040503050406030204" pitchFamily="18" charset="0"/>
-                            </a:rPr>
-                            <m:t>𝑖</m:t>
-                          </m:r>
-                          <m:r>
-                            <a:rPr lang="en-US" b="0" i="1" smtClean="0">
-                              <a:latin typeface="Cambria Math" panose="02040503050406030204" pitchFamily="18" charset="0"/>
-                            </a:rPr>
-                            <m:t>,</m:t>
-                          </m:r>
-                          <m:r>
-                            <a:rPr lang="en-US" b="0" i="1" smtClean="0">
-                              <a:latin typeface="Cambria Math" panose="02040503050406030204" pitchFamily="18" charset="0"/>
-                            </a:rPr>
-                            <m:t>𝑗</m:t>
-                          </m:r>
-                        </m:e>
-                      </m:d>
-                      <m:r>
-                        <a:rPr lang="en-US" b="0" i="1" smtClean="0">
-                          <a:latin typeface="Cambria Math" panose="02040503050406030204" pitchFamily="18" charset="0"/>
-                        </a:rPr>
-                        <m:t>=</m:t>
-                      </m:r>
-                      <m:r>
-                        <a:rPr lang="en-US" b="0" i="1" smtClean="0">
-                          <a:latin typeface="Cambria Math" panose="02040503050406030204" pitchFamily="18" charset="0"/>
-                        </a:rPr>
-                        <m:t>𝑃</m:t>
-                      </m:r>
-                      <m:d>
-                        <m:dPr>
-                          <m:ctrlPr>
-                            <a:rPr lang="en-US" b="0" i="1" smtClean="0">
-                              <a:latin typeface="Cambria Math" panose="02040503050406030204" pitchFamily="18" charset="0"/>
-                            </a:rPr>
-                          </m:ctrlPr>
-                        </m:dPr>
-                        <m:e>
-                          <m:r>
-                            <a:rPr lang="en-US" b="0" i="1" smtClean="0">
-                              <a:latin typeface="Cambria Math" panose="02040503050406030204" pitchFamily="18" charset="0"/>
-                            </a:rPr>
-                            <m:t>(</m:t>
-                          </m:r>
-                          <m:sSub>
-                            <m:sSubPr>
-                              <m:ctrlPr>
-                                <a:rPr lang="en-US" b="0" i="1" smtClean="0">
-                                  <a:latin typeface="Cambria Math" panose="02040503050406030204" pitchFamily="18" charset="0"/>
-                                </a:rPr>
-                              </m:ctrlPr>
-                            </m:sSubPr>
-                            <m:e>
-                              <m:r>
-                                <a:rPr lang="en-US" b="0" i="1" smtClean="0">
-                                  <a:latin typeface="Cambria Math" panose="02040503050406030204" pitchFamily="18" charset="0"/>
-                                </a:rPr>
-                                <m:t>𝑆</m:t>
-                              </m:r>
-                            </m:e>
-                            <m:sub>
-                              <m:r>
-                                <a:rPr lang="en-US" b="0" i="1" smtClean="0">
-                                  <a:latin typeface="Cambria Math" panose="02040503050406030204" pitchFamily="18" charset="0"/>
-                                </a:rPr>
-                                <m:t>𝑡</m:t>
-                              </m:r>
-                            </m:sub>
-                          </m:sSub>
-                          <m:r>
-                            <a:rPr lang="en-US" b="0" i="1" smtClean="0">
-                              <a:latin typeface="Cambria Math" panose="02040503050406030204" pitchFamily="18" charset="0"/>
-                            </a:rPr>
-                            <m:t>=</m:t>
-                          </m:r>
-                          <m:sSub>
-                            <m:sSubPr>
-                              <m:ctrlPr>
-                                <a:rPr lang="en-US" b="0" i="1" smtClean="0">
-                                  <a:latin typeface="Cambria Math" panose="02040503050406030204" pitchFamily="18" charset="0"/>
-                                </a:rPr>
-                              </m:ctrlPr>
-                            </m:sSubPr>
-                            <m:e>
-                              <m:r>
-                                <a:rPr lang="en-US" b="0" i="1" smtClean="0">
-                                  <a:latin typeface="Cambria Math" panose="02040503050406030204" pitchFamily="18" charset="0"/>
-                                </a:rPr>
-                                <m:t>𝑆</m:t>
-                              </m:r>
-                            </m:e>
-                            <m:sub>
-                              <m:r>
-                                <a:rPr lang="en-US" b="0" i="1" smtClean="0">
-                                  <a:latin typeface="Cambria Math" panose="02040503050406030204" pitchFamily="18" charset="0"/>
-                                </a:rPr>
-                                <m:t>𝑖</m:t>
-                              </m:r>
-                            </m:sub>
-                          </m:sSub>
-                          <m:r>
-                            <a:rPr lang="en-US" b="0" i="1" smtClean="0">
-                              <a:latin typeface="Cambria Math" panose="02040503050406030204" pitchFamily="18" charset="0"/>
-                            </a:rPr>
-                            <m:t>, </m:t>
-                          </m:r>
-                          <m:sSub>
-                            <m:sSubPr>
-                              <m:ctrlPr>
-                                <a:rPr lang="en-US" b="0" i="1" smtClean="0">
-                                  <a:latin typeface="Cambria Math" panose="02040503050406030204" pitchFamily="18" charset="0"/>
-                                </a:rPr>
-                              </m:ctrlPr>
-                            </m:sSubPr>
-                            <m:e>
-                              <m:r>
-                                <a:rPr lang="en-US" b="0" i="1" smtClean="0">
-                                  <a:latin typeface="Cambria Math" panose="02040503050406030204" pitchFamily="18" charset="0"/>
-                                </a:rPr>
-                                <m:t>𝑆</m:t>
-                              </m:r>
-                            </m:e>
-                            <m:sub>
-                              <m:r>
-                                <a:rPr lang="en-US" b="0" i="1" smtClean="0">
-                                  <a:latin typeface="Cambria Math" panose="02040503050406030204" pitchFamily="18" charset="0"/>
-                                </a:rPr>
-                                <m:t>𝑡</m:t>
-                              </m:r>
-                              <m:r>
-                                <a:rPr lang="en-US" b="0" i="1" smtClean="0">
-                                  <a:latin typeface="Cambria Math" panose="02040503050406030204" pitchFamily="18" charset="0"/>
-                                </a:rPr>
-                                <m:t>+1 </m:t>
-                              </m:r>
-                            </m:sub>
-                          </m:sSub>
-                          <m:r>
-                            <a:rPr lang="en-US" b="0" i="1" smtClean="0">
-                              <a:latin typeface="Cambria Math" panose="02040503050406030204" pitchFamily="18" charset="0"/>
-                            </a:rPr>
-                            <m:t>=</m:t>
-                          </m:r>
-                          <m:sSub>
-                            <m:sSubPr>
-                              <m:ctrlPr>
-                                <a:rPr lang="en-US" b="0" i="1" smtClean="0">
-                                  <a:latin typeface="Cambria Math" panose="02040503050406030204" pitchFamily="18" charset="0"/>
-                                </a:rPr>
-                              </m:ctrlPr>
-                            </m:sSubPr>
-                            <m:e>
-                              <m:r>
-                                <a:rPr lang="en-US" b="0" i="1" smtClean="0">
-                                  <a:latin typeface="Cambria Math" panose="02040503050406030204" pitchFamily="18" charset="0"/>
-                                </a:rPr>
-                                <m:t>𝑆</m:t>
-                              </m:r>
-                            </m:e>
-                            <m:sub>
-                              <m:r>
-                                <a:rPr lang="en-US" b="0" i="1" smtClean="0">
-                                  <a:latin typeface="Cambria Math" panose="02040503050406030204" pitchFamily="18" charset="0"/>
-                                </a:rPr>
-                                <m:t>𝑗</m:t>
-                              </m:r>
-                            </m:sub>
-                          </m:sSub>
-                          <m:r>
-                            <a:rPr lang="en-US" b="0" i="1" smtClean="0">
-                              <a:latin typeface="Cambria Math" panose="02040503050406030204" pitchFamily="18" charset="0"/>
-                            </a:rPr>
-                            <m:t>)</m:t>
-                          </m:r>
-                        </m:e>
-                        <m:e>
-                          <m:d>
-                            <m:dPr>
-                              <m:ctrlPr>
-                                <a:rPr lang="en-US" b="0" i="1" smtClean="0">
-                                  <a:latin typeface="Cambria Math" panose="02040503050406030204" pitchFamily="18" charset="0"/>
-                                </a:rPr>
-                              </m:ctrlPr>
-                            </m:dPr>
-                            <m:e>
-                              <m:r>
-                                <a:rPr lang="en-US" b="0" i="1" smtClean="0">
-                                  <a:latin typeface="Cambria Math" panose="02040503050406030204" pitchFamily="18" charset="0"/>
-                                </a:rPr>
-                                <m:t>𝑂</m:t>
-                              </m:r>
-                              <m:r>
-                                <a:rPr lang="en-US" b="0" i="1" smtClean="0">
-                                  <a:latin typeface="Cambria Math" panose="02040503050406030204" pitchFamily="18" charset="0"/>
-                                </a:rPr>
-                                <m:t>, </m:t>
-                              </m:r>
-                              <m:r>
-                                <a:rPr lang="en-US" b="0" i="1" smtClean="0">
-                                  <a:latin typeface="Cambria Math" panose="02040503050406030204" pitchFamily="18" charset="0"/>
-                                </a:rPr>
-                                <m:t>𝜃</m:t>
-                              </m:r>
-                            </m:e>
-                          </m:d>
-                        </m:e>
-                      </m:d>
-                    </m:oMath>
-                  </m:oMathPara>
-                </a14:m>
-                <a:endParaRPr lang="en-US" b="0" i="0" dirty="0">
+                <a:endParaRPr lang="en-US" sz="1600" b="0" i="0" dirty="0">
                   <a:latin typeface="+mj-lt"/>
                 </a:endParaRPr>
               </a:p>
@@ -19985,28 +20037,22 @@
                     <m:sSub>
                       <m:sSubPr>
                         <m:ctrlPr>
-                          <a:rPr lang="en-US" b="0" i="1" smtClean="0">
+                          <a:rPr lang="en-US" sz="1600" b="0" i="1" smtClean="0">
                             <a:latin typeface="Cambria Math" panose="02040503050406030204" pitchFamily="18" charset="0"/>
                           </a:rPr>
                         </m:ctrlPr>
                       </m:sSubPr>
                       <m:e>
                         <m:r>
-                          <a:rPr lang="en-US" b="0" i="1" smtClean="0">
+                          <a:rPr lang="en-US" sz="1600" b="0" i="1" smtClean="0">
                             <a:latin typeface="Cambria Math" panose="02040503050406030204" pitchFamily="18" charset="0"/>
                           </a:rPr>
-                          <m:t> </m:t>
-                        </m:r>
-                        <m:r>
-                          <a:rPr lang="en-US" b="0" i="1" smtClean="0">
-                            <a:latin typeface="Cambria Math" panose="02040503050406030204" pitchFamily="18" charset="0"/>
-                          </a:rPr>
-                          <m:t>𝜉</m:t>
+                          <m:t>𝛾</m:t>
                         </m:r>
                       </m:e>
                       <m:sub>
                         <m:r>
-                          <a:rPr lang="en-US" b="0" i="1" smtClean="0">
+                          <a:rPr lang="en-US" sz="1600" b="0" i="1" smtClean="0">
                             <a:latin typeface="Cambria Math" panose="02040503050406030204" pitchFamily="18" charset="0"/>
                           </a:rPr>
                           <m:t>𝑡</m:t>
@@ -20016,211 +20062,174 @@
                     <m:d>
                       <m:dPr>
                         <m:ctrlPr>
-                          <a:rPr lang="en-US" b="0" i="1" smtClean="0">
+                          <a:rPr lang="en-US" sz="1600" b="0" i="1" smtClean="0">
                             <a:latin typeface="Cambria Math" panose="02040503050406030204" pitchFamily="18" charset="0"/>
                           </a:rPr>
                         </m:ctrlPr>
                       </m:dPr>
                       <m:e>
                         <m:r>
-                          <a:rPr lang="en-US" b="0" i="1" smtClean="0">
+                          <a:rPr lang="en-US" sz="1600" b="0" i="1" smtClean="0">
                             <a:latin typeface="Cambria Math" panose="02040503050406030204" pitchFamily="18" charset="0"/>
                           </a:rPr>
                           <m:t>𝑖</m:t>
                         </m:r>
-                        <m:r>
-                          <a:rPr lang="en-US" b="0" i="1" smtClean="0">
+                      </m:e>
+                    </m:d>
+                  </m:oMath>
+                </a14:m>
+                <a:r>
+                  <a:rPr lang="en-US" sz="1600" b="0" i="0" dirty="0">
+                    <a:latin typeface="+mj-lt"/>
+                  </a:rPr>
+                  <a:t>:  </a:t>
+                </a:r>
+                <a14:m>
+                  <m:oMath xmlns:m="http://schemas.openxmlformats.org/officeDocument/2006/math">
+                    <m:r>
+                      <a:rPr lang="en-US" sz="1600" b="0" i="1" smtClean="0">
+                        <a:latin typeface="Cambria Math" panose="02040503050406030204" pitchFamily="18" charset="0"/>
+                      </a:rPr>
+                      <m:t>𝑃</m:t>
+                    </m:r>
+                    <m:r>
+                      <a:rPr lang="en-US" sz="1600" b="0" i="1" smtClean="0">
+                        <a:latin typeface="Cambria Math" panose="02040503050406030204" pitchFamily="18" charset="0"/>
+                      </a:rPr>
+                      <m:t>(</m:t>
+                    </m:r>
+                    <m:sSub>
+                      <m:sSubPr>
+                        <m:ctrlPr>
+                          <a:rPr lang="en-US" sz="1600" b="0" i="1" smtClean="0">
                             <a:latin typeface="Cambria Math" panose="02040503050406030204" pitchFamily="18" charset="0"/>
                           </a:rPr>
-                          <m:t>,</m:t>
-                        </m:r>
+                        </m:ctrlPr>
+                      </m:sSubPr>
+                      <m:e>
                         <m:r>
-                          <a:rPr lang="en-US" b="0" i="1" smtClean="0">
+                          <a:rPr lang="en-US" sz="1600" b="0" i="1" smtClean="0">
                             <a:latin typeface="Cambria Math" panose="02040503050406030204" pitchFamily="18" charset="0"/>
                           </a:rPr>
-                          <m:t>𝑗</m:t>
+                          <m:t>𝑆</m:t>
                         </m:r>
                       </m:e>
-                    </m:d>
+                      <m:sub>
+                        <m:r>
+                          <a:rPr lang="en-US" sz="1600" b="0" i="1" smtClean="0">
+                            <a:latin typeface="Cambria Math" panose="02040503050406030204" pitchFamily="18" charset="0"/>
+                          </a:rPr>
+                          <m:t>𝑡</m:t>
+                        </m:r>
+                      </m:sub>
+                    </m:sSub>
                     <m:r>
-                      <a:rPr lang="en-US" b="0" i="1" smtClean="0">
+                      <a:rPr lang="en-US" sz="1600" b="0" i="1" smtClean="0">
                         <a:latin typeface="Cambria Math" panose="02040503050406030204" pitchFamily="18" charset="0"/>
                       </a:rPr>
                       <m:t>=</m:t>
                     </m:r>
-                    <m:f>
-                      <m:fPr>
+                    <m:sSub>
+                      <m:sSubPr>
                         <m:ctrlPr>
-                          <a:rPr lang="en-US" b="0" i="1" smtClean="0">
+                          <a:rPr lang="en-US" sz="1600" b="0" i="1" smtClean="0">
                             <a:latin typeface="Cambria Math" panose="02040503050406030204" pitchFamily="18" charset="0"/>
                           </a:rPr>
                         </m:ctrlPr>
-                      </m:fPr>
-                      <m:num>
-                        <m:sSub>
-                          <m:sSubPr>
-                            <m:ctrlPr>
-                              <a:rPr lang="en-US" b="0" i="1" smtClean="0">
-                                <a:latin typeface="Cambria Math" panose="02040503050406030204" pitchFamily="18" charset="0"/>
-                              </a:rPr>
-                            </m:ctrlPr>
-                          </m:sSubPr>
-                          <m:e>
-                            <m:r>
-                              <a:rPr lang="en-US" b="0" i="1" smtClean="0">
-                                <a:latin typeface="Cambria Math" panose="02040503050406030204" pitchFamily="18" charset="0"/>
-                              </a:rPr>
-                              <m:t>𝛼</m:t>
-                            </m:r>
-                          </m:e>
-                          <m:sub>
-                            <m:r>
-                              <a:rPr lang="en-US" b="0" i="1" smtClean="0">
-                                <a:latin typeface="Cambria Math" panose="02040503050406030204" pitchFamily="18" charset="0"/>
-                              </a:rPr>
-                              <m:t>𝑡</m:t>
-                            </m:r>
-                          </m:sub>
-                        </m:sSub>
-                        <m:d>
-                          <m:dPr>
-                            <m:ctrlPr>
-                              <a:rPr lang="en-US" b="0" i="1" smtClean="0">
-                                <a:latin typeface="Cambria Math" panose="02040503050406030204" pitchFamily="18" charset="0"/>
-                              </a:rPr>
-                            </m:ctrlPr>
-                          </m:dPr>
-                          <m:e>
-                            <m:r>
-                              <a:rPr lang="en-US" b="0" i="1" smtClean="0">
-                                <a:latin typeface="Cambria Math" panose="02040503050406030204" pitchFamily="18" charset="0"/>
-                              </a:rPr>
-                              <m:t>𝑖</m:t>
-                            </m:r>
-                          </m:e>
-                        </m:d>
+                      </m:sSubPr>
+                      <m:e>
                         <m:r>
-                          <a:rPr lang="en-US" b="0" i="1" smtClean="0">
+                          <a:rPr lang="en-US" sz="1600" b="0" i="1" smtClean="0">
                             <a:latin typeface="Cambria Math" panose="02040503050406030204" pitchFamily="18" charset="0"/>
                           </a:rPr>
-                          <m:t>∗</m:t>
+                          <m:t>𝑠</m:t>
                         </m:r>
-                        <m:sSub>
-                          <m:sSubPr>
-                            <m:ctrlPr>
-                              <a:rPr lang="en-US" b="0" i="1" smtClean="0">
-                                <a:latin typeface="Cambria Math" panose="02040503050406030204" pitchFamily="18" charset="0"/>
-                              </a:rPr>
-                            </m:ctrlPr>
-                          </m:sSubPr>
-                          <m:e>
-                            <m:r>
-                              <a:rPr lang="en-US" b="0" i="1" smtClean="0">
-                                <a:latin typeface="Cambria Math" panose="02040503050406030204" pitchFamily="18" charset="0"/>
-                              </a:rPr>
-                              <m:t>𝑎</m:t>
-                            </m:r>
-                          </m:e>
-                          <m:sub>
-                            <m:r>
-                              <a:rPr lang="en-US" b="0" i="1" smtClean="0">
-                                <a:latin typeface="Cambria Math" panose="02040503050406030204" pitchFamily="18" charset="0"/>
-                              </a:rPr>
-                              <m:t>𝑖𝑗</m:t>
-                            </m:r>
-                          </m:sub>
-                        </m:sSub>
+                      </m:e>
+                      <m:sub>
                         <m:r>
-                          <a:rPr lang="en-US" b="0" i="1" smtClean="0">
+                          <a:rPr lang="en-US" sz="1600" b="0" i="1" smtClean="0">
                             <a:latin typeface="Cambria Math" panose="02040503050406030204" pitchFamily="18" charset="0"/>
                           </a:rPr>
-                          <m:t>∗</m:t>
+                          <m:t>𝑖</m:t>
                         </m:r>
-                        <m:sSub>
-                          <m:sSubPr>
-                            <m:ctrlPr>
-                              <a:rPr lang="en-US" b="0" i="1" smtClean="0">
-                                <a:latin typeface="Cambria Math" panose="02040503050406030204" pitchFamily="18" charset="0"/>
-                              </a:rPr>
-                            </m:ctrlPr>
-                          </m:sSubPr>
-                          <m:e>
-                            <m:r>
-                              <a:rPr lang="en-US" b="0" i="1" smtClean="0">
-                                <a:latin typeface="Cambria Math" panose="02040503050406030204" pitchFamily="18" charset="0"/>
-                              </a:rPr>
-                              <m:t>𝑏</m:t>
-                            </m:r>
-                          </m:e>
-                          <m:sub>
-                            <m:r>
-                              <a:rPr lang="en-US" b="0" i="1" smtClean="0">
-                                <a:latin typeface="Cambria Math" panose="02040503050406030204" pitchFamily="18" charset="0"/>
-                              </a:rPr>
-                              <m:t>𝑗</m:t>
-                            </m:r>
-                          </m:sub>
-                        </m:sSub>
-                        <m:d>
-                          <m:dPr>
-                            <m:ctrlPr>
-                              <a:rPr lang="en-US" b="0" i="1" smtClean="0">
-                                <a:latin typeface="Cambria Math" panose="02040503050406030204" pitchFamily="18" charset="0"/>
-                              </a:rPr>
-                            </m:ctrlPr>
-                          </m:dPr>
-                          <m:e>
-                            <m:sSub>
-                              <m:sSubPr>
-                                <m:ctrlPr>
-                                  <a:rPr lang="en-US" b="0" i="1" smtClean="0">
-                                    <a:latin typeface="Cambria Math" panose="02040503050406030204" pitchFamily="18" charset="0"/>
-                                  </a:rPr>
-                                </m:ctrlPr>
-                              </m:sSubPr>
-                              <m:e>
-                                <m:r>
-                                  <a:rPr lang="en-US" b="0" i="1" smtClean="0">
-                                    <a:latin typeface="Cambria Math" panose="02040503050406030204" pitchFamily="18" charset="0"/>
-                                  </a:rPr>
-                                  <m:t>𝑂</m:t>
-                                </m:r>
-                              </m:e>
-                              <m:sub>
-                                <m:r>
-                                  <a:rPr lang="en-US" b="0" i="1" smtClean="0">
-                                    <a:latin typeface="Cambria Math" panose="02040503050406030204" pitchFamily="18" charset="0"/>
-                                  </a:rPr>
-                                  <m:t>𝑡</m:t>
-                                </m:r>
-                                <m:r>
-                                  <a:rPr lang="en-US" b="0" i="1" smtClean="0">
-                                    <a:latin typeface="Cambria Math" panose="02040503050406030204" pitchFamily="18" charset="0"/>
-                                  </a:rPr>
-                                  <m:t>+1</m:t>
-                                </m:r>
-                              </m:sub>
-                            </m:sSub>
-                          </m:e>
-                        </m:d>
-                        <m:r>
-                          <a:rPr lang="en-US" b="0" i="1" smtClean="0">
-                            <a:latin typeface="Cambria Math" panose="02040503050406030204" pitchFamily="18" charset="0"/>
-                          </a:rPr>
-                          <m:t>∗..</m:t>
-                        </m:r>
-                      </m:num>
-                      <m:den/>
-                    </m:f>
+                      </m:sub>
+                    </m:sSub>
+                    <m:r>
+                      <a:rPr lang="en-US" sz="1600" b="0" i="1" smtClean="0">
+                        <a:latin typeface="Cambria Math" panose="02040503050406030204" pitchFamily="18" charset="0"/>
+                      </a:rPr>
+                      <m:t>|</m:t>
+                    </m:r>
+                    <m:r>
+                      <a:rPr lang="en-US" sz="1600" b="0" i="1" smtClean="0">
+                        <a:latin typeface="Cambria Math" panose="02040503050406030204" pitchFamily="18" charset="0"/>
+                      </a:rPr>
+                      <m:t>𝑂</m:t>
+                    </m:r>
+                    <m:r>
+                      <a:rPr lang="en-US" sz="1600" b="0" i="1" smtClean="0">
+                        <a:latin typeface="Cambria Math" panose="02040503050406030204" pitchFamily="18" charset="0"/>
+                      </a:rPr>
+                      <m:t>, </m:t>
+                    </m:r>
+                    <m:r>
+                      <a:rPr lang="en-US" sz="1600" b="0" i="1" smtClean="0">
+                        <a:latin typeface="Cambria Math" panose="02040503050406030204" pitchFamily="18" charset="0"/>
+                      </a:rPr>
+                      <m:t>𝜃</m:t>
+                    </m:r>
+                    <m:r>
+                      <a:rPr lang="en-US" sz="1600" b="0" i="1" smtClean="0">
+                        <a:latin typeface="Cambria Math" panose="02040503050406030204" pitchFamily="18" charset="0"/>
+                      </a:rPr>
+                      <m:t>)</m:t>
+                    </m:r>
                   </m:oMath>
                 </a14:m>
                 <a:r>
-                  <a:rPr lang="en-US" dirty="0">
+                  <a:rPr lang="en-US" sz="1600" b="0" i="0" dirty="0">
                     <a:latin typeface="+mj-lt"/>
                   </a:rPr>
-                  <a:t> </a:t>
+                  <a:t> having seen observations ahead and behind, what is the probability of being at state </a:t>
                 </a:r>
-                <a:endParaRPr lang="en-US" b="0" i="0" dirty="0">
+                <a14:m>
+                  <m:oMath xmlns:m="http://schemas.openxmlformats.org/officeDocument/2006/math">
+                    <m:sSub>
+                      <m:sSubPr>
+                        <m:ctrlPr>
+                          <a:rPr lang="en-US" sz="1600" b="0" i="1" dirty="0" smtClean="0">
+                            <a:latin typeface="Cambria Math" panose="02040503050406030204" pitchFamily="18" charset="0"/>
+                          </a:rPr>
+                        </m:ctrlPr>
+                      </m:sSubPr>
+                      <m:e>
+                        <m:r>
+                          <a:rPr lang="en-US" sz="1600" b="0" i="1" dirty="0" smtClean="0">
+                            <a:latin typeface="Cambria Math" panose="02040503050406030204" pitchFamily="18" charset="0"/>
+                          </a:rPr>
+                          <m:t>𝑠</m:t>
+                        </m:r>
+                      </m:e>
+                      <m:sub>
+                        <m:r>
+                          <a:rPr lang="en-US" sz="1600" b="0" i="1" dirty="0" smtClean="0">
+                            <a:latin typeface="Cambria Math" panose="02040503050406030204" pitchFamily="18" charset="0"/>
+                          </a:rPr>
+                          <m:t>𝑖</m:t>
+                        </m:r>
+                      </m:sub>
+                    </m:sSub>
+                  </m:oMath>
+                </a14:m>
+                <a:endParaRPr lang="en-US" sz="1600" b="0" i="0" dirty="0">
+                  <a:latin typeface="+mj-lt"/>
+                </a:endParaRPr>
+              </a:p>
+              <a:p>
+                <a:pPr marL="0" indent="0">
+                  <a:buNone/>
+                </a:pPr>
+                <a:endParaRPr lang="en-US" sz="1600" b="0" i="0" dirty="0">
                   <a:latin typeface="+mj-lt"/>
                 </a:endParaRPr>
               </a:p>
@@ -20229,12 +20238,12 @@
                   <a:buNone/>
                 </a:pPr>
                 <a:r>
-                  <a:rPr lang="en-US" b="0" i="0" dirty="0">
+                  <a:rPr lang="en-US" sz="1600" b="0" i="0" dirty="0">
                     <a:latin typeface="+mj-lt"/>
                   </a:rPr>
                   <a:t>   </a:t>
                 </a:r>
-                <a:endParaRPr lang="en-US" dirty="0"/>
+                <a:endParaRPr lang="en-US" sz="1600" dirty="0"/>
               </a:p>
             </p:txBody>
           </p:sp>
@@ -20258,13 +20267,13 @@
             </p:nvSpPr>
             <p:spPr>
               <a:xfrm>
-                <a:off x="478369" y="1225486"/>
-                <a:ext cx="11502616" cy="4746428"/>
+                <a:off x="344692" y="1020710"/>
+                <a:ext cx="11502616" cy="3282524"/>
               </a:xfrm>
               <a:blipFill>
                 <a:blip r:embed="rId3"/>
                 <a:stretch>
-                  <a:fillRect l="-954"/>
+                  <a:fillRect l="-848" t="-186"/>
                 </a:stretch>
               </a:blipFill>
             </p:spPr>
@@ -20340,216 +20349,1593 @@
           </a:p>
         </p:txBody>
       </p:sp>
-      <p:pic>
-        <p:nvPicPr>
-          <p:cNvPr id="10" name="Picture 9">
-            <a:extLst>
-              <a:ext uri="{FF2B5EF4-FFF2-40B4-BE49-F238E27FC236}">
-                <a16:creationId xmlns:a16="http://schemas.microsoft.com/office/drawing/2014/main" id="{452334AB-9BE3-4417-96F1-68570B735077}"/>
-              </a:ext>
-            </a:extLst>
-          </p:cNvPr>
-          <p:cNvPicPr>
-            <a:picLocks noChangeAspect="1"/>
-          </p:cNvPicPr>
-          <p:nvPr/>
-        </p:nvPicPr>
-        <p:blipFill>
-          <a:blip r:embed="rId4"/>
-          <a:stretch>
-            <a:fillRect/>
-          </a:stretch>
-        </p:blipFill>
-        <p:spPr>
-          <a:xfrm>
-            <a:off x="7243623" y="1692376"/>
-            <a:ext cx="4808294" cy="933146"/>
-          </a:xfrm>
-          <a:prstGeom prst="rect">
-            <a:avLst/>
-          </a:prstGeom>
-        </p:spPr>
-      </p:pic>
-      <p:pic>
-        <p:nvPicPr>
-          <p:cNvPr id="14" name="Picture 13">
-            <a:extLst>
-              <a:ext uri="{FF2B5EF4-FFF2-40B4-BE49-F238E27FC236}">
-                <a16:creationId xmlns:a16="http://schemas.microsoft.com/office/drawing/2014/main" id="{E3C63633-FD64-4D34-98D4-FD2FE42634B3}"/>
-              </a:ext>
-            </a:extLst>
-          </p:cNvPr>
-          <p:cNvPicPr>
-            <a:picLocks noChangeAspect="1"/>
-          </p:cNvPicPr>
-          <p:nvPr/>
-        </p:nvPicPr>
-        <p:blipFill>
-          <a:blip r:embed="rId5"/>
-          <a:stretch>
-            <a:fillRect/>
-          </a:stretch>
-        </p:blipFill>
-        <p:spPr>
-          <a:xfrm>
-            <a:off x="7243623" y="2709289"/>
-            <a:ext cx="3994518" cy="1221144"/>
-          </a:xfrm>
-          <a:prstGeom prst="rect">
-            <a:avLst/>
-          </a:prstGeom>
-        </p:spPr>
-      </p:pic>
-      <p:sp>
-        <p:nvSpPr>
-          <p:cNvPr id="15" name="TextBox 14">
-            <a:extLst>
-              <a:ext uri="{FF2B5EF4-FFF2-40B4-BE49-F238E27FC236}">
-                <a16:creationId xmlns:a16="http://schemas.microsoft.com/office/drawing/2014/main" id="{A0E12EA4-B7EF-4873-A704-EEE0D6D03429}"/>
-              </a:ext>
-            </a:extLst>
-          </p:cNvPr>
-          <p:cNvSpPr txBox="1"/>
-          <p:nvPr/>
-        </p:nvSpPr>
-        <p:spPr bwMode="gray">
-          <a:xfrm>
-            <a:off x="7887458" y="3986248"/>
-            <a:ext cx="3332477" cy="1639686"/>
-          </a:xfrm>
-          <a:prstGeom prst="rect">
-            <a:avLst/>
-          </a:prstGeom>
-          <a:noFill/>
-        </p:spPr>
-        <p:txBody>
-          <a:bodyPr wrap="square" lIns="0" tIns="0" rIns="0" bIns="0" rtlCol="0">
-            <a:noAutofit/>
-          </a:bodyPr>
-          <a:lstStyle/>
-          <a:p>
-            <a:pPr marL="182563" indent="-182563">
-              <a:spcBef>
-                <a:spcPts val="300"/>
-              </a:spcBef>
-              <a:spcAft>
-                <a:spcPts val="300"/>
-              </a:spcAft>
-              <a:buClr>
-                <a:schemeClr val="accent1"/>
-              </a:buClr>
-              <a:buSzPct val="90000"/>
-              <a:buFont typeface="Arial" panose="020B0604020202020204" pitchFamily="34" charset="0"/>
-              <a:buChar char="■"/>
-            </a:pPr>
-            <a:r>
-              <a:rPr lang="en-US" sz="1200" dirty="0"/>
-              <a:t>N=T (number of states)</a:t>
-            </a:r>
-          </a:p>
-          <a:p>
-            <a:pPr>
-              <a:spcBef>
-                <a:spcPts val="300"/>
-              </a:spcBef>
-              <a:spcAft>
-                <a:spcPts val="300"/>
-              </a:spcAft>
-              <a:buClr>
-                <a:schemeClr val="accent1"/>
-              </a:buClr>
-              <a:buSzPct val="90000"/>
-            </a:pPr>
-            <a:r>
-              <a:rPr lang="en-US" sz="1200" dirty="0"/>
-              <a:t>Write P(</a:t>
-            </a:r>
-            <a:r>
-              <a:rPr lang="en-US" sz="1200" dirty="0" err="1"/>
-              <a:t>O|theta</a:t>
-            </a:r>
-            <a:r>
-              <a:rPr lang="en-US" sz="1200" dirty="0"/>
-              <a:t>) = Summation in the denominator</a:t>
-            </a:r>
-          </a:p>
-          <a:p>
-            <a:pPr>
-              <a:spcBef>
-                <a:spcPts val="300"/>
-              </a:spcBef>
-              <a:spcAft>
-                <a:spcPts val="300"/>
-              </a:spcAft>
-              <a:buClr>
-                <a:schemeClr val="accent1"/>
-              </a:buClr>
-              <a:buSzPct val="90000"/>
-            </a:pPr>
-            <a:r>
-              <a:rPr lang="en-US" sz="1200" dirty="0"/>
-              <a:t>We can compute this way if we are not interested in the exact states.</a:t>
-            </a:r>
-          </a:p>
-          <a:p>
-            <a:pPr>
-              <a:spcBef>
-                <a:spcPts val="300"/>
-              </a:spcBef>
-              <a:spcAft>
-                <a:spcPts val="300"/>
-              </a:spcAft>
-              <a:buClr>
-                <a:schemeClr val="accent1"/>
-              </a:buClr>
-              <a:buSzPct val="90000"/>
-            </a:pPr>
-            <a:endParaRPr lang="en-US" sz="1200" dirty="0"/>
-          </a:p>
-        </p:txBody>
-      </p:sp>
-      <p:cxnSp>
-        <p:nvCxnSpPr>
-          <p:cNvPr id="17" name="Connector: Elbow 16">
-            <a:extLst>
-              <a:ext uri="{FF2B5EF4-FFF2-40B4-BE49-F238E27FC236}">
-                <a16:creationId xmlns:a16="http://schemas.microsoft.com/office/drawing/2014/main" id="{A8E74BBE-AE0A-4819-AC68-E4F1D43D432A}"/>
-              </a:ext>
-            </a:extLst>
-          </p:cNvPr>
-          <p:cNvCxnSpPr/>
-          <p:nvPr/>
-        </p:nvCxnSpPr>
-        <p:spPr bwMode="gray">
-          <a:xfrm rot="16200000" flipH="1">
-            <a:off x="10774789" y="2659857"/>
-            <a:ext cx="1168115" cy="709569"/>
-          </a:xfrm>
-          <a:prstGeom prst="bentConnector3">
-            <a:avLst/>
-          </a:prstGeom>
-          <a:ln>
-            <a:solidFill>
-              <a:schemeClr val="accent1"/>
-            </a:solidFill>
-            <a:tailEnd type="triangle"/>
-          </a:ln>
-        </p:spPr>
-        <p:style>
-          <a:lnRef idx="1">
-            <a:schemeClr val="accent1"/>
-          </a:lnRef>
-          <a:fillRef idx="0">
-            <a:schemeClr val="accent1"/>
-          </a:fillRef>
-          <a:effectRef idx="0">
-            <a:schemeClr val="accent1"/>
-          </a:effectRef>
-          <a:fontRef idx="minor">
-            <a:schemeClr val="tx1"/>
-          </a:fontRef>
-        </p:style>
-      </p:cxnSp>
+      <mc:AlternateContent xmlns:mc="http://schemas.openxmlformats.org/markup-compatibility/2006">
+        <mc:Choice xmlns:a14="http://schemas.microsoft.com/office/drawing/2010/main" Requires="a14">
+          <p:sp>
+            <p:nvSpPr>
+              <p:cNvPr id="11" name="TextBox 10">
+                <a:extLst>
+                  <a:ext uri="{FF2B5EF4-FFF2-40B4-BE49-F238E27FC236}">
+                    <a16:creationId xmlns:a16="http://schemas.microsoft.com/office/drawing/2014/main" id="{F6B22789-43A4-4491-89D4-32A622748B7E}"/>
+                  </a:ext>
+                </a:extLst>
+              </p:cNvPr>
+              <p:cNvSpPr txBox="1"/>
+              <p:nvPr/>
+            </p:nvSpPr>
+            <p:spPr bwMode="gray">
+              <a:xfrm>
+                <a:off x="1084202" y="4398016"/>
+                <a:ext cx="8563568" cy="2324547"/>
+              </a:xfrm>
+              <a:prstGeom prst="rect">
+                <a:avLst/>
+              </a:prstGeom>
+              <a:solidFill>
+                <a:schemeClr val="bg1">
+                  <a:lumMod val="95000"/>
+                </a:schemeClr>
+              </a:solidFill>
+            </p:spPr>
+            <p:txBody>
+              <a:bodyPr wrap="square">
+                <a:spAutoFit/>
+              </a:bodyPr>
+              <a:lstStyle/>
+              <a:p>
+                <a:pPr marL="0" indent="0">
+                  <a:buNone/>
+                </a:pPr>
+                <a:r>
+                  <a:rPr lang="en-US" b="1" i="0" dirty="0">
+                    <a:latin typeface="+mj-lt"/>
+                  </a:rPr>
+                  <a:t>Now how to aggregate these estimates in an iterative ways?</a:t>
+                </a:r>
+                <a:endParaRPr lang="en-US" b="1" i="1" dirty="0">
+                  <a:latin typeface="Cambria Math" panose="02040503050406030204" pitchFamily="18" charset="0"/>
+                </a:endParaRPr>
+              </a:p>
+              <a:p>
+                <a:pPr marL="0" indent="0">
+                  <a:buNone/>
+                </a:pPr>
+                <a14:m>
+                  <m:oMathPara xmlns:m="http://schemas.openxmlformats.org/officeDocument/2006/math">
+                    <m:oMathParaPr>
+                      <m:jc m:val="left"/>
+                    </m:oMathParaPr>
+                    <m:oMath xmlns:m="http://schemas.openxmlformats.org/officeDocument/2006/math">
+                      <m:sSub>
+                        <m:sSubPr>
+                          <m:ctrlPr>
+                            <a:rPr lang="en-US" sz="2000" b="0" i="1" smtClean="0">
+                              <a:latin typeface="Cambria Math" panose="02040503050406030204" pitchFamily="18" charset="0"/>
+                            </a:rPr>
+                          </m:ctrlPr>
+                        </m:sSubPr>
+                        <m:e>
+                          <m:r>
+                            <a:rPr lang="en-US" sz="2000" b="0" i="1" smtClean="0">
+                              <a:latin typeface="Cambria Math" panose="02040503050406030204" pitchFamily="18" charset="0"/>
+                            </a:rPr>
+                            <m:t>𝜉</m:t>
+                          </m:r>
+                        </m:e>
+                        <m:sub>
+                          <m:r>
+                            <a:rPr lang="en-US" sz="2000" b="0" i="1" smtClean="0">
+                              <a:latin typeface="Cambria Math" panose="02040503050406030204" pitchFamily="18" charset="0"/>
+                            </a:rPr>
+                            <m:t>𝑡</m:t>
+                          </m:r>
+                        </m:sub>
+                      </m:sSub>
+                      <m:d>
+                        <m:dPr>
+                          <m:ctrlPr>
+                            <a:rPr lang="en-US" sz="2000" b="0" i="1" smtClean="0">
+                              <a:latin typeface="Cambria Math" panose="02040503050406030204" pitchFamily="18" charset="0"/>
+                            </a:rPr>
+                          </m:ctrlPr>
+                        </m:dPr>
+                        <m:e>
+                          <m:r>
+                            <a:rPr lang="en-US" sz="2000" b="0" i="1" smtClean="0">
+                              <a:latin typeface="Cambria Math" panose="02040503050406030204" pitchFamily="18" charset="0"/>
+                            </a:rPr>
+                            <m:t>𝑖</m:t>
+                          </m:r>
+                          <m:r>
+                            <a:rPr lang="en-US" sz="2000" b="0" i="1" smtClean="0">
+                              <a:latin typeface="Cambria Math" panose="02040503050406030204" pitchFamily="18" charset="0"/>
+                            </a:rPr>
+                            <m:t>,</m:t>
+                          </m:r>
+                          <m:r>
+                            <a:rPr lang="en-US" sz="2000" b="0" i="1" smtClean="0">
+                              <a:latin typeface="Cambria Math" panose="02040503050406030204" pitchFamily="18" charset="0"/>
+                            </a:rPr>
+                            <m:t>𝑗</m:t>
+                          </m:r>
+                        </m:e>
+                      </m:d>
+                      <m:r>
+                        <a:rPr lang="en-US" sz="2000" b="0" i="1" smtClean="0">
+                          <a:latin typeface="Cambria Math" panose="02040503050406030204" pitchFamily="18" charset="0"/>
+                        </a:rPr>
+                        <m:t>=</m:t>
+                      </m:r>
+                      <m:r>
+                        <a:rPr lang="en-US" sz="2000" b="0" i="1" smtClean="0">
+                          <a:latin typeface="Cambria Math" panose="02040503050406030204" pitchFamily="18" charset="0"/>
+                        </a:rPr>
+                        <m:t>𝑃</m:t>
+                      </m:r>
+                      <m:d>
+                        <m:dPr>
+                          <m:ctrlPr>
+                            <a:rPr lang="en-US" sz="2000" b="0" i="1" smtClean="0">
+                              <a:latin typeface="Cambria Math" panose="02040503050406030204" pitchFamily="18" charset="0"/>
+                            </a:rPr>
+                          </m:ctrlPr>
+                        </m:dPr>
+                        <m:e>
+                          <m:r>
+                            <a:rPr lang="en-US" sz="2000" b="0" i="1" smtClean="0">
+                              <a:latin typeface="Cambria Math" panose="02040503050406030204" pitchFamily="18" charset="0"/>
+                            </a:rPr>
+                            <m:t>(</m:t>
+                          </m:r>
+                          <m:sSub>
+                            <m:sSubPr>
+                              <m:ctrlPr>
+                                <a:rPr lang="en-US" sz="2000" b="0" i="1" smtClean="0">
+                                  <a:latin typeface="Cambria Math" panose="02040503050406030204" pitchFamily="18" charset="0"/>
+                                </a:rPr>
+                              </m:ctrlPr>
+                            </m:sSubPr>
+                            <m:e>
+                              <m:r>
+                                <a:rPr lang="en-US" sz="2000" b="0" i="1" smtClean="0">
+                                  <a:latin typeface="Cambria Math" panose="02040503050406030204" pitchFamily="18" charset="0"/>
+                                </a:rPr>
+                                <m:t>𝑆</m:t>
+                              </m:r>
+                            </m:e>
+                            <m:sub>
+                              <m:r>
+                                <a:rPr lang="en-US" sz="2000" b="0" i="1" smtClean="0">
+                                  <a:latin typeface="Cambria Math" panose="02040503050406030204" pitchFamily="18" charset="0"/>
+                                </a:rPr>
+                                <m:t>𝑡</m:t>
+                              </m:r>
+                            </m:sub>
+                          </m:sSub>
+                          <m:r>
+                            <a:rPr lang="en-US" sz="2000" b="0" i="1" smtClean="0">
+                              <a:latin typeface="Cambria Math" panose="02040503050406030204" pitchFamily="18" charset="0"/>
+                            </a:rPr>
+                            <m:t>=</m:t>
+                          </m:r>
+                          <m:sSub>
+                            <m:sSubPr>
+                              <m:ctrlPr>
+                                <a:rPr lang="en-US" sz="2000" b="0" i="1" smtClean="0">
+                                  <a:latin typeface="Cambria Math" panose="02040503050406030204" pitchFamily="18" charset="0"/>
+                                </a:rPr>
+                              </m:ctrlPr>
+                            </m:sSubPr>
+                            <m:e>
+                              <m:r>
+                                <a:rPr lang="en-US" sz="2000" b="0" i="1" smtClean="0">
+                                  <a:latin typeface="Cambria Math" panose="02040503050406030204" pitchFamily="18" charset="0"/>
+                                </a:rPr>
+                                <m:t>𝑆</m:t>
+                              </m:r>
+                            </m:e>
+                            <m:sub>
+                              <m:r>
+                                <a:rPr lang="en-US" sz="2000" b="0" i="1" smtClean="0">
+                                  <a:latin typeface="Cambria Math" panose="02040503050406030204" pitchFamily="18" charset="0"/>
+                                </a:rPr>
+                                <m:t>𝑖</m:t>
+                              </m:r>
+                            </m:sub>
+                          </m:sSub>
+                          <m:r>
+                            <a:rPr lang="en-US" sz="2000" b="0" i="1" smtClean="0">
+                              <a:latin typeface="Cambria Math" panose="02040503050406030204" pitchFamily="18" charset="0"/>
+                            </a:rPr>
+                            <m:t>, </m:t>
+                          </m:r>
+                          <m:sSub>
+                            <m:sSubPr>
+                              <m:ctrlPr>
+                                <a:rPr lang="en-US" sz="2000" b="0" i="1" smtClean="0">
+                                  <a:latin typeface="Cambria Math" panose="02040503050406030204" pitchFamily="18" charset="0"/>
+                                </a:rPr>
+                              </m:ctrlPr>
+                            </m:sSubPr>
+                            <m:e>
+                              <m:r>
+                                <a:rPr lang="en-US" sz="2000" b="0" i="1" smtClean="0">
+                                  <a:latin typeface="Cambria Math" panose="02040503050406030204" pitchFamily="18" charset="0"/>
+                                </a:rPr>
+                                <m:t>𝑆</m:t>
+                              </m:r>
+                            </m:e>
+                            <m:sub>
+                              <m:r>
+                                <a:rPr lang="en-US" sz="2000" b="0" i="1" smtClean="0">
+                                  <a:latin typeface="Cambria Math" panose="02040503050406030204" pitchFamily="18" charset="0"/>
+                                </a:rPr>
+                                <m:t>𝑡</m:t>
+                              </m:r>
+                              <m:r>
+                                <a:rPr lang="en-US" sz="2000" b="0" i="1" smtClean="0">
+                                  <a:latin typeface="Cambria Math" panose="02040503050406030204" pitchFamily="18" charset="0"/>
+                                </a:rPr>
+                                <m:t>+1 </m:t>
+                              </m:r>
+                            </m:sub>
+                          </m:sSub>
+                          <m:r>
+                            <a:rPr lang="en-US" sz="2000" b="0" i="1" smtClean="0">
+                              <a:latin typeface="Cambria Math" panose="02040503050406030204" pitchFamily="18" charset="0"/>
+                            </a:rPr>
+                            <m:t>=</m:t>
+                          </m:r>
+                          <m:sSub>
+                            <m:sSubPr>
+                              <m:ctrlPr>
+                                <a:rPr lang="en-US" sz="2000" b="0" i="1" smtClean="0">
+                                  <a:latin typeface="Cambria Math" panose="02040503050406030204" pitchFamily="18" charset="0"/>
+                                </a:rPr>
+                              </m:ctrlPr>
+                            </m:sSubPr>
+                            <m:e>
+                              <m:r>
+                                <a:rPr lang="en-US" sz="2000" b="0" i="1" smtClean="0">
+                                  <a:latin typeface="Cambria Math" panose="02040503050406030204" pitchFamily="18" charset="0"/>
+                                </a:rPr>
+                                <m:t>𝑆</m:t>
+                              </m:r>
+                            </m:e>
+                            <m:sub>
+                              <m:r>
+                                <a:rPr lang="en-US" sz="2000" b="0" i="1" smtClean="0">
+                                  <a:latin typeface="Cambria Math" panose="02040503050406030204" pitchFamily="18" charset="0"/>
+                                </a:rPr>
+                                <m:t>𝑗</m:t>
+                              </m:r>
+                            </m:sub>
+                          </m:sSub>
+                          <m:r>
+                            <a:rPr lang="en-US" sz="2000" b="0" i="1" smtClean="0">
+                              <a:latin typeface="Cambria Math" panose="02040503050406030204" pitchFamily="18" charset="0"/>
+                            </a:rPr>
+                            <m:t>)</m:t>
+                          </m:r>
+                        </m:e>
+                        <m:e>
+                          <m:d>
+                            <m:dPr>
+                              <m:ctrlPr>
+                                <a:rPr lang="en-US" sz="2000" b="0" i="1" smtClean="0">
+                                  <a:latin typeface="Cambria Math" panose="02040503050406030204" pitchFamily="18" charset="0"/>
+                                </a:rPr>
+                              </m:ctrlPr>
+                            </m:dPr>
+                            <m:e>
+                              <m:r>
+                                <a:rPr lang="en-US" sz="2000" b="0" i="1" smtClean="0">
+                                  <a:latin typeface="Cambria Math" panose="02040503050406030204" pitchFamily="18" charset="0"/>
+                                </a:rPr>
+                                <m:t>𝑂</m:t>
+                              </m:r>
+                              <m:r>
+                                <a:rPr lang="en-US" sz="2000" b="0" i="1" smtClean="0">
+                                  <a:latin typeface="Cambria Math" panose="02040503050406030204" pitchFamily="18" charset="0"/>
+                                </a:rPr>
+                                <m:t>, </m:t>
+                              </m:r>
+                              <m:r>
+                                <a:rPr lang="en-US" sz="2000" b="0" i="1" smtClean="0">
+                                  <a:latin typeface="Cambria Math" panose="02040503050406030204" pitchFamily="18" charset="0"/>
+                                </a:rPr>
+                                <m:t>𝜃</m:t>
+                              </m:r>
+                            </m:e>
+                          </m:d>
+                        </m:e>
+                      </m:d>
+                    </m:oMath>
+                  </m:oMathPara>
+                </a14:m>
+                <a:endParaRPr lang="en-US" sz="2000" b="0" i="1" dirty="0">
+                  <a:latin typeface="Cambria Math" panose="02040503050406030204" pitchFamily="18" charset="0"/>
+                </a:endParaRPr>
+              </a:p>
+              <a:p>
+                <a:pPr marL="0" indent="0">
+                  <a:buNone/>
+                </a:pPr>
+                <a14:m>
+                  <m:oMath xmlns:m="http://schemas.openxmlformats.org/officeDocument/2006/math">
+                    <m:sSub>
+                      <m:sSubPr>
+                        <m:ctrlPr>
+                          <a:rPr lang="en-US" sz="2000" b="0" i="1" smtClean="0">
+                            <a:latin typeface="Cambria Math" panose="02040503050406030204" pitchFamily="18" charset="0"/>
+                          </a:rPr>
+                        </m:ctrlPr>
+                      </m:sSubPr>
+                      <m:e>
+                        <m:r>
+                          <a:rPr lang="en-US" sz="2000" b="0" i="1" smtClean="0">
+                            <a:latin typeface="Cambria Math" panose="02040503050406030204" pitchFamily="18" charset="0"/>
+                          </a:rPr>
+                          <m:t> </m:t>
+                        </m:r>
+                        <m:r>
+                          <a:rPr lang="en-US" sz="2000" b="0" i="1" smtClean="0">
+                            <a:latin typeface="Cambria Math" panose="02040503050406030204" pitchFamily="18" charset="0"/>
+                          </a:rPr>
+                          <m:t>𝜉</m:t>
+                        </m:r>
+                      </m:e>
+                      <m:sub>
+                        <m:r>
+                          <a:rPr lang="en-US" sz="2000" b="0" i="1" smtClean="0">
+                            <a:latin typeface="Cambria Math" panose="02040503050406030204" pitchFamily="18" charset="0"/>
+                          </a:rPr>
+                          <m:t>𝑡</m:t>
+                        </m:r>
+                      </m:sub>
+                    </m:sSub>
+                    <m:d>
+                      <m:dPr>
+                        <m:ctrlPr>
+                          <a:rPr lang="en-US" sz="2000" b="0" i="1" smtClean="0">
+                            <a:latin typeface="Cambria Math" panose="02040503050406030204" pitchFamily="18" charset="0"/>
+                          </a:rPr>
+                        </m:ctrlPr>
+                      </m:dPr>
+                      <m:e>
+                        <m:r>
+                          <a:rPr lang="en-US" sz="2000" b="0" i="1" smtClean="0">
+                            <a:latin typeface="Cambria Math" panose="02040503050406030204" pitchFamily="18" charset="0"/>
+                          </a:rPr>
+                          <m:t>𝑖</m:t>
+                        </m:r>
+                        <m:r>
+                          <a:rPr lang="en-US" sz="2000" b="0" i="1" smtClean="0">
+                            <a:latin typeface="Cambria Math" panose="02040503050406030204" pitchFamily="18" charset="0"/>
+                          </a:rPr>
+                          <m:t>,</m:t>
+                        </m:r>
+                        <m:r>
+                          <a:rPr lang="en-US" sz="2000" b="0" i="1" smtClean="0">
+                            <a:latin typeface="Cambria Math" panose="02040503050406030204" pitchFamily="18" charset="0"/>
+                          </a:rPr>
+                          <m:t>𝑗</m:t>
+                        </m:r>
+                      </m:e>
+                    </m:d>
+                    <m:r>
+                      <a:rPr lang="en-US" sz="2000" b="0" i="1" smtClean="0">
+                        <a:latin typeface="Cambria Math" panose="02040503050406030204" pitchFamily="18" charset="0"/>
+                      </a:rPr>
+                      <m:t>=</m:t>
+                    </m:r>
+                    <m:f>
+                      <m:fPr>
+                        <m:ctrlPr>
+                          <a:rPr lang="en-US" sz="2000" b="0" i="1" smtClean="0">
+                            <a:latin typeface="Cambria Math" panose="02040503050406030204" pitchFamily="18" charset="0"/>
+                          </a:rPr>
+                        </m:ctrlPr>
+                      </m:fPr>
+                      <m:num>
+                        <m:sSub>
+                          <m:sSubPr>
+                            <m:ctrlPr>
+                              <a:rPr lang="en-US" sz="2000" b="0" i="1" smtClean="0">
+                                <a:latin typeface="Cambria Math" panose="02040503050406030204" pitchFamily="18" charset="0"/>
+                              </a:rPr>
+                            </m:ctrlPr>
+                          </m:sSubPr>
+                          <m:e>
+                            <m:r>
+                              <a:rPr lang="en-US" sz="2000" b="0" i="1" smtClean="0">
+                                <a:latin typeface="Cambria Math" panose="02040503050406030204" pitchFamily="18" charset="0"/>
+                              </a:rPr>
+                              <m:t>𝛼</m:t>
+                            </m:r>
+                          </m:e>
+                          <m:sub>
+                            <m:r>
+                              <a:rPr lang="en-US" sz="2000" b="0" i="1" smtClean="0">
+                                <a:latin typeface="Cambria Math" panose="02040503050406030204" pitchFamily="18" charset="0"/>
+                              </a:rPr>
+                              <m:t>𝑡</m:t>
+                            </m:r>
+                          </m:sub>
+                        </m:sSub>
+                        <m:d>
+                          <m:dPr>
+                            <m:ctrlPr>
+                              <a:rPr lang="en-US" sz="2000" b="0" i="1" smtClean="0">
+                                <a:latin typeface="Cambria Math" panose="02040503050406030204" pitchFamily="18" charset="0"/>
+                              </a:rPr>
+                            </m:ctrlPr>
+                          </m:dPr>
+                          <m:e>
+                            <m:r>
+                              <a:rPr lang="en-US" sz="2000" b="0" i="1" smtClean="0">
+                                <a:latin typeface="Cambria Math" panose="02040503050406030204" pitchFamily="18" charset="0"/>
+                              </a:rPr>
+                              <m:t>𝑖</m:t>
+                            </m:r>
+                          </m:e>
+                        </m:d>
+                        <m:r>
+                          <a:rPr lang="en-US" sz="2000" b="0" i="1" smtClean="0">
+                            <a:latin typeface="Cambria Math" panose="02040503050406030204" pitchFamily="18" charset="0"/>
+                          </a:rPr>
+                          <m:t>∗</m:t>
+                        </m:r>
+                        <m:sSub>
+                          <m:sSubPr>
+                            <m:ctrlPr>
+                              <a:rPr lang="en-US" sz="2000" b="0" i="1" smtClean="0">
+                                <a:latin typeface="Cambria Math" panose="02040503050406030204" pitchFamily="18" charset="0"/>
+                              </a:rPr>
+                            </m:ctrlPr>
+                          </m:sSubPr>
+                          <m:e>
+                            <m:r>
+                              <a:rPr lang="en-US" sz="2000" b="0" i="1" smtClean="0">
+                                <a:latin typeface="Cambria Math" panose="02040503050406030204" pitchFamily="18" charset="0"/>
+                              </a:rPr>
+                              <m:t>𝑎</m:t>
+                            </m:r>
+                          </m:e>
+                          <m:sub>
+                            <m:r>
+                              <a:rPr lang="en-US" sz="2000" b="0" i="1" smtClean="0">
+                                <a:latin typeface="Cambria Math" panose="02040503050406030204" pitchFamily="18" charset="0"/>
+                              </a:rPr>
+                              <m:t>𝑖𝑗</m:t>
+                            </m:r>
+                          </m:sub>
+                        </m:sSub>
+                        <m:r>
+                          <a:rPr lang="en-US" sz="2000" b="0" i="1" smtClean="0">
+                            <a:latin typeface="Cambria Math" panose="02040503050406030204" pitchFamily="18" charset="0"/>
+                          </a:rPr>
+                          <m:t>∗</m:t>
+                        </m:r>
+                        <m:sSub>
+                          <m:sSubPr>
+                            <m:ctrlPr>
+                              <a:rPr lang="en-US" sz="2000" b="0" i="1" smtClean="0">
+                                <a:latin typeface="Cambria Math" panose="02040503050406030204" pitchFamily="18" charset="0"/>
+                              </a:rPr>
+                            </m:ctrlPr>
+                          </m:sSubPr>
+                          <m:e>
+                            <m:r>
+                              <a:rPr lang="en-US" sz="2000" b="0" i="1" smtClean="0">
+                                <a:latin typeface="Cambria Math" panose="02040503050406030204" pitchFamily="18" charset="0"/>
+                              </a:rPr>
+                              <m:t>𝑏</m:t>
+                            </m:r>
+                          </m:e>
+                          <m:sub>
+                            <m:r>
+                              <a:rPr lang="en-US" sz="2000" b="0" i="1" smtClean="0">
+                                <a:latin typeface="Cambria Math" panose="02040503050406030204" pitchFamily="18" charset="0"/>
+                              </a:rPr>
+                              <m:t>𝑗</m:t>
+                            </m:r>
+                          </m:sub>
+                        </m:sSub>
+                        <m:d>
+                          <m:dPr>
+                            <m:ctrlPr>
+                              <a:rPr lang="en-US" sz="2000" b="0" i="1" smtClean="0">
+                                <a:latin typeface="Cambria Math" panose="02040503050406030204" pitchFamily="18" charset="0"/>
+                              </a:rPr>
+                            </m:ctrlPr>
+                          </m:dPr>
+                          <m:e>
+                            <m:sSub>
+                              <m:sSubPr>
+                                <m:ctrlPr>
+                                  <a:rPr lang="en-US" sz="2000" b="0" i="1" smtClean="0">
+                                    <a:latin typeface="Cambria Math" panose="02040503050406030204" pitchFamily="18" charset="0"/>
+                                  </a:rPr>
+                                </m:ctrlPr>
+                              </m:sSubPr>
+                              <m:e>
+                                <m:r>
+                                  <a:rPr lang="en-US" sz="2000" b="0" i="1" smtClean="0">
+                                    <a:latin typeface="Cambria Math" panose="02040503050406030204" pitchFamily="18" charset="0"/>
+                                  </a:rPr>
+                                  <m:t>𝑂</m:t>
+                                </m:r>
+                              </m:e>
+                              <m:sub>
+                                <m:r>
+                                  <a:rPr lang="en-US" sz="2000" b="0" i="1" smtClean="0">
+                                    <a:latin typeface="Cambria Math" panose="02040503050406030204" pitchFamily="18" charset="0"/>
+                                  </a:rPr>
+                                  <m:t>𝑡</m:t>
+                                </m:r>
+                                <m:r>
+                                  <a:rPr lang="en-US" sz="2000" b="0" i="1" smtClean="0">
+                                    <a:latin typeface="Cambria Math" panose="02040503050406030204" pitchFamily="18" charset="0"/>
+                                  </a:rPr>
+                                  <m:t>+1</m:t>
+                                </m:r>
+                              </m:sub>
+                            </m:sSub>
+                          </m:e>
+                        </m:d>
+                        <m:r>
+                          <a:rPr lang="en-US" sz="2000" b="0" i="1" smtClean="0">
+                            <a:latin typeface="Cambria Math" panose="02040503050406030204" pitchFamily="18" charset="0"/>
+                          </a:rPr>
+                          <m:t>∗</m:t>
+                        </m:r>
+                        <m:sSub>
+                          <m:sSubPr>
+                            <m:ctrlPr>
+                              <a:rPr lang="en-US" sz="2000" b="0" i="1" smtClean="0">
+                                <a:latin typeface="Cambria Math" panose="02040503050406030204" pitchFamily="18" charset="0"/>
+                              </a:rPr>
+                            </m:ctrlPr>
+                          </m:sSubPr>
+                          <m:e>
+                            <m:r>
+                              <a:rPr lang="en-US" sz="2000" b="0" i="1" smtClean="0">
+                                <a:latin typeface="Cambria Math" panose="02040503050406030204" pitchFamily="18" charset="0"/>
+                              </a:rPr>
+                              <m:t>𝛽</m:t>
+                            </m:r>
+                          </m:e>
+                          <m:sub>
+                            <m:r>
+                              <a:rPr lang="en-US" sz="2000" b="0" i="1" smtClean="0">
+                                <a:latin typeface="Cambria Math" panose="02040503050406030204" pitchFamily="18" charset="0"/>
+                              </a:rPr>
+                              <m:t>𝑡</m:t>
+                            </m:r>
+                            <m:r>
+                              <a:rPr lang="en-US" sz="2000" b="0" i="1" smtClean="0">
+                                <a:latin typeface="Cambria Math" panose="02040503050406030204" pitchFamily="18" charset="0"/>
+                              </a:rPr>
+                              <m:t>+1</m:t>
+                            </m:r>
+                          </m:sub>
+                        </m:sSub>
+                        <m:r>
+                          <a:rPr lang="en-US" sz="2000" b="0" i="1" smtClean="0">
+                            <a:latin typeface="Cambria Math" panose="02040503050406030204" pitchFamily="18" charset="0"/>
+                          </a:rPr>
+                          <m:t>(</m:t>
+                        </m:r>
+                        <m:r>
+                          <a:rPr lang="en-US" sz="2000" b="0" i="1" smtClean="0">
+                            <a:latin typeface="Cambria Math" panose="02040503050406030204" pitchFamily="18" charset="0"/>
+                          </a:rPr>
+                          <m:t>𝑗</m:t>
+                        </m:r>
+                        <m:r>
+                          <a:rPr lang="en-US" sz="2000" b="0" i="1" smtClean="0">
+                            <a:latin typeface="Cambria Math" panose="02040503050406030204" pitchFamily="18" charset="0"/>
+                          </a:rPr>
+                          <m:t>)</m:t>
+                        </m:r>
+                      </m:num>
+                      <m:den>
+                        <m:r>
+                          <a:rPr lang="en-US" sz="2000" b="0" i="1" smtClean="0">
+                            <a:latin typeface="Cambria Math" panose="02040503050406030204" pitchFamily="18" charset="0"/>
+                          </a:rPr>
+                          <m:t>𝑃</m:t>
+                        </m:r>
+                        <m:r>
+                          <a:rPr lang="en-US" sz="2000" b="0" i="1" smtClean="0">
+                            <a:latin typeface="Cambria Math" panose="02040503050406030204" pitchFamily="18" charset="0"/>
+                          </a:rPr>
+                          <m:t>(</m:t>
+                        </m:r>
+                        <m:r>
+                          <a:rPr lang="en-US" sz="2000" b="0" i="1" smtClean="0">
+                            <a:latin typeface="Cambria Math" panose="02040503050406030204" pitchFamily="18" charset="0"/>
+                          </a:rPr>
+                          <m:t>𝑂</m:t>
+                        </m:r>
+                        <m:r>
+                          <a:rPr lang="en-US" sz="2000" b="0" i="1" smtClean="0">
+                            <a:latin typeface="Cambria Math" panose="02040503050406030204" pitchFamily="18" charset="0"/>
+                          </a:rPr>
+                          <m:t>|</m:t>
+                        </m:r>
+                        <m:r>
+                          <a:rPr lang="en-US" sz="2000" b="0" i="1" smtClean="0">
+                            <a:latin typeface="Cambria Math" panose="02040503050406030204" pitchFamily="18" charset="0"/>
+                          </a:rPr>
+                          <m:t>𝜃</m:t>
+                        </m:r>
+                        <m:r>
+                          <a:rPr lang="en-US" sz="2000" b="0" i="1" smtClean="0">
+                            <a:latin typeface="Cambria Math" panose="02040503050406030204" pitchFamily="18" charset="0"/>
+                          </a:rPr>
+                          <m:t>)</m:t>
+                        </m:r>
+                      </m:den>
+                    </m:f>
+                  </m:oMath>
+                </a14:m>
+                <a:r>
+                  <a:rPr lang="en-US" sz="2000" dirty="0">
+                    <a:latin typeface="+mj-lt"/>
+                  </a:rPr>
+                  <a:t> </a:t>
+                </a:r>
+              </a:p>
+              <a:p>
+                <a:pPr marL="0" indent="0">
+                  <a:buNone/>
+                </a:pPr>
+                <a:r>
+                  <a:rPr lang="en-US" sz="2000" dirty="0"/>
+                  <a:t> </a:t>
+                </a:r>
+                <a14:m>
+                  <m:oMath xmlns:m="http://schemas.openxmlformats.org/officeDocument/2006/math">
+                    <m:r>
+                      <a:rPr lang="en-US" sz="2000" b="0" i="1" smtClean="0">
+                        <a:latin typeface="Cambria Math" panose="02040503050406030204" pitchFamily="18" charset="0"/>
+                      </a:rPr>
+                      <m:t>𝑃</m:t>
+                    </m:r>
+                    <m:d>
+                      <m:dPr>
+                        <m:ctrlPr>
+                          <a:rPr lang="en-US" sz="2000" b="0" i="1" smtClean="0">
+                            <a:latin typeface="Cambria Math" panose="02040503050406030204" pitchFamily="18" charset="0"/>
+                          </a:rPr>
+                        </m:ctrlPr>
+                      </m:dPr>
+                      <m:e>
+                        <m:r>
+                          <a:rPr lang="en-US" sz="2000" b="0" i="1" smtClean="0">
+                            <a:latin typeface="Cambria Math" panose="02040503050406030204" pitchFamily="18" charset="0"/>
+                          </a:rPr>
+                          <m:t>𝑂</m:t>
+                        </m:r>
+                      </m:e>
+                      <m:e>
+                        <m:r>
+                          <a:rPr lang="en-US" sz="2000" b="0" i="1" smtClean="0">
+                            <a:latin typeface="Cambria Math" panose="02040503050406030204" pitchFamily="18" charset="0"/>
+                          </a:rPr>
+                          <m:t>𝜃</m:t>
+                        </m:r>
+                      </m:e>
+                    </m:d>
+                    <m:r>
+                      <a:rPr lang="en-US" sz="2000" b="0" i="1" smtClean="0">
+                        <a:latin typeface="Cambria Math" panose="02040503050406030204" pitchFamily="18" charset="0"/>
+                      </a:rPr>
+                      <m:t>= </m:t>
+                    </m:r>
+                    <m:nary>
+                      <m:naryPr>
+                        <m:chr m:val="∑"/>
+                        <m:ctrlPr>
+                          <a:rPr lang="en-US" sz="2000" b="0" i="1" smtClean="0">
+                            <a:latin typeface="Cambria Math" panose="02040503050406030204" pitchFamily="18" charset="0"/>
+                          </a:rPr>
+                        </m:ctrlPr>
+                      </m:naryPr>
+                      <m:sub>
+                        <m:r>
+                          <m:rPr>
+                            <m:brk m:alnAt="23"/>
+                          </m:rPr>
+                          <a:rPr lang="en-US" sz="2000" b="0" i="1" smtClean="0">
+                            <a:latin typeface="Cambria Math" panose="02040503050406030204" pitchFamily="18" charset="0"/>
+                          </a:rPr>
+                          <m:t>𝑖</m:t>
+                        </m:r>
+                        <m:r>
+                          <a:rPr lang="en-US" sz="2000" b="0" i="1" smtClean="0">
+                            <a:latin typeface="Cambria Math" panose="02040503050406030204" pitchFamily="18" charset="0"/>
+                          </a:rPr>
+                          <m:t>=1</m:t>
+                        </m:r>
+                      </m:sub>
+                      <m:sup>
+                        <m:r>
+                          <a:rPr lang="en-US" sz="2000" b="0" i="1" smtClean="0">
+                            <a:latin typeface="Cambria Math" panose="02040503050406030204" pitchFamily="18" charset="0"/>
+                          </a:rPr>
+                          <m:t>𝑁</m:t>
+                        </m:r>
+                      </m:sup>
+                      <m:e>
+                        <m:nary>
+                          <m:naryPr>
+                            <m:chr m:val="∑"/>
+                            <m:ctrlPr>
+                              <a:rPr lang="en-US" sz="2000" b="0" i="1" smtClean="0">
+                                <a:latin typeface="Cambria Math" panose="02040503050406030204" pitchFamily="18" charset="0"/>
+                              </a:rPr>
+                            </m:ctrlPr>
+                          </m:naryPr>
+                          <m:sub>
+                            <m:r>
+                              <m:rPr>
+                                <m:brk m:alnAt="23"/>
+                              </m:rPr>
+                              <a:rPr lang="en-US" sz="2000" b="0" i="1" smtClean="0">
+                                <a:latin typeface="Cambria Math" panose="02040503050406030204" pitchFamily="18" charset="0"/>
+                              </a:rPr>
+                              <m:t>𝑗</m:t>
+                            </m:r>
+                            <m:r>
+                              <a:rPr lang="en-US" sz="2000" b="0" i="1" smtClean="0">
+                                <a:latin typeface="Cambria Math" panose="02040503050406030204" pitchFamily="18" charset="0"/>
+                              </a:rPr>
+                              <m:t>=1</m:t>
+                            </m:r>
+                          </m:sub>
+                          <m:sup>
+                            <m:r>
+                              <a:rPr lang="en-US" sz="2000" b="0" i="1" smtClean="0">
+                                <a:latin typeface="Cambria Math" panose="02040503050406030204" pitchFamily="18" charset="0"/>
+                              </a:rPr>
+                              <m:t>𝑁</m:t>
+                            </m:r>
+                          </m:sup>
+                          <m:e>
+                            <m:sSub>
+                              <m:sSubPr>
+                                <m:ctrlPr>
+                                  <a:rPr lang="en-US" sz="2000" b="0" i="1" smtClean="0">
+                                    <a:latin typeface="Cambria Math" panose="02040503050406030204" pitchFamily="18" charset="0"/>
+                                  </a:rPr>
+                                </m:ctrlPr>
+                              </m:sSubPr>
+                              <m:e>
+                                <m:r>
+                                  <a:rPr lang="en-US" sz="2000" b="0" i="1" smtClean="0">
+                                    <a:latin typeface="Cambria Math" panose="02040503050406030204" pitchFamily="18" charset="0"/>
+                                  </a:rPr>
+                                  <m:t>𝛼</m:t>
+                                </m:r>
+                              </m:e>
+                              <m:sub>
+                                <m:r>
+                                  <a:rPr lang="en-US" sz="2000" b="0" i="1" smtClean="0">
+                                    <a:latin typeface="Cambria Math" panose="02040503050406030204" pitchFamily="18" charset="0"/>
+                                  </a:rPr>
+                                  <m:t>𝑡</m:t>
+                                </m:r>
+                              </m:sub>
+                            </m:sSub>
+                            <m:d>
+                              <m:dPr>
+                                <m:ctrlPr>
+                                  <a:rPr lang="en-US" sz="2000" b="0" i="1" smtClean="0">
+                                    <a:latin typeface="Cambria Math" panose="02040503050406030204" pitchFamily="18" charset="0"/>
+                                  </a:rPr>
+                                </m:ctrlPr>
+                              </m:dPr>
+                              <m:e>
+                                <m:r>
+                                  <a:rPr lang="en-US" sz="2000" b="0" i="1" smtClean="0">
+                                    <a:latin typeface="Cambria Math" panose="02040503050406030204" pitchFamily="18" charset="0"/>
+                                  </a:rPr>
+                                  <m:t>𝑖</m:t>
+                                </m:r>
+                              </m:e>
+                            </m:d>
+                            <m:r>
+                              <a:rPr lang="en-US" sz="2000" b="0" i="1" smtClean="0">
+                                <a:latin typeface="Cambria Math" panose="02040503050406030204" pitchFamily="18" charset="0"/>
+                              </a:rPr>
+                              <m:t>∗</m:t>
+                            </m:r>
+                            <m:sSub>
+                              <m:sSubPr>
+                                <m:ctrlPr>
+                                  <a:rPr lang="en-US" sz="2000" b="0" i="1" smtClean="0">
+                                    <a:latin typeface="Cambria Math" panose="02040503050406030204" pitchFamily="18" charset="0"/>
+                                  </a:rPr>
+                                </m:ctrlPr>
+                              </m:sSubPr>
+                              <m:e>
+                                <m:r>
+                                  <a:rPr lang="en-US" sz="2000" b="0" i="1" smtClean="0">
+                                    <a:latin typeface="Cambria Math" panose="02040503050406030204" pitchFamily="18" charset="0"/>
+                                  </a:rPr>
+                                  <m:t>𝑎</m:t>
+                                </m:r>
+                              </m:e>
+                              <m:sub>
+                                <m:r>
+                                  <a:rPr lang="en-US" sz="2000" b="0" i="1" smtClean="0">
+                                    <a:latin typeface="Cambria Math" panose="02040503050406030204" pitchFamily="18" charset="0"/>
+                                  </a:rPr>
+                                  <m:t>𝑖𝑗</m:t>
+                                </m:r>
+                              </m:sub>
+                            </m:sSub>
+                            <m:r>
+                              <a:rPr lang="en-US" sz="2000" b="0" i="1" smtClean="0">
+                                <a:latin typeface="Cambria Math" panose="02040503050406030204" pitchFamily="18" charset="0"/>
+                              </a:rPr>
+                              <m:t>∗</m:t>
+                            </m:r>
+                            <m:sSub>
+                              <m:sSubPr>
+                                <m:ctrlPr>
+                                  <a:rPr lang="en-US" sz="2000" b="0" i="1" smtClean="0">
+                                    <a:latin typeface="Cambria Math" panose="02040503050406030204" pitchFamily="18" charset="0"/>
+                                  </a:rPr>
+                                </m:ctrlPr>
+                              </m:sSubPr>
+                              <m:e>
+                                <m:r>
+                                  <a:rPr lang="en-US" sz="2000" b="0" i="1" smtClean="0">
+                                    <a:latin typeface="Cambria Math" panose="02040503050406030204" pitchFamily="18" charset="0"/>
+                                  </a:rPr>
+                                  <m:t>𝑏</m:t>
+                                </m:r>
+                              </m:e>
+                              <m:sub>
+                                <m:r>
+                                  <a:rPr lang="en-US" sz="2000" b="0" i="1" smtClean="0">
+                                    <a:latin typeface="Cambria Math" panose="02040503050406030204" pitchFamily="18" charset="0"/>
+                                  </a:rPr>
+                                  <m:t>𝑗</m:t>
+                                </m:r>
+                              </m:sub>
+                            </m:sSub>
+                            <m:d>
+                              <m:dPr>
+                                <m:ctrlPr>
+                                  <a:rPr lang="en-US" sz="2000" b="0" i="1" smtClean="0">
+                                    <a:latin typeface="Cambria Math" panose="02040503050406030204" pitchFamily="18" charset="0"/>
+                                  </a:rPr>
+                                </m:ctrlPr>
+                              </m:dPr>
+                              <m:e>
+                                <m:sSub>
+                                  <m:sSubPr>
+                                    <m:ctrlPr>
+                                      <a:rPr lang="en-US" sz="2000" b="0" i="1" smtClean="0">
+                                        <a:latin typeface="Cambria Math" panose="02040503050406030204" pitchFamily="18" charset="0"/>
+                                      </a:rPr>
+                                    </m:ctrlPr>
+                                  </m:sSubPr>
+                                  <m:e>
+                                    <m:r>
+                                      <a:rPr lang="en-US" sz="2000" b="0" i="1" smtClean="0">
+                                        <a:latin typeface="Cambria Math" panose="02040503050406030204" pitchFamily="18" charset="0"/>
+                                      </a:rPr>
+                                      <m:t>𝑂</m:t>
+                                    </m:r>
+                                  </m:e>
+                                  <m:sub>
+                                    <m:r>
+                                      <a:rPr lang="en-US" sz="2000" b="0" i="1" smtClean="0">
+                                        <a:latin typeface="Cambria Math" panose="02040503050406030204" pitchFamily="18" charset="0"/>
+                                      </a:rPr>
+                                      <m:t>𝑡</m:t>
+                                    </m:r>
+                                    <m:r>
+                                      <a:rPr lang="en-US" sz="2000" b="0" i="1" smtClean="0">
+                                        <a:latin typeface="Cambria Math" panose="02040503050406030204" pitchFamily="18" charset="0"/>
+                                      </a:rPr>
+                                      <m:t>+1</m:t>
+                                    </m:r>
+                                  </m:sub>
+                                </m:sSub>
+                              </m:e>
+                            </m:d>
+                            <m:r>
+                              <a:rPr lang="en-US" sz="2000" b="0" i="1" smtClean="0">
+                                <a:latin typeface="Cambria Math" panose="02040503050406030204" pitchFamily="18" charset="0"/>
+                              </a:rPr>
+                              <m:t>∗</m:t>
+                            </m:r>
+                            <m:sSub>
+                              <m:sSubPr>
+                                <m:ctrlPr>
+                                  <a:rPr lang="en-US" sz="2000" b="0" i="1" smtClean="0">
+                                    <a:latin typeface="Cambria Math" panose="02040503050406030204" pitchFamily="18" charset="0"/>
+                                  </a:rPr>
+                                </m:ctrlPr>
+                              </m:sSubPr>
+                              <m:e>
+                                <m:r>
+                                  <a:rPr lang="en-US" sz="2000" b="0" i="1" smtClean="0">
+                                    <a:latin typeface="Cambria Math" panose="02040503050406030204" pitchFamily="18" charset="0"/>
+                                  </a:rPr>
+                                  <m:t>𝛽</m:t>
+                                </m:r>
+                              </m:e>
+                              <m:sub>
+                                <m:r>
+                                  <a:rPr lang="en-US" sz="2000" b="0" i="1" smtClean="0">
+                                    <a:latin typeface="Cambria Math" panose="02040503050406030204" pitchFamily="18" charset="0"/>
+                                  </a:rPr>
+                                  <m:t>𝑡</m:t>
+                                </m:r>
+                                <m:r>
+                                  <a:rPr lang="en-US" sz="2000" b="0" i="1" smtClean="0">
+                                    <a:latin typeface="Cambria Math" panose="02040503050406030204" pitchFamily="18" charset="0"/>
+                                  </a:rPr>
+                                  <m:t>+1</m:t>
+                                </m:r>
+                              </m:sub>
+                            </m:sSub>
+                            <m:r>
+                              <a:rPr lang="en-US" sz="2000" b="0" i="1" smtClean="0">
+                                <a:latin typeface="Cambria Math" panose="02040503050406030204" pitchFamily="18" charset="0"/>
+                              </a:rPr>
+                              <m:t>(</m:t>
+                            </m:r>
+                            <m:r>
+                              <a:rPr lang="en-US" sz="2000" b="0" i="1" smtClean="0">
+                                <a:latin typeface="Cambria Math" panose="02040503050406030204" pitchFamily="18" charset="0"/>
+                              </a:rPr>
+                              <m:t>𝑗</m:t>
+                            </m:r>
+                            <m:r>
+                              <a:rPr lang="en-US" sz="2000" b="0" i="1" smtClean="0">
+                                <a:latin typeface="Cambria Math" panose="02040503050406030204" pitchFamily="18" charset="0"/>
+                              </a:rPr>
+                              <m:t>)</m:t>
+                            </m:r>
+                          </m:e>
+                        </m:nary>
+                      </m:e>
+                    </m:nary>
+                  </m:oMath>
+                </a14:m>
+                <a:r>
+                  <a:rPr lang="en-US" sz="2000" b="0" i="0" dirty="0">
+                    <a:latin typeface="+mj-lt"/>
+                  </a:rPr>
+                  <a:t> , normalizing factor</a:t>
+                </a:r>
+              </a:p>
+              <a:p>
+                <a14:m>
+                  <m:oMathPara xmlns:m="http://schemas.openxmlformats.org/officeDocument/2006/math">
+                    <m:oMathParaPr>
+                      <m:jc m:val="centerGroup"/>
+                    </m:oMathParaPr>
+                    <m:oMath xmlns:m="http://schemas.openxmlformats.org/officeDocument/2006/math">
+                      <m:sSub>
+                        <m:sSubPr>
+                          <m:ctrlPr>
+                            <a:rPr lang="en-US" sz="2000" b="0" i="1" smtClean="0">
+                              <a:latin typeface="Cambria Math" panose="02040503050406030204" pitchFamily="18" charset="0"/>
+                            </a:rPr>
+                          </m:ctrlPr>
+                        </m:sSubPr>
+                        <m:e>
+                          <m:r>
+                            <a:rPr lang="en-US" sz="2000" b="0" i="1" smtClean="0">
+                              <a:latin typeface="Cambria Math" panose="02040503050406030204" pitchFamily="18" charset="0"/>
+                            </a:rPr>
+                            <m:t> </m:t>
+                          </m:r>
+                          <m:r>
+                            <a:rPr lang="en-US" sz="2000" b="0" i="1" smtClean="0">
+                              <a:latin typeface="Cambria Math" panose="02040503050406030204" pitchFamily="18" charset="0"/>
+                            </a:rPr>
+                            <m:t>𝜉</m:t>
+                          </m:r>
+                        </m:e>
+                        <m:sub>
+                          <m:r>
+                            <a:rPr lang="en-US" sz="2000" b="0" i="1" smtClean="0">
+                              <a:latin typeface="Cambria Math" panose="02040503050406030204" pitchFamily="18" charset="0"/>
+                            </a:rPr>
+                            <m:t>𝑡</m:t>
+                          </m:r>
+                        </m:sub>
+                      </m:sSub>
+                      <m:d>
+                        <m:dPr>
+                          <m:ctrlPr>
+                            <a:rPr lang="en-US" sz="2000" b="0" i="1" smtClean="0">
+                              <a:latin typeface="Cambria Math" panose="02040503050406030204" pitchFamily="18" charset="0"/>
+                            </a:rPr>
+                          </m:ctrlPr>
+                        </m:dPr>
+                        <m:e>
+                          <m:r>
+                            <a:rPr lang="en-US" sz="2000" b="0" i="1" smtClean="0">
+                              <a:latin typeface="Cambria Math" panose="02040503050406030204" pitchFamily="18" charset="0"/>
+                            </a:rPr>
+                            <m:t>𝑖</m:t>
+                          </m:r>
+                          <m:r>
+                            <a:rPr lang="en-US" sz="2000" b="0" i="1" smtClean="0">
+                              <a:latin typeface="Cambria Math" panose="02040503050406030204" pitchFamily="18" charset="0"/>
+                            </a:rPr>
+                            <m:t>,</m:t>
+                          </m:r>
+                          <m:r>
+                            <a:rPr lang="en-US" sz="2000" b="0" i="1" smtClean="0">
+                              <a:latin typeface="Cambria Math" panose="02040503050406030204" pitchFamily="18" charset="0"/>
+                            </a:rPr>
+                            <m:t>𝑗</m:t>
+                          </m:r>
+                        </m:e>
+                      </m:d>
+                      <m:r>
+                        <a:rPr lang="en-US" sz="2000" b="0" i="1" smtClean="0">
+                          <a:latin typeface="Cambria Math" panose="02040503050406030204" pitchFamily="18" charset="0"/>
+                        </a:rPr>
+                        <m:t>=</m:t>
+                      </m:r>
+                      <m:f>
+                        <m:fPr>
+                          <m:ctrlPr>
+                            <a:rPr lang="en-US" sz="2000" b="0" i="1" smtClean="0">
+                              <a:latin typeface="Cambria Math" panose="02040503050406030204" pitchFamily="18" charset="0"/>
+                            </a:rPr>
+                          </m:ctrlPr>
+                        </m:fPr>
+                        <m:num>
+                          <m:sSub>
+                            <m:sSubPr>
+                              <m:ctrlPr>
+                                <a:rPr lang="en-US" sz="2000" b="0" i="1" smtClean="0">
+                                  <a:latin typeface="Cambria Math" panose="02040503050406030204" pitchFamily="18" charset="0"/>
+                                </a:rPr>
+                              </m:ctrlPr>
+                            </m:sSubPr>
+                            <m:e>
+                              <m:r>
+                                <a:rPr lang="en-US" sz="2000" b="0" i="1" smtClean="0">
+                                  <a:latin typeface="Cambria Math" panose="02040503050406030204" pitchFamily="18" charset="0"/>
+                                </a:rPr>
+                                <m:t>𝛼</m:t>
+                              </m:r>
+                            </m:e>
+                            <m:sub>
+                              <m:r>
+                                <a:rPr lang="en-US" sz="2000" b="0" i="1" smtClean="0">
+                                  <a:latin typeface="Cambria Math" panose="02040503050406030204" pitchFamily="18" charset="0"/>
+                                </a:rPr>
+                                <m:t>𝑡</m:t>
+                              </m:r>
+                            </m:sub>
+                          </m:sSub>
+                          <m:d>
+                            <m:dPr>
+                              <m:ctrlPr>
+                                <a:rPr lang="en-US" sz="2000" b="0" i="1" smtClean="0">
+                                  <a:latin typeface="Cambria Math" panose="02040503050406030204" pitchFamily="18" charset="0"/>
+                                </a:rPr>
+                              </m:ctrlPr>
+                            </m:dPr>
+                            <m:e>
+                              <m:r>
+                                <a:rPr lang="en-US" sz="2000" b="0" i="1" smtClean="0">
+                                  <a:latin typeface="Cambria Math" panose="02040503050406030204" pitchFamily="18" charset="0"/>
+                                </a:rPr>
+                                <m:t>𝑖</m:t>
+                              </m:r>
+                            </m:e>
+                          </m:d>
+                          <m:r>
+                            <a:rPr lang="en-US" sz="2000" b="0" i="1" smtClean="0">
+                              <a:latin typeface="Cambria Math" panose="02040503050406030204" pitchFamily="18" charset="0"/>
+                            </a:rPr>
+                            <m:t>∗</m:t>
+                          </m:r>
+                          <m:sSub>
+                            <m:sSubPr>
+                              <m:ctrlPr>
+                                <a:rPr lang="en-US" sz="2000" b="0" i="1" smtClean="0">
+                                  <a:latin typeface="Cambria Math" panose="02040503050406030204" pitchFamily="18" charset="0"/>
+                                </a:rPr>
+                              </m:ctrlPr>
+                            </m:sSubPr>
+                            <m:e>
+                              <m:r>
+                                <a:rPr lang="en-US" sz="2000" b="0" i="1" smtClean="0">
+                                  <a:latin typeface="Cambria Math" panose="02040503050406030204" pitchFamily="18" charset="0"/>
+                                </a:rPr>
+                                <m:t>𝑎</m:t>
+                              </m:r>
+                            </m:e>
+                            <m:sub>
+                              <m:r>
+                                <a:rPr lang="en-US" sz="2000" b="0" i="1" smtClean="0">
+                                  <a:latin typeface="Cambria Math" panose="02040503050406030204" pitchFamily="18" charset="0"/>
+                                </a:rPr>
+                                <m:t>𝑖𝑗</m:t>
+                              </m:r>
+                            </m:sub>
+                          </m:sSub>
+                          <m:r>
+                            <a:rPr lang="en-US" sz="2000" b="0" i="1" smtClean="0">
+                              <a:latin typeface="Cambria Math" panose="02040503050406030204" pitchFamily="18" charset="0"/>
+                            </a:rPr>
+                            <m:t>∗</m:t>
+                          </m:r>
+                          <m:sSub>
+                            <m:sSubPr>
+                              <m:ctrlPr>
+                                <a:rPr lang="en-US" sz="2000" b="0" i="1" smtClean="0">
+                                  <a:latin typeface="Cambria Math" panose="02040503050406030204" pitchFamily="18" charset="0"/>
+                                </a:rPr>
+                              </m:ctrlPr>
+                            </m:sSubPr>
+                            <m:e>
+                              <m:r>
+                                <a:rPr lang="en-US" sz="2000" b="0" i="1" smtClean="0">
+                                  <a:latin typeface="Cambria Math" panose="02040503050406030204" pitchFamily="18" charset="0"/>
+                                </a:rPr>
+                                <m:t>𝑏</m:t>
+                              </m:r>
+                            </m:e>
+                            <m:sub>
+                              <m:r>
+                                <a:rPr lang="en-US" sz="2000" b="0" i="1" smtClean="0">
+                                  <a:latin typeface="Cambria Math" panose="02040503050406030204" pitchFamily="18" charset="0"/>
+                                </a:rPr>
+                                <m:t>𝑗</m:t>
+                              </m:r>
+                            </m:sub>
+                          </m:sSub>
+                          <m:d>
+                            <m:dPr>
+                              <m:ctrlPr>
+                                <a:rPr lang="en-US" sz="2000" b="0" i="1" smtClean="0">
+                                  <a:latin typeface="Cambria Math" panose="02040503050406030204" pitchFamily="18" charset="0"/>
+                                </a:rPr>
+                              </m:ctrlPr>
+                            </m:dPr>
+                            <m:e>
+                              <m:sSub>
+                                <m:sSubPr>
+                                  <m:ctrlPr>
+                                    <a:rPr lang="en-US" sz="2000" b="0" i="1" smtClean="0">
+                                      <a:latin typeface="Cambria Math" panose="02040503050406030204" pitchFamily="18" charset="0"/>
+                                    </a:rPr>
+                                  </m:ctrlPr>
+                                </m:sSubPr>
+                                <m:e>
+                                  <m:r>
+                                    <a:rPr lang="en-US" sz="2000" b="0" i="1" smtClean="0">
+                                      <a:latin typeface="Cambria Math" panose="02040503050406030204" pitchFamily="18" charset="0"/>
+                                    </a:rPr>
+                                    <m:t>𝑂</m:t>
+                                  </m:r>
+                                </m:e>
+                                <m:sub>
+                                  <m:r>
+                                    <a:rPr lang="en-US" sz="2000" b="0" i="1" smtClean="0">
+                                      <a:latin typeface="Cambria Math" panose="02040503050406030204" pitchFamily="18" charset="0"/>
+                                    </a:rPr>
+                                    <m:t>𝑡</m:t>
+                                  </m:r>
+                                  <m:r>
+                                    <a:rPr lang="en-US" sz="2000" b="0" i="1" smtClean="0">
+                                      <a:latin typeface="Cambria Math" panose="02040503050406030204" pitchFamily="18" charset="0"/>
+                                    </a:rPr>
+                                    <m:t>+1</m:t>
+                                  </m:r>
+                                </m:sub>
+                              </m:sSub>
+                            </m:e>
+                          </m:d>
+                          <m:r>
+                            <a:rPr lang="en-US" sz="2000" b="0" i="1" smtClean="0">
+                              <a:latin typeface="Cambria Math" panose="02040503050406030204" pitchFamily="18" charset="0"/>
+                            </a:rPr>
+                            <m:t>∗</m:t>
+                          </m:r>
+                          <m:sSub>
+                            <m:sSubPr>
+                              <m:ctrlPr>
+                                <a:rPr lang="en-US" sz="2000" b="0" i="1" smtClean="0">
+                                  <a:latin typeface="Cambria Math" panose="02040503050406030204" pitchFamily="18" charset="0"/>
+                                </a:rPr>
+                              </m:ctrlPr>
+                            </m:sSubPr>
+                            <m:e>
+                              <m:r>
+                                <a:rPr lang="en-US" sz="2000" b="0" i="1" smtClean="0">
+                                  <a:latin typeface="Cambria Math" panose="02040503050406030204" pitchFamily="18" charset="0"/>
+                                </a:rPr>
+                                <m:t>𝛽</m:t>
+                              </m:r>
+                            </m:e>
+                            <m:sub>
+                              <m:r>
+                                <a:rPr lang="en-US" sz="2000" b="0" i="1" smtClean="0">
+                                  <a:latin typeface="Cambria Math" panose="02040503050406030204" pitchFamily="18" charset="0"/>
+                                </a:rPr>
+                                <m:t>𝑡</m:t>
+                              </m:r>
+                              <m:r>
+                                <a:rPr lang="en-US" sz="2000" b="0" i="1" smtClean="0">
+                                  <a:latin typeface="Cambria Math" panose="02040503050406030204" pitchFamily="18" charset="0"/>
+                                </a:rPr>
+                                <m:t>+1</m:t>
+                              </m:r>
+                            </m:sub>
+                          </m:sSub>
+                          <m:r>
+                            <a:rPr lang="en-US" sz="2000" b="0" i="1" smtClean="0">
+                              <a:latin typeface="Cambria Math" panose="02040503050406030204" pitchFamily="18" charset="0"/>
+                            </a:rPr>
+                            <m:t>(</m:t>
+                          </m:r>
+                          <m:r>
+                            <a:rPr lang="en-US" sz="2000" b="0" i="1" smtClean="0">
+                              <a:latin typeface="Cambria Math" panose="02040503050406030204" pitchFamily="18" charset="0"/>
+                            </a:rPr>
+                            <m:t>𝑗</m:t>
+                          </m:r>
+                          <m:r>
+                            <a:rPr lang="en-US" sz="2000" b="0" i="1" smtClean="0">
+                              <a:latin typeface="Cambria Math" panose="02040503050406030204" pitchFamily="18" charset="0"/>
+                            </a:rPr>
+                            <m:t>)</m:t>
+                          </m:r>
+                        </m:num>
+                        <m:den>
+                          <m:nary>
+                            <m:naryPr>
+                              <m:chr m:val="∑"/>
+                              <m:ctrlPr>
+                                <a:rPr lang="en-US" sz="2000" i="1">
+                                  <a:latin typeface="Cambria Math" panose="02040503050406030204" pitchFamily="18" charset="0"/>
+                                </a:rPr>
+                              </m:ctrlPr>
+                            </m:naryPr>
+                            <m:sub>
+                              <m:r>
+                                <m:rPr>
+                                  <m:brk m:alnAt="23"/>
+                                </m:rPr>
+                                <a:rPr lang="en-US" sz="2000" i="1">
+                                  <a:latin typeface="Cambria Math" panose="02040503050406030204" pitchFamily="18" charset="0"/>
+                                </a:rPr>
+                                <m:t>𝑖</m:t>
+                              </m:r>
+                              <m:r>
+                                <a:rPr lang="en-US" sz="2000" i="1">
+                                  <a:latin typeface="Cambria Math" panose="02040503050406030204" pitchFamily="18" charset="0"/>
+                                </a:rPr>
+                                <m:t>=1</m:t>
+                              </m:r>
+                            </m:sub>
+                            <m:sup>
+                              <m:r>
+                                <a:rPr lang="en-US" sz="2000" i="1">
+                                  <a:latin typeface="Cambria Math" panose="02040503050406030204" pitchFamily="18" charset="0"/>
+                                </a:rPr>
+                                <m:t>𝑁</m:t>
+                              </m:r>
+                            </m:sup>
+                            <m:e>
+                              <m:nary>
+                                <m:naryPr>
+                                  <m:chr m:val="∑"/>
+                                  <m:ctrlPr>
+                                    <a:rPr lang="en-US" sz="2000" i="1">
+                                      <a:latin typeface="Cambria Math" panose="02040503050406030204" pitchFamily="18" charset="0"/>
+                                    </a:rPr>
+                                  </m:ctrlPr>
+                                </m:naryPr>
+                                <m:sub>
+                                  <m:r>
+                                    <m:rPr>
+                                      <m:brk m:alnAt="23"/>
+                                    </m:rPr>
+                                    <a:rPr lang="en-US" sz="2000" i="1">
+                                      <a:latin typeface="Cambria Math" panose="02040503050406030204" pitchFamily="18" charset="0"/>
+                                    </a:rPr>
+                                    <m:t>𝑗</m:t>
+                                  </m:r>
+                                  <m:r>
+                                    <a:rPr lang="en-US" sz="2000" i="1">
+                                      <a:latin typeface="Cambria Math" panose="02040503050406030204" pitchFamily="18" charset="0"/>
+                                    </a:rPr>
+                                    <m:t>=1</m:t>
+                                  </m:r>
+                                </m:sub>
+                                <m:sup>
+                                  <m:r>
+                                    <a:rPr lang="en-US" sz="2000" i="1">
+                                      <a:latin typeface="Cambria Math" panose="02040503050406030204" pitchFamily="18" charset="0"/>
+                                    </a:rPr>
+                                    <m:t>𝑁</m:t>
+                                  </m:r>
+                                </m:sup>
+                                <m:e>
+                                  <m:sSub>
+                                    <m:sSubPr>
+                                      <m:ctrlPr>
+                                        <a:rPr lang="en-US" sz="2000" i="1">
+                                          <a:latin typeface="Cambria Math" panose="02040503050406030204" pitchFamily="18" charset="0"/>
+                                        </a:rPr>
+                                      </m:ctrlPr>
+                                    </m:sSubPr>
+                                    <m:e>
+                                      <m:r>
+                                        <a:rPr lang="en-US" sz="2000" i="1">
+                                          <a:latin typeface="Cambria Math" panose="02040503050406030204" pitchFamily="18" charset="0"/>
+                                        </a:rPr>
+                                        <m:t>𝛼</m:t>
+                                      </m:r>
+                                    </m:e>
+                                    <m:sub>
+                                      <m:r>
+                                        <a:rPr lang="en-US" sz="2000" i="1">
+                                          <a:latin typeface="Cambria Math" panose="02040503050406030204" pitchFamily="18" charset="0"/>
+                                        </a:rPr>
+                                        <m:t>𝑡</m:t>
+                                      </m:r>
+                                    </m:sub>
+                                  </m:sSub>
+                                  <m:d>
+                                    <m:dPr>
+                                      <m:ctrlPr>
+                                        <a:rPr lang="en-US" sz="2000" i="1">
+                                          <a:latin typeface="Cambria Math" panose="02040503050406030204" pitchFamily="18" charset="0"/>
+                                        </a:rPr>
+                                      </m:ctrlPr>
+                                    </m:dPr>
+                                    <m:e>
+                                      <m:r>
+                                        <a:rPr lang="en-US" sz="2000" i="1">
+                                          <a:latin typeface="Cambria Math" panose="02040503050406030204" pitchFamily="18" charset="0"/>
+                                        </a:rPr>
+                                        <m:t>𝑖</m:t>
+                                      </m:r>
+                                    </m:e>
+                                  </m:d>
+                                  <m:r>
+                                    <a:rPr lang="en-US" sz="2000" i="1">
+                                      <a:latin typeface="Cambria Math" panose="02040503050406030204" pitchFamily="18" charset="0"/>
+                                    </a:rPr>
+                                    <m:t>∗</m:t>
+                                  </m:r>
+                                  <m:sSub>
+                                    <m:sSubPr>
+                                      <m:ctrlPr>
+                                        <a:rPr lang="en-US" sz="2000" i="1">
+                                          <a:latin typeface="Cambria Math" panose="02040503050406030204" pitchFamily="18" charset="0"/>
+                                        </a:rPr>
+                                      </m:ctrlPr>
+                                    </m:sSubPr>
+                                    <m:e>
+                                      <m:r>
+                                        <a:rPr lang="en-US" sz="2000" i="1">
+                                          <a:latin typeface="Cambria Math" panose="02040503050406030204" pitchFamily="18" charset="0"/>
+                                        </a:rPr>
+                                        <m:t>𝑎</m:t>
+                                      </m:r>
+                                    </m:e>
+                                    <m:sub>
+                                      <m:r>
+                                        <a:rPr lang="en-US" sz="2000" i="1">
+                                          <a:latin typeface="Cambria Math" panose="02040503050406030204" pitchFamily="18" charset="0"/>
+                                        </a:rPr>
+                                        <m:t>𝑖𝑗</m:t>
+                                      </m:r>
+                                    </m:sub>
+                                  </m:sSub>
+                                  <m:r>
+                                    <a:rPr lang="en-US" sz="2000" i="1">
+                                      <a:latin typeface="Cambria Math" panose="02040503050406030204" pitchFamily="18" charset="0"/>
+                                    </a:rPr>
+                                    <m:t>∗</m:t>
+                                  </m:r>
+                                  <m:sSub>
+                                    <m:sSubPr>
+                                      <m:ctrlPr>
+                                        <a:rPr lang="en-US" sz="2000" i="1">
+                                          <a:latin typeface="Cambria Math" panose="02040503050406030204" pitchFamily="18" charset="0"/>
+                                        </a:rPr>
+                                      </m:ctrlPr>
+                                    </m:sSubPr>
+                                    <m:e>
+                                      <m:r>
+                                        <a:rPr lang="en-US" sz="2000" i="1">
+                                          <a:latin typeface="Cambria Math" panose="02040503050406030204" pitchFamily="18" charset="0"/>
+                                        </a:rPr>
+                                        <m:t>𝑏</m:t>
+                                      </m:r>
+                                    </m:e>
+                                    <m:sub>
+                                      <m:r>
+                                        <a:rPr lang="en-US" sz="2000" i="1">
+                                          <a:latin typeface="Cambria Math" panose="02040503050406030204" pitchFamily="18" charset="0"/>
+                                        </a:rPr>
+                                        <m:t>𝑗</m:t>
+                                      </m:r>
+                                    </m:sub>
+                                  </m:sSub>
+                                  <m:d>
+                                    <m:dPr>
+                                      <m:ctrlPr>
+                                        <a:rPr lang="en-US" sz="2000" i="1">
+                                          <a:latin typeface="Cambria Math" panose="02040503050406030204" pitchFamily="18" charset="0"/>
+                                        </a:rPr>
+                                      </m:ctrlPr>
+                                    </m:dPr>
+                                    <m:e>
+                                      <m:sSub>
+                                        <m:sSubPr>
+                                          <m:ctrlPr>
+                                            <a:rPr lang="en-US" sz="2000" i="1">
+                                              <a:latin typeface="Cambria Math" panose="02040503050406030204" pitchFamily="18" charset="0"/>
+                                            </a:rPr>
+                                          </m:ctrlPr>
+                                        </m:sSubPr>
+                                        <m:e>
+                                          <m:r>
+                                            <a:rPr lang="en-US" sz="2000" i="1">
+                                              <a:latin typeface="Cambria Math" panose="02040503050406030204" pitchFamily="18" charset="0"/>
+                                            </a:rPr>
+                                            <m:t>𝑂</m:t>
+                                          </m:r>
+                                        </m:e>
+                                        <m:sub>
+                                          <m:r>
+                                            <a:rPr lang="en-US" sz="2000" i="1">
+                                              <a:latin typeface="Cambria Math" panose="02040503050406030204" pitchFamily="18" charset="0"/>
+                                            </a:rPr>
+                                            <m:t>𝑡</m:t>
+                                          </m:r>
+                                          <m:r>
+                                            <a:rPr lang="en-US" sz="2000" i="1">
+                                              <a:latin typeface="Cambria Math" panose="02040503050406030204" pitchFamily="18" charset="0"/>
+                                            </a:rPr>
+                                            <m:t>+1</m:t>
+                                          </m:r>
+                                        </m:sub>
+                                      </m:sSub>
+                                    </m:e>
+                                  </m:d>
+                                  <m:r>
+                                    <a:rPr lang="en-US" sz="2000" i="1">
+                                      <a:latin typeface="Cambria Math" panose="02040503050406030204" pitchFamily="18" charset="0"/>
+                                    </a:rPr>
+                                    <m:t>∗</m:t>
+                                  </m:r>
+                                  <m:sSub>
+                                    <m:sSubPr>
+                                      <m:ctrlPr>
+                                        <a:rPr lang="en-US" sz="2000" i="1">
+                                          <a:latin typeface="Cambria Math" panose="02040503050406030204" pitchFamily="18" charset="0"/>
+                                        </a:rPr>
+                                      </m:ctrlPr>
+                                    </m:sSubPr>
+                                    <m:e>
+                                      <m:r>
+                                        <a:rPr lang="en-US" sz="2000" i="1">
+                                          <a:latin typeface="Cambria Math" panose="02040503050406030204" pitchFamily="18" charset="0"/>
+                                        </a:rPr>
+                                        <m:t>𝛽</m:t>
+                                      </m:r>
+                                    </m:e>
+                                    <m:sub>
+                                      <m:r>
+                                        <a:rPr lang="en-US" sz="2000" i="1">
+                                          <a:latin typeface="Cambria Math" panose="02040503050406030204" pitchFamily="18" charset="0"/>
+                                        </a:rPr>
+                                        <m:t>𝑡</m:t>
+                                      </m:r>
+                                      <m:r>
+                                        <a:rPr lang="en-US" sz="2000" i="1">
+                                          <a:latin typeface="Cambria Math" panose="02040503050406030204" pitchFamily="18" charset="0"/>
+                                        </a:rPr>
+                                        <m:t>+1</m:t>
+                                      </m:r>
+                                    </m:sub>
+                                  </m:sSub>
+                                  <m:r>
+                                    <a:rPr lang="en-US" sz="2000" i="1">
+                                      <a:latin typeface="Cambria Math" panose="02040503050406030204" pitchFamily="18" charset="0"/>
+                                    </a:rPr>
+                                    <m:t>(</m:t>
+                                  </m:r>
+                                  <m:r>
+                                    <a:rPr lang="en-US" sz="2000" i="1">
+                                      <a:latin typeface="Cambria Math" panose="02040503050406030204" pitchFamily="18" charset="0"/>
+                                    </a:rPr>
+                                    <m:t>𝑗</m:t>
+                                  </m:r>
+                                  <m:r>
+                                    <a:rPr lang="en-US" sz="2000" i="1">
+                                      <a:latin typeface="Cambria Math" panose="02040503050406030204" pitchFamily="18" charset="0"/>
+                                    </a:rPr>
+                                    <m:t>)</m:t>
+                                  </m:r>
+                                </m:e>
+                              </m:nary>
+                            </m:e>
+                          </m:nary>
+                        </m:den>
+                      </m:f>
+                    </m:oMath>
+                  </m:oMathPara>
+                </a14:m>
+                <a:endParaRPr lang="en-US" sz="2000" b="0" i="0" dirty="0">
+                  <a:latin typeface="+mj-lt"/>
+                </a:endParaRPr>
+              </a:p>
+            </p:txBody>
+          </p:sp>
+        </mc:Choice>
+        <mc:Fallback>
+          <p:sp>
+            <p:nvSpPr>
+              <p:cNvPr id="11" name="TextBox 10">
+                <a:extLst>
+                  <a:ext uri="{FF2B5EF4-FFF2-40B4-BE49-F238E27FC236}">
+                    <a16:creationId xmlns:a16="http://schemas.microsoft.com/office/drawing/2014/main" id="{F6B22789-43A4-4491-89D4-32A622748B7E}"/>
+                  </a:ext>
+                </a:extLst>
+              </p:cNvPr>
+              <p:cNvSpPr txBox="1">
+                <a:spLocks noRot="1" noChangeAspect="1" noMove="1" noResize="1" noEditPoints="1" noAdjustHandles="1" noChangeArrowheads="1" noChangeShapeType="1" noTextEdit="1"/>
+              </p:cNvSpPr>
+              <p:nvPr/>
+            </p:nvSpPr>
+            <p:spPr bwMode="gray">
+              <a:xfrm>
+                <a:off x="1084202" y="4398016"/>
+                <a:ext cx="8563568" cy="2324547"/>
+              </a:xfrm>
+              <a:prstGeom prst="rect">
+                <a:avLst/>
+              </a:prstGeom>
+              <a:blipFill>
+                <a:blip r:embed="rId4"/>
+                <a:stretch>
+                  <a:fillRect l="-641" t="-1309"/>
+                </a:stretch>
+              </a:blipFill>
+            </p:spPr>
+            <p:txBody>
+              <a:bodyPr/>
+              <a:lstStyle/>
+              <a:p>
+                <a:r>
+                  <a:rPr lang="en-US">
+                    <a:noFill/>
+                  </a:rPr>
+                  <a:t> </a:t>
+                </a:r>
+              </a:p>
+            </p:txBody>
+          </p:sp>
+        </mc:Fallback>
+      </mc:AlternateContent>
     </p:spTree>
     <p:extLst>
       <p:ext uri="{BB962C8B-B14F-4D97-AF65-F5344CB8AC3E}">
@@ -20567,6 +21953,126 @@
 </file>
 
 <file path=ppt/slides/slide7.xml><?xml version="1.0" encoding="utf-8"?>
+<p:sld xmlns:a="http://schemas.openxmlformats.org/drawingml/2006/main" xmlns:r="http://schemas.openxmlformats.org/officeDocument/2006/relationships" xmlns:p="http://schemas.openxmlformats.org/presentationml/2006/main">
+  <p:cSld>
+    <p:spTree>
+      <p:nvGrpSpPr>
+        <p:cNvPr id="1" name=""/>
+        <p:cNvGrpSpPr/>
+        <p:nvPr/>
+      </p:nvGrpSpPr>
+      <p:grpSpPr>
+        <a:xfrm>
+          <a:off x="0" y="0"/>
+          <a:ext cx="0" cy="0"/>
+          <a:chOff x="0" y="0"/>
+          <a:chExt cx="0" cy="0"/>
+        </a:xfrm>
+      </p:grpSpPr>
+      <p:sp>
+        <p:nvSpPr>
+          <p:cNvPr id="3" name="Title 2">
+            <a:extLst>
+              <a:ext uri="{FF2B5EF4-FFF2-40B4-BE49-F238E27FC236}">
+                <a16:creationId xmlns:a16="http://schemas.microsoft.com/office/drawing/2014/main" id="{979DC4EB-576B-4281-83C9-264EF345BFA6}"/>
+              </a:ext>
+            </a:extLst>
+          </p:cNvPr>
+          <p:cNvSpPr>
+            <a:spLocks noGrp="1"/>
+          </p:cNvSpPr>
+          <p:nvPr>
+            <p:ph type="title"/>
+          </p:nvPr>
+        </p:nvSpPr>
+        <p:spPr/>
+        <p:txBody>
+          <a:bodyPr/>
+          <a:lstStyle/>
+          <a:p>
+            <a:r>
+              <a:rPr lang="en-US" dirty="0"/>
+              <a:t>Baum-Welch Algorithm: Iterative Procedure </a:t>
+            </a:r>
+          </a:p>
+        </p:txBody>
+      </p:sp>
+      <p:sp>
+        <p:nvSpPr>
+          <p:cNvPr id="4" name="Slide Number Placeholder 3">
+            <a:extLst>
+              <a:ext uri="{FF2B5EF4-FFF2-40B4-BE49-F238E27FC236}">
+                <a16:creationId xmlns:a16="http://schemas.microsoft.com/office/drawing/2014/main" id="{EB91C220-DE99-48C5-8D07-B7E195DB3F25}"/>
+              </a:ext>
+            </a:extLst>
+          </p:cNvPr>
+          <p:cNvSpPr>
+            <a:spLocks noGrp="1"/>
+          </p:cNvSpPr>
+          <p:nvPr>
+            <p:ph type="sldNum" sz="quarter" idx="16"/>
+          </p:nvPr>
+        </p:nvSpPr>
+        <p:spPr/>
+        <p:txBody>
+          <a:bodyPr/>
+          <a:lstStyle/>
+          <a:p>
+            <a:fld id="{1915DC07-6425-4740-9695-FB9F2ED48CC1}" type="slidenum">
+              <a:rPr lang="en-US" smtClean="0"/>
+              <a:t>7</a:t>
+            </a:fld>
+            <a:endParaRPr lang="en-US"/>
+          </a:p>
+        </p:txBody>
+      </p:sp>
+      <p:pic>
+        <p:nvPicPr>
+          <p:cNvPr id="6" name="Picture 5">
+            <a:extLst>
+              <a:ext uri="{FF2B5EF4-FFF2-40B4-BE49-F238E27FC236}">
+                <a16:creationId xmlns:a16="http://schemas.microsoft.com/office/drawing/2014/main" id="{AB912A36-8182-4309-B7A0-BFD892CD647C}"/>
+              </a:ext>
+            </a:extLst>
+          </p:cNvPr>
+          <p:cNvPicPr>
+            <a:picLocks noChangeAspect="1"/>
+          </p:cNvPicPr>
+          <p:nvPr/>
+        </p:nvPicPr>
+        <p:blipFill>
+          <a:blip r:embed="rId2"/>
+          <a:stretch>
+            <a:fillRect/>
+          </a:stretch>
+        </p:blipFill>
+        <p:spPr>
+          <a:xfrm>
+            <a:off x="239180" y="758388"/>
+            <a:ext cx="5436690" cy="6034885"/>
+          </a:xfrm>
+          <a:prstGeom prst="rect">
+            <a:avLst/>
+          </a:prstGeom>
+        </p:spPr>
+      </p:pic>
+    </p:spTree>
+    <p:extLst>
+      <p:ext uri="{BB962C8B-B14F-4D97-AF65-F5344CB8AC3E}">
+        <p14:creationId xmlns:p14="http://schemas.microsoft.com/office/powerpoint/2010/main" val="1953321087"/>
+      </p:ext>
+    </p:extLst>
+  </p:cSld>
+  <p:clrMapOvr>
+    <a:masterClrMapping/>
+  </p:clrMapOvr>
+  <p:transition>
+    <p:fade/>
+  </p:transition>
+</p:sld>
+</file>
+
+<file path=ppt/slides/slide8.xml><?xml version="1.0" encoding="utf-8"?>
 <p:sld xmlns:a="http://schemas.openxmlformats.org/drawingml/2006/main" xmlns:r="http://schemas.openxmlformats.org/officeDocument/2006/relationships" xmlns:p="http://schemas.openxmlformats.org/presentationml/2006/main">
   <p:cSld>
     <p:spTree>
@@ -20634,14 +22140,14 @@
           <a:p>
             <a:fld id="{1915DC07-6425-4740-9695-FB9F2ED48CC1}" type="slidenum">
               <a:rPr lang="en-US" smtClean="0"/>
-              <a:t>7</a:t>
+              <a:t>8</a:t>
             </a:fld>
             <a:endParaRPr lang="en-US" dirty="0"/>
           </a:p>
         </p:txBody>
       </p:sp>
-      <mc:AlternateContent xmlns:mc="http://schemas.openxmlformats.org/markup-compatibility/2006">
-        <mc:Choice xmlns:a14="http://schemas.microsoft.com/office/drawing/2010/main" Requires="a14">
+      <mc:AlternateContent xmlns:mc="http://schemas.openxmlformats.org/markup-compatibility/2006" xmlns:a14="http://schemas.microsoft.com/office/drawing/2010/main">
+        <mc:Choice Requires="a14">
           <p:sp>
             <p:nvSpPr>
               <p:cNvPr id="5" name="Oval 4">
@@ -20768,7 +22274,7 @@
             </p:txBody>
           </p:sp>
         </mc:Choice>
-        <mc:Fallback>
+        <mc:Fallback xmlns="">
           <p:sp>
             <p:nvSpPr>
               <p:cNvPr id="5" name="Oval 4">
@@ -20818,8 +22324,8 @@
           </p:sp>
         </mc:Fallback>
       </mc:AlternateContent>
-      <mc:AlternateContent xmlns:mc="http://schemas.openxmlformats.org/markup-compatibility/2006">
-        <mc:Choice xmlns:a14="http://schemas.microsoft.com/office/drawing/2010/main" Requires="a14">
+      <mc:AlternateContent xmlns:mc="http://schemas.openxmlformats.org/markup-compatibility/2006" xmlns:a14="http://schemas.microsoft.com/office/drawing/2010/main">
+        <mc:Choice Requires="a14">
           <p:sp>
             <p:nvSpPr>
               <p:cNvPr id="6" name="Oval 5">
@@ -20937,7 +22443,7 @@
             </p:txBody>
           </p:sp>
         </mc:Choice>
-        <mc:Fallback>
+        <mc:Fallback xmlns="">
           <p:sp>
             <p:nvSpPr>
               <p:cNvPr id="6" name="Oval 5">
@@ -21036,8 +22542,8 @@
           </a:fontRef>
         </p:style>
       </p:cxnSp>
-      <mc:AlternateContent xmlns:mc="http://schemas.openxmlformats.org/markup-compatibility/2006">
-        <mc:Choice xmlns:a14="http://schemas.microsoft.com/office/drawing/2010/main" Requires="a14">
+      <mc:AlternateContent xmlns:mc="http://schemas.openxmlformats.org/markup-compatibility/2006" xmlns:a14="http://schemas.microsoft.com/office/drawing/2010/main">
+        <mc:Choice Requires="a14">
           <p:graphicFrame>
             <p:nvGraphicFramePr>
               <p:cNvPr id="132" name="Table 132">
@@ -23031,16 +24537,7 @@
                                         </a:solidFill>
                                         <a:latin typeface="Cambria Math" panose="02040503050406030204" pitchFamily="18" charset="0"/>
                                       </a:rPr>
-                                      <m:t>𝑶</m:t>
-                                    </m:r>
-                                    <m:r>
-                                      <a:rPr lang="en-US" sz="2400" b="1" i="1" dirty="0" smtClean="0">
-                                        <a:solidFill>
-                                          <a:sysClr val="windowText" lastClr="000000"/>
-                                        </a:solidFill>
-                                        <a:latin typeface="Cambria Math" panose="02040503050406030204" pitchFamily="18" charset="0"/>
-                                      </a:rPr>
-                                      <m:t>𝒖</m:t>
+                                      <m:t>𝑶𝒖</m:t>
                                     </m:r>
                                   </m:e>
                                   <m:sub>
@@ -24650,16 +26147,7 @@
                                         </a:solidFill>
                                         <a:latin typeface="Cambria Math" panose="02040503050406030204" pitchFamily="18" charset="0"/>
                                       </a:rPr>
-                                      <m:t>𝑶</m:t>
-                                    </m:r>
-                                    <m:r>
-                                      <a:rPr lang="en-US" sz="2400" b="1" i="1" dirty="0" smtClean="0">
-                                        <a:solidFill>
-                                          <a:sysClr val="windowText" lastClr="000000"/>
-                                        </a:solidFill>
-                                        <a:latin typeface="Cambria Math" panose="02040503050406030204" pitchFamily="18" charset="0"/>
-                                      </a:rPr>
-                                      <m:t>𝒖</m:t>
+                                      <m:t>𝑶𝒖</m:t>
                                     </m:r>
                                   </m:e>
                                   <m:sub>
@@ -25584,7 +27072,7 @@
             </a:graphic>
           </p:graphicFrame>
         </mc:Choice>
-        <mc:Fallback>
+        <mc:Fallback xmlns="">
           <p:graphicFrame>
             <p:nvGraphicFramePr>
               <p:cNvPr id="132" name="Table 132">
@@ -29378,8 +30866,8 @@
           </p:graphicFrame>
         </mc:Fallback>
       </mc:AlternateContent>
-      <mc:AlternateContent xmlns:mc="http://schemas.openxmlformats.org/markup-compatibility/2006">
-        <mc:Choice xmlns:a14="http://schemas.microsoft.com/office/drawing/2010/main" Requires="a14">
+      <mc:AlternateContent xmlns:mc="http://schemas.openxmlformats.org/markup-compatibility/2006" xmlns:a14="http://schemas.microsoft.com/office/drawing/2010/main">
+        <mc:Choice Requires="a14">
           <p:sp>
             <p:nvSpPr>
               <p:cNvPr id="133" name="TextBox 132">
@@ -29503,7 +30991,7 @@
             </p:txBody>
           </p:sp>
         </mc:Choice>
-        <mc:Fallback>
+        <mc:Fallback xmlns="">
           <p:sp>
             <p:nvSpPr>
               <p:cNvPr id="133" name="TextBox 132">
@@ -29915,8 +31403,8 @@
           </a:fontRef>
         </p:style>
       </p:cxnSp>
-      <mc:AlternateContent xmlns:mc="http://schemas.openxmlformats.org/markup-compatibility/2006">
-        <mc:Choice xmlns:a14="http://schemas.microsoft.com/office/drawing/2010/main" Requires="a14">
+      <mc:AlternateContent xmlns:mc="http://schemas.openxmlformats.org/markup-compatibility/2006" xmlns:a14="http://schemas.microsoft.com/office/drawing/2010/main">
+        <mc:Choice Requires="a14">
           <p:sp>
             <p:nvSpPr>
               <p:cNvPr id="42" name="Oval 41">
@@ -30034,7 +31522,7 @@
             </p:txBody>
           </p:sp>
         </mc:Choice>
-        <mc:Fallback>
+        <mc:Fallback xmlns="">
           <p:sp>
             <p:nvSpPr>
               <p:cNvPr id="42" name="Oval 41">
@@ -30133,8 +31621,8 @@
           </a:fontRef>
         </p:style>
       </p:cxnSp>
-      <mc:AlternateContent xmlns:mc="http://schemas.openxmlformats.org/markup-compatibility/2006">
-        <mc:Choice xmlns:a14="http://schemas.microsoft.com/office/drawing/2010/main" Requires="a14">
+      <mc:AlternateContent xmlns:mc="http://schemas.openxmlformats.org/markup-compatibility/2006" xmlns:a14="http://schemas.microsoft.com/office/drawing/2010/main">
+        <mc:Choice Requires="a14">
           <p:sp>
             <p:nvSpPr>
               <p:cNvPr id="70" name="Oval 69">
@@ -30261,7 +31749,7 @@
             </p:txBody>
           </p:sp>
         </mc:Choice>
-        <mc:Fallback>
+        <mc:Fallback xmlns="">
           <p:sp>
             <p:nvSpPr>
               <p:cNvPr id="70" name="Oval 69">
@@ -30311,8 +31799,8 @@
           </p:sp>
         </mc:Fallback>
       </mc:AlternateContent>
-      <mc:AlternateContent xmlns:mc="http://schemas.openxmlformats.org/markup-compatibility/2006">
-        <mc:Choice xmlns:a14="http://schemas.microsoft.com/office/drawing/2010/main" Requires="a14">
+      <mc:AlternateContent xmlns:mc="http://schemas.openxmlformats.org/markup-compatibility/2006" xmlns:a14="http://schemas.microsoft.com/office/drawing/2010/main">
+        <mc:Choice Requires="a14">
           <p:sp>
             <p:nvSpPr>
               <p:cNvPr id="71" name="Oval 70">
@@ -30430,7 +31918,7 @@
             </p:txBody>
           </p:sp>
         </mc:Choice>
-        <mc:Fallback>
+        <mc:Fallback xmlns="">
           <p:sp>
             <p:nvSpPr>
               <p:cNvPr id="71" name="Oval 70">
@@ -30529,8 +32017,8 @@
           </a:fontRef>
         </p:style>
       </p:cxnSp>
-      <mc:AlternateContent xmlns:mc="http://schemas.openxmlformats.org/markup-compatibility/2006">
-        <mc:Choice xmlns:a14="http://schemas.microsoft.com/office/drawing/2010/main" Requires="a14">
+      <mc:AlternateContent xmlns:mc="http://schemas.openxmlformats.org/markup-compatibility/2006" xmlns:a14="http://schemas.microsoft.com/office/drawing/2010/main">
+        <mc:Choice Requires="a14">
           <p:sp>
             <p:nvSpPr>
               <p:cNvPr id="73" name="Oval 72">
@@ -30648,7 +32136,7 @@
             </p:txBody>
           </p:sp>
         </mc:Choice>
-        <mc:Fallback>
+        <mc:Fallback xmlns="">
           <p:sp>
             <p:nvSpPr>
               <p:cNvPr id="73" name="Oval 72">
@@ -30747,8 +32235,8 @@
           </a:fontRef>
         </p:style>
       </p:cxnSp>
-      <mc:AlternateContent xmlns:mc="http://schemas.openxmlformats.org/markup-compatibility/2006">
-        <mc:Choice xmlns:a14="http://schemas.microsoft.com/office/drawing/2010/main" Requires="a14">
+      <mc:AlternateContent xmlns:mc="http://schemas.openxmlformats.org/markup-compatibility/2006" xmlns:a14="http://schemas.microsoft.com/office/drawing/2010/main">
+        <mc:Choice Requires="a14">
           <p:sp>
             <p:nvSpPr>
               <p:cNvPr id="76" name="Oval 75">
@@ -30866,7 +32354,7 @@
             </p:txBody>
           </p:sp>
         </mc:Choice>
-        <mc:Fallback>
+        <mc:Fallback xmlns="">
           <p:sp>
             <p:nvSpPr>
               <p:cNvPr id="76" name="Oval 75">
@@ -30916,8 +32404,8 @@
           </p:sp>
         </mc:Fallback>
       </mc:AlternateContent>
-      <mc:AlternateContent xmlns:mc="http://schemas.openxmlformats.org/markup-compatibility/2006">
-        <mc:Choice xmlns:a14="http://schemas.microsoft.com/office/drawing/2010/main" Requires="a14">
+      <mc:AlternateContent xmlns:mc="http://schemas.openxmlformats.org/markup-compatibility/2006" xmlns:a14="http://schemas.microsoft.com/office/drawing/2010/main">
+        <mc:Choice Requires="a14">
           <p:sp>
             <p:nvSpPr>
               <p:cNvPr id="77" name="Oval 76">
@@ -31035,7 +32523,7 @@
             </p:txBody>
           </p:sp>
         </mc:Choice>
-        <mc:Fallback>
+        <mc:Fallback xmlns="">
           <p:sp>
             <p:nvSpPr>
               <p:cNvPr id="77" name="Oval 76">
@@ -31341,8 +32829,8 @@
           </a:fontRef>
         </p:style>
       </p:cxnSp>
-      <mc:AlternateContent xmlns:mc="http://schemas.openxmlformats.org/markup-compatibility/2006">
-        <mc:Choice xmlns:a14="http://schemas.microsoft.com/office/drawing/2010/main" Requires="a14">
+      <mc:AlternateContent xmlns:mc="http://schemas.openxmlformats.org/markup-compatibility/2006" xmlns:a14="http://schemas.microsoft.com/office/drawing/2010/main">
+        <mc:Choice Requires="a14">
           <p:sp>
             <p:nvSpPr>
               <p:cNvPr id="102" name="Oval 101">
@@ -31469,7 +32957,7 @@
             </p:txBody>
           </p:sp>
         </mc:Choice>
-        <mc:Fallback>
+        <mc:Fallback xmlns="">
           <p:sp>
             <p:nvSpPr>
               <p:cNvPr id="102" name="Oval 101">
@@ -31519,8 +33007,8 @@
           </p:sp>
         </mc:Fallback>
       </mc:AlternateContent>
-      <mc:AlternateContent xmlns:mc="http://schemas.openxmlformats.org/markup-compatibility/2006">
-        <mc:Choice xmlns:a14="http://schemas.microsoft.com/office/drawing/2010/main" Requires="a14">
+      <mc:AlternateContent xmlns:mc="http://schemas.openxmlformats.org/markup-compatibility/2006" xmlns:a14="http://schemas.microsoft.com/office/drawing/2010/main">
+        <mc:Choice Requires="a14">
           <p:sp>
             <p:nvSpPr>
               <p:cNvPr id="103" name="Oval 102">
@@ -31638,7 +33126,7 @@
             </p:txBody>
           </p:sp>
         </mc:Choice>
-        <mc:Fallback>
+        <mc:Fallback xmlns="">
           <p:sp>
             <p:nvSpPr>
               <p:cNvPr id="103" name="Oval 102">
@@ -31737,8 +33225,8 @@
           </a:fontRef>
         </p:style>
       </p:cxnSp>
-      <mc:AlternateContent xmlns:mc="http://schemas.openxmlformats.org/markup-compatibility/2006">
-        <mc:Choice xmlns:a14="http://schemas.microsoft.com/office/drawing/2010/main" Requires="a14">
+      <mc:AlternateContent xmlns:mc="http://schemas.openxmlformats.org/markup-compatibility/2006" xmlns:a14="http://schemas.microsoft.com/office/drawing/2010/main">
+        <mc:Choice Requires="a14">
           <p:sp>
             <p:nvSpPr>
               <p:cNvPr id="105" name="Oval 104">
@@ -31856,7 +33344,7 @@
             </p:txBody>
           </p:sp>
         </mc:Choice>
-        <mc:Fallback>
+        <mc:Fallback xmlns="">
           <p:sp>
             <p:nvSpPr>
               <p:cNvPr id="105" name="Oval 104">
@@ -31955,8 +33443,8 @@
           </a:fontRef>
         </p:style>
       </p:cxnSp>
-      <mc:AlternateContent xmlns:mc="http://schemas.openxmlformats.org/markup-compatibility/2006">
-        <mc:Choice xmlns:a14="http://schemas.microsoft.com/office/drawing/2010/main" Requires="a14">
+      <mc:AlternateContent xmlns:mc="http://schemas.openxmlformats.org/markup-compatibility/2006" xmlns:a14="http://schemas.microsoft.com/office/drawing/2010/main">
+        <mc:Choice Requires="a14">
           <p:sp>
             <p:nvSpPr>
               <p:cNvPr id="113" name="Oval 112">
@@ -32083,7 +33571,7 @@
             </p:txBody>
           </p:sp>
         </mc:Choice>
-        <mc:Fallback>
+        <mc:Fallback xmlns="">
           <p:sp>
             <p:nvSpPr>
               <p:cNvPr id="113" name="Oval 112">
@@ -32133,8 +33621,8 @@
           </p:sp>
         </mc:Fallback>
       </mc:AlternateContent>
-      <mc:AlternateContent xmlns:mc="http://schemas.openxmlformats.org/markup-compatibility/2006">
-        <mc:Choice xmlns:a14="http://schemas.microsoft.com/office/drawing/2010/main" Requires="a14">
+      <mc:AlternateContent xmlns:mc="http://schemas.openxmlformats.org/markup-compatibility/2006" xmlns:a14="http://schemas.microsoft.com/office/drawing/2010/main">
+        <mc:Choice Requires="a14">
           <p:sp>
             <p:nvSpPr>
               <p:cNvPr id="114" name="Oval 113">
@@ -32252,7 +33740,7 @@
             </p:txBody>
           </p:sp>
         </mc:Choice>
-        <mc:Fallback>
+        <mc:Fallback xmlns="">
           <p:sp>
             <p:nvSpPr>
               <p:cNvPr id="114" name="Oval 113">
@@ -32351,8 +33839,8 @@
           </a:fontRef>
         </p:style>
       </p:cxnSp>
-      <mc:AlternateContent xmlns:mc="http://schemas.openxmlformats.org/markup-compatibility/2006">
-        <mc:Choice xmlns:a14="http://schemas.microsoft.com/office/drawing/2010/main" Requires="a14">
+      <mc:AlternateContent xmlns:mc="http://schemas.openxmlformats.org/markup-compatibility/2006" xmlns:a14="http://schemas.microsoft.com/office/drawing/2010/main">
+        <mc:Choice Requires="a14">
           <p:sp>
             <p:nvSpPr>
               <p:cNvPr id="116" name="Oval 115">
@@ -32470,7 +33958,7 @@
             </p:txBody>
           </p:sp>
         </mc:Choice>
-        <mc:Fallback>
+        <mc:Fallback xmlns="">
           <p:sp>
             <p:nvSpPr>
               <p:cNvPr id="116" name="Oval 115">
@@ -32569,8 +34057,8 @@
           </a:fontRef>
         </p:style>
       </p:cxnSp>
-      <mc:AlternateContent xmlns:mc="http://schemas.openxmlformats.org/markup-compatibility/2006">
-        <mc:Choice xmlns:a14="http://schemas.microsoft.com/office/drawing/2010/main" Requires="a14">
+      <mc:AlternateContent xmlns:mc="http://schemas.openxmlformats.org/markup-compatibility/2006" xmlns:a14="http://schemas.microsoft.com/office/drawing/2010/main">
+        <mc:Choice Requires="a14">
           <p:sp>
             <p:nvSpPr>
               <p:cNvPr id="135" name="Oval 134">
@@ -32661,16 +34149,7 @@
                               </a:solidFill>
                               <a:latin typeface="Cambria Math" panose="02040503050406030204" pitchFamily="18" charset="0"/>
                             </a:rPr>
-                            <m:t>𝑶</m:t>
-                          </m:r>
-                          <m:r>
-                            <a:rPr lang="en-US" sz="1600" b="1" i="1" dirty="0" smtClean="0">
-                              <a:solidFill>
-                                <a:sysClr val="windowText" lastClr="000000"/>
-                              </a:solidFill>
-                              <a:latin typeface="Cambria Math" panose="02040503050406030204" pitchFamily="18" charset="0"/>
-                            </a:rPr>
-                            <m:t>𝒐</m:t>
+                            <m:t>𝑶𝒐</m:t>
                           </m:r>
                         </m:e>
                         <m:sub>
@@ -32697,7 +34176,7 @@
             </p:txBody>
           </p:sp>
         </mc:Choice>
-        <mc:Fallback>
+        <mc:Fallback xmlns="">
           <p:sp>
             <p:nvSpPr>
               <p:cNvPr id="135" name="Oval 134">
@@ -33073,7 +34552,7 @@
 </p:sld>
 </file>
 
-<file path=ppt/slides/slide8.xml><?xml version="1.0" encoding="utf-8"?>
+<file path=ppt/slides/slide9.xml><?xml version="1.0" encoding="utf-8"?>
 <p:sld xmlns:a="http://schemas.openxmlformats.org/drawingml/2006/main" xmlns:r="http://schemas.openxmlformats.org/officeDocument/2006/relationships" xmlns:p="http://schemas.openxmlformats.org/presentationml/2006/main">
   <p:cSld>
     <p:spTree>
@@ -33118,8 +34597,8 @@
           </a:p>
         </p:txBody>
       </p:sp>
-      <mc:AlternateContent xmlns:mc="http://schemas.openxmlformats.org/markup-compatibility/2006">
-        <mc:Choice xmlns:a14="http://schemas.microsoft.com/office/drawing/2010/main" Requires="a14">
+      <mc:AlternateContent xmlns:mc="http://schemas.openxmlformats.org/markup-compatibility/2006" xmlns:a14="http://schemas.microsoft.com/office/drawing/2010/main">
+        <mc:Choice Requires="a14">
           <p:sp>
             <p:nvSpPr>
               <p:cNvPr id="5" name="Oval 4">
@@ -33246,7 +34725,7 @@
             </p:txBody>
           </p:sp>
         </mc:Choice>
-        <mc:Fallback>
+        <mc:Fallback xmlns="">
           <p:sp>
             <p:nvSpPr>
               <p:cNvPr id="5" name="Oval 4">
@@ -33296,8 +34775,8 @@
           </p:sp>
         </mc:Fallback>
       </mc:AlternateContent>
-      <mc:AlternateContent xmlns:mc="http://schemas.openxmlformats.org/markup-compatibility/2006">
-        <mc:Choice xmlns:a14="http://schemas.microsoft.com/office/drawing/2010/main" Requires="a14">
+      <mc:AlternateContent xmlns:mc="http://schemas.openxmlformats.org/markup-compatibility/2006" xmlns:a14="http://schemas.microsoft.com/office/drawing/2010/main">
+        <mc:Choice Requires="a14">
           <p:sp>
             <p:nvSpPr>
               <p:cNvPr id="6" name="Oval 5">
@@ -33415,7 +34894,7 @@
             </p:txBody>
           </p:sp>
         </mc:Choice>
-        <mc:Fallback>
+        <mc:Fallback xmlns="">
           <p:sp>
             <p:nvSpPr>
               <p:cNvPr id="6" name="Oval 5">
@@ -33514,8 +34993,8 @@
           </a:fontRef>
         </p:style>
       </p:cxnSp>
-      <mc:AlternateContent xmlns:mc="http://schemas.openxmlformats.org/markup-compatibility/2006">
-        <mc:Choice xmlns:a14="http://schemas.microsoft.com/office/drawing/2010/main" Requires="a14">
+      <mc:AlternateContent xmlns:mc="http://schemas.openxmlformats.org/markup-compatibility/2006" xmlns:a14="http://schemas.microsoft.com/office/drawing/2010/main">
+        <mc:Choice Requires="a14">
           <p:sp>
             <p:nvSpPr>
               <p:cNvPr id="42" name="Oval 41">
@@ -33633,7 +35112,7 @@
             </p:txBody>
           </p:sp>
         </mc:Choice>
-        <mc:Fallback>
+        <mc:Fallback xmlns="">
           <p:sp>
             <p:nvSpPr>
               <p:cNvPr id="42" name="Oval 41">
@@ -33732,8 +35211,8 @@
           </a:fontRef>
         </p:style>
       </p:cxnSp>
-      <mc:AlternateContent xmlns:mc="http://schemas.openxmlformats.org/markup-compatibility/2006">
-        <mc:Choice xmlns:a14="http://schemas.microsoft.com/office/drawing/2010/main" Requires="a14">
+      <mc:AlternateContent xmlns:mc="http://schemas.openxmlformats.org/markup-compatibility/2006" xmlns:a14="http://schemas.microsoft.com/office/drawing/2010/main">
+        <mc:Choice Requires="a14">
           <p:sp>
             <p:nvSpPr>
               <p:cNvPr id="70" name="Oval 69">
@@ -33860,7 +35339,7 @@
             </p:txBody>
           </p:sp>
         </mc:Choice>
-        <mc:Fallback>
+        <mc:Fallback xmlns="">
           <p:sp>
             <p:nvSpPr>
               <p:cNvPr id="70" name="Oval 69">
@@ -33910,8 +35389,8 @@
           </p:sp>
         </mc:Fallback>
       </mc:AlternateContent>
-      <mc:AlternateContent xmlns:mc="http://schemas.openxmlformats.org/markup-compatibility/2006">
-        <mc:Choice xmlns:a14="http://schemas.microsoft.com/office/drawing/2010/main" Requires="a14">
+      <mc:AlternateContent xmlns:mc="http://schemas.openxmlformats.org/markup-compatibility/2006" xmlns:a14="http://schemas.microsoft.com/office/drawing/2010/main">
+        <mc:Choice Requires="a14">
           <p:sp>
             <p:nvSpPr>
               <p:cNvPr id="71" name="Oval 70">
@@ -34029,7 +35508,7 @@
             </p:txBody>
           </p:sp>
         </mc:Choice>
-        <mc:Fallback>
+        <mc:Fallback xmlns="">
           <p:sp>
             <p:nvSpPr>
               <p:cNvPr id="71" name="Oval 70">
@@ -34128,8 +35607,8 @@
           </a:fontRef>
         </p:style>
       </p:cxnSp>
-      <mc:AlternateContent xmlns:mc="http://schemas.openxmlformats.org/markup-compatibility/2006">
-        <mc:Choice xmlns:a14="http://schemas.microsoft.com/office/drawing/2010/main" Requires="a14">
+      <mc:AlternateContent xmlns:mc="http://schemas.openxmlformats.org/markup-compatibility/2006" xmlns:a14="http://schemas.microsoft.com/office/drawing/2010/main">
+        <mc:Choice Requires="a14">
           <p:sp>
             <p:nvSpPr>
               <p:cNvPr id="73" name="Oval 72">
@@ -34247,7 +35726,7 @@
             </p:txBody>
           </p:sp>
         </mc:Choice>
-        <mc:Fallback>
+        <mc:Fallback xmlns="">
           <p:sp>
             <p:nvSpPr>
               <p:cNvPr id="73" name="Oval 72">
@@ -34346,8 +35825,8 @@
           </a:fontRef>
         </p:style>
       </p:cxnSp>
-      <mc:AlternateContent xmlns:mc="http://schemas.openxmlformats.org/markup-compatibility/2006">
-        <mc:Choice xmlns:a14="http://schemas.microsoft.com/office/drawing/2010/main" Requires="a14">
+      <mc:AlternateContent xmlns:mc="http://schemas.openxmlformats.org/markup-compatibility/2006" xmlns:a14="http://schemas.microsoft.com/office/drawing/2010/main">
+        <mc:Choice Requires="a14">
           <p:sp>
             <p:nvSpPr>
               <p:cNvPr id="76" name="Oval 75">
@@ -34465,7 +35944,7 @@
             </p:txBody>
           </p:sp>
         </mc:Choice>
-        <mc:Fallback>
+        <mc:Fallback xmlns="">
           <p:sp>
             <p:nvSpPr>
               <p:cNvPr id="76" name="Oval 75">
@@ -34515,8 +35994,8 @@
           </p:sp>
         </mc:Fallback>
       </mc:AlternateContent>
-      <mc:AlternateContent xmlns:mc="http://schemas.openxmlformats.org/markup-compatibility/2006">
-        <mc:Choice xmlns:a14="http://schemas.microsoft.com/office/drawing/2010/main" Requires="a14">
+      <mc:AlternateContent xmlns:mc="http://schemas.openxmlformats.org/markup-compatibility/2006" xmlns:a14="http://schemas.microsoft.com/office/drawing/2010/main">
+        <mc:Choice Requires="a14">
           <p:sp>
             <p:nvSpPr>
               <p:cNvPr id="77" name="Oval 76">
@@ -34634,7 +36113,7 @@
             </p:txBody>
           </p:sp>
         </mc:Choice>
-        <mc:Fallback>
+        <mc:Fallback xmlns="">
           <p:sp>
             <p:nvSpPr>
               <p:cNvPr id="77" name="Oval 76">
@@ -34782,8 +36261,8 @@
           </a:fontRef>
         </p:style>
       </p:cxnSp>
-      <mc:AlternateContent xmlns:mc="http://schemas.openxmlformats.org/markup-compatibility/2006">
-        <mc:Choice xmlns:a14="http://schemas.microsoft.com/office/drawing/2010/main" Requires="a14">
+      <mc:AlternateContent xmlns:mc="http://schemas.openxmlformats.org/markup-compatibility/2006" xmlns:a14="http://schemas.microsoft.com/office/drawing/2010/main">
+        <mc:Choice Requires="a14">
           <p:sp>
             <p:nvSpPr>
               <p:cNvPr id="102" name="Oval 101">
@@ -34910,7 +36389,7 @@
             </p:txBody>
           </p:sp>
         </mc:Choice>
-        <mc:Fallback>
+        <mc:Fallback xmlns="">
           <p:sp>
             <p:nvSpPr>
               <p:cNvPr id="102" name="Oval 101">
@@ -34960,8 +36439,8 @@
           </p:sp>
         </mc:Fallback>
       </mc:AlternateContent>
-      <mc:AlternateContent xmlns:mc="http://schemas.openxmlformats.org/markup-compatibility/2006">
-        <mc:Choice xmlns:a14="http://schemas.microsoft.com/office/drawing/2010/main" Requires="a14">
+      <mc:AlternateContent xmlns:mc="http://schemas.openxmlformats.org/markup-compatibility/2006" xmlns:a14="http://schemas.microsoft.com/office/drawing/2010/main">
+        <mc:Choice Requires="a14">
           <p:sp>
             <p:nvSpPr>
               <p:cNvPr id="103" name="Oval 102">
@@ -35079,7 +36558,7 @@
             </p:txBody>
           </p:sp>
         </mc:Choice>
-        <mc:Fallback>
+        <mc:Fallback xmlns="">
           <p:sp>
             <p:nvSpPr>
               <p:cNvPr id="103" name="Oval 102">
@@ -35178,8 +36657,8 @@
           </a:fontRef>
         </p:style>
       </p:cxnSp>
-      <mc:AlternateContent xmlns:mc="http://schemas.openxmlformats.org/markup-compatibility/2006">
-        <mc:Choice xmlns:a14="http://schemas.microsoft.com/office/drawing/2010/main" Requires="a14">
+      <mc:AlternateContent xmlns:mc="http://schemas.openxmlformats.org/markup-compatibility/2006" xmlns:a14="http://schemas.microsoft.com/office/drawing/2010/main">
+        <mc:Choice Requires="a14">
           <p:sp>
             <p:nvSpPr>
               <p:cNvPr id="105" name="Oval 104">
@@ -35297,7 +36776,7 @@
             </p:txBody>
           </p:sp>
         </mc:Choice>
-        <mc:Fallback>
+        <mc:Fallback xmlns="">
           <p:sp>
             <p:nvSpPr>
               <p:cNvPr id="105" name="Oval 104">
@@ -35396,8 +36875,8 @@
           </a:fontRef>
         </p:style>
       </p:cxnSp>
-      <mc:AlternateContent xmlns:mc="http://schemas.openxmlformats.org/markup-compatibility/2006">
-        <mc:Choice xmlns:a14="http://schemas.microsoft.com/office/drawing/2010/main" Requires="a14">
+      <mc:AlternateContent xmlns:mc="http://schemas.openxmlformats.org/markup-compatibility/2006" xmlns:a14="http://schemas.microsoft.com/office/drawing/2010/main">
+        <mc:Choice Requires="a14">
           <p:sp>
             <p:nvSpPr>
               <p:cNvPr id="40" name="Oval 39">
@@ -35524,7 +37003,7 @@
             </p:txBody>
           </p:sp>
         </mc:Choice>
-        <mc:Fallback>
+        <mc:Fallback xmlns="">
           <p:sp>
             <p:nvSpPr>
               <p:cNvPr id="40" name="Oval 39">
@@ -35574,8 +37053,8 @@
           </p:sp>
         </mc:Fallback>
       </mc:AlternateContent>
-      <mc:AlternateContent xmlns:mc="http://schemas.openxmlformats.org/markup-compatibility/2006">
-        <mc:Choice xmlns:a14="http://schemas.microsoft.com/office/drawing/2010/main" Requires="a14">
+      <mc:AlternateContent xmlns:mc="http://schemas.openxmlformats.org/markup-compatibility/2006" xmlns:a14="http://schemas.microsoft.com/office/drawing/2010/main">
+        <mc:Choice Requires="a14">
           <p:sp>
             <p:nvSpPr>
               <p:cNvPr id="41" name="Oval 40">
@@ -35693,7 +37172,7 @@
             </p:txBody>
           </p:sp>
         </mc:Choice>
-        <mc:Fallback>
+        <mc:Fallback xmlns="">
           <p:sp>
             <p:nvSpPr>
               <p:cNvPr id="41" name="Oval 40">
@@ -35792,8 +37271,8 @@
           </a:fontRef>
         </p:style>
       </p:cxnSp>
-      <mc:AlternateContent xmlns:mc="http://schemas.openxmlformats.org/markup-compatibility/2006">
-        <mc:Choice xmlns:a14="http://schemas.microsoft.com/office/drawing/2010/main" Requires="a14">
+      <mc:AlternateContent xmlns:mc="http://schemas.openxmlformats.org/markup-compatibility/2006" xmlns:a14="http://schemas.microsoft.com/office/drawing/2010/main">
+        <mc:Choice Requires="a14">
           <p:sp>
             <p:nvSpPr>
               <p:cNvPr id="44" name="Oval 43">
@@ -35911,7 +37390,7 @@
             </p:txBody>
           </p:sp>
         </mc:Choice>
-        <mc:Fallback>
+        <mc:Fallback xmlns="">
           <p:sp>
             <p:nvSpPr>
               <p:cNvPr id="44" name="Oval 43">
@@ -36010,8 +37489,8 @@
           </a:fontRef>
         </p:style>
       </p:cxnSp>
-      <mc:AlternateContent xmlns:mc="http://schemas.openxmlformats.org/markup-compatibility/2006">
-        <mc:Choice xmlns:a14="http://schemas.microsoft.com/office/drawing/2010/main" Requires="a14">
+      <mc:AlternateContent xmlns:mc="http://schemas.openxmlformats.org/markup-compatibility/2006" xmlns:a14="http://schemas.microsoft.com/office/drawing/2010/main">
+        <mc:Choice Requires="a14">
           <p:sp>
             <p:nvSpPr>
               <p:cNvPr id="47" name="Oval 46">
@@ -36129,7 +37608,7 @@
             </p:txBody>
           </p:sp>
         </mc:Choice>
-        <mc:Fallback>
+        <mc:Fallback xmlns="">
           <p:sp>
             <p:nvSpPr>
               <p:cNvPr id="47" name="Oval 46">
@@ -36228,8 +37707,8 @@
           </a:fontRef>
         </p:style>
       </p:cxnSp>
-      <mc:AlternateContent xmlns:mc="http://schemas.openxmlformats.org/markup-compatibility/2006">
-        <mc:Choice xmlns:a14="http://schemas.microsoft.com/office/drawing/2010/main" Requires="a14">
+      <mc:AlternateContent xmlns:mc="http://schemas.openxmlformats.org/markup-compatibility/2006" xmlns:a14="http://schemas.microsoft.com/office/drawing/2010/main">
+        <mc:Choice Requires="a14">
           <p:sp>
             <p:nvSpPr>
               <p:cNvPr id="50" name="Oval 49">
@@ -36356,7 +37835,7 @@
             </p:txBody>
           </p:sp>
         </mc:Choice>
-        <mc:Fallback>
+        <mc:Fallback xmlns="">
           <p:sp>
             <p:nvSpPr>
               <p:cNvPr id="50" name="Oval 49">
@@ -36406,8 +37885,8 @@
           </p:sp>
         </mc:Fallback>
       </mc:AlternateContent>
-      <mc:AlternateContent xmlns:mc="http://schemas.openxmlformats.org/markup-compatibility/2006">
-        <mc:Choice xmlns:a14="http://schemas.microsoft.com/office/drawing/2010/main" Requires="a14">
+      <mc:AlternateContent xmlns:mc="http://schemas.openxmlformats.org/markup-compatibility/2006" xmlns:a14="http://schemas.microsoft.com/office/drawing/2010/main">
+        <mc:Choice Requires="a14">
           <p:sp>
             <p:nvSpPr>
               <p:cNvPr id="51" name="Oval 50">
@@ -36525,7 +38004,7 @@
             </p:txBody>
           </p:sp>
         </mc:Choice>
-        <mc:Fallback>
+        <mc:Fallback xmlns="">
           <p:sp>
             <p:nvSpPr>
               <p:cNvPr id="51" name="Oval 50">
@@ -36624,8 +38103,8 @@
           </a:fontRef>
         </p:style>
       </p:cxnSp>
-      <mc:AlternateContent xmlns:mc="http://schemas.openxmlformats.org/markup-compatibility/2006">
-        <mc:Choice xmlns:a14="http://schemas.microsoft.com/office/drawing/2010/main" Requires="a14">
+      <mc:AlternateContent xmlns:mc="http://schemas.openxmlformats.org/markup-compatibility/2006" xmlns:a14="http://schemas.microsoft.com/office/drawing/2010/main">
+        <mc:Choice Requires="a14">
           <p:sp>
             <p:nvSpPr>
               <p:cNvPr id="53" name="Oval 52">
@@ -36743,7 +38222,7 @@
             </p:txBody>
           </p:sp>
         </mc:Choice>
-        <mc:Fallback>
+        <mc:Fallback xmlns="">
           <p:sp>
             <p:nvSpPr>
               <p:cNvPr id="53" name="Oval 52">
@@ -36842,8 +38321,8 @@
           </a:fontRef>
         </p:style>
       </p:cxnSp>
-      <mc:AlternateContent xmlns:mc="http://schemas.openxmlformats.org/markup-compatibility/2006">
-        <mc:Choice xmlns:a14="http://schemas.microsoft.com/office/drawing/2010/main" Requires="a14">
+      <mc:AlternateContent xmlns:mc="http://schemas.openxmlformats.org/markup-compatibility/2006" xmlns:a14="http://schemas.microsoft.com/office/drawing/2010/main">
+        <mc:Choice Requires="a14">
           <p:sp>
             <p:nvSpPr>
               <p:cNvPr id="78" name="Oval 77">
@@ -36970,7 +38449,7 @@
             </p:txBody>
           </p:sp>
         </mc:Choice>
-        <mc:Fallback>
+        <mc:Fallback xmlns="">
           <p:sp>
             <p:nvSpPr>
               <p:cNvPr id="78" name="Oval 77">
@@ -37020,8 +38499,8 @@
           </p:sp>
         </mc:Fallback>
       </mc:AlternateContent>
-      <mc:AlternateContent xmlns:mc="http://schemas.openxmlformats.org/markup-compatibility/2006">
-        <mc:Choice xmlns:a14="http://schemas.microsoft.com/office/drawing/2010/main" Requires="a14">
+      <mc:AlternateContent xmlns:mc="http://schemas.openxmlformats.org/markup-compatibility/2006" xmlns:a14="http://schemas.microsoft.com/office/drawing/2010/main">
+        <mc:Choice Requires="a14">
           <p:sp>
             <p:nvSpPr>
               <p:cNvPr id="79" name="Oval 78">
@@ -37139,7 +38618,7 @@
             </p:txBody>
           </p:sp>
         </mc:Choice>
-        <mc:Fallback>
+        <mc:Fallback xmlns="">
           <p:sp>
             <p:nvSpPr>
               <p:cNvPr id="79" name="Oval 78">
@@ -37238,8 +38717,8 @@
           </a:fontRef>
         </p:style>
       </p:cxnSp>
-      <mc:AlternateContent xmlns:mc="http://schemas.openxmlformats.org/markup-compatibility/2006">
-        <mc:Choice xmlns:a14="http://schemas.microsoft.com/office/drawing/2010/main" Requires="a14">
+      <mc:AlternateContent xmlns:mc="http://schemas.openxmlformats.org/markup-compatibility/2006" xmlns:a14="http://schemas.microsoft.com/office/drawing/2010/main">
+        <mc:Choice Requires="a14">
           <p:sp>
             <p:nvSpPr>
               <p:cNvPr id="82" name="Oval 81">
@@ -37357,7 +38836,7 @@
             </p:txBody>
           </p:sp>
         </mc:Choice>
-        <mc:Fallback>
+        <mc:Fallback xmlns="">
           <p:sp>
             <p:nvSpPr>
               <p:cNvPr id="82" name="Oval 81">
@@ -37456,8 +38935,8 @@
           </a:fontRef>
         </p:style>
       </p:cxnSp>
-      <mc:AlternateContent xmlns:mc="http://schemas.openxmlformats.org/markup-compatibility/2006">
-        <mc:Choice xmlns:a14="http://schemas.microsoft.com/office/drawing/2010/main" Requires="a14">
+      <mc:AlternateContent xmlns:mc="http://schemas.openxmlformats.org/markup-compatibility/2006" xmlns:a14="http://schemas.microsoft.com/office/drawing/2010/main">
+        <mc:Choice Requires="a14">
           <p:sp>
             <p:nvSpPr>
               <p:cNvPr id="85" name="Oval 84">
@@ -37548,16 +39027,7 @@
                               </a:solidFill>
                               <a:latin typeface="Cambria Math" panose="02040503050406030204" pitchFamily="18" charset="0"/>
                             </a:rPr>
-                            <m:t>𝑶</m:t>
-                          </m:r>
-                          <m:r>
-                            <a:rPr lang="en-US" sz="1600" b="1" i="1" dirty="0" smtClean="0">
-                              <a:solidFill>
-                                <a:sysClr val="windowText" lastClr="000000"/>
-                              </a:solidFill>
-                              <a:latin typeface="Cambria Math" panose="02040503050406030204" pitchFamily="18" charset="0"/>
-                            </a:rPr>
-                            <m:t>𝒐</m:t>
+                            <m:t>𝑶𝒐</m:t>
                           </m:r>
                         </m:e>
                         <m:sub>
@@ -37584,7 +39054,7 @@
             </p:txBody>
           </p:sp>
         </mc:Choice>
-        <mc:Fallback>
+        <mc:Fallback xmlns="">
           <p:sp>
             <p:nvSpPr>
               <p:cNvPr id="85" name="Oval 84">
@@ -37696,359 +39166,6 @@
   <p:transition>
     <p:fade/>
   </p:transition>
-</p:sld>
-</file>
-
-<file path=ppt/slides/slide9.xml><?xml version="1.0" encoding="utf-8"?>
-<p:sld xmlns:a="http://schemas.openxmlformats.org/drawingml/2006/main" xmlns:r="http://schemas.openxmlformats.org/officeDocument/2006/relationships" xmlns:p="http://schemas.openxmlformats.org/presentationml/2006/main">
-  <p:cSld>
-    <p:spTree>
-      <p:nvGrpSpPr>
-        <p:cNvPr id="1" name=""/>
-        <p:cNvGrpSpPr/>
-        <p:nvPr/>
-      </p:nvGrpSpPr>
-      <p:grpSpPr>
-        <a:xfrm>
-          <a:off x="0" y="0"/>
-          <a:ext cx="0" cy="0"/>
-          <a:chOff x="0" y="0"/>
-          <a:chExt cx="0" cy="0"/>
-        </a:xfrm>
-      </p:grpSpPr>
-      <p:sp>
-        <p:nvSpPr>
-          <p:cNvPr id="3" name="Title 2">
-            <a:extLst>
-              <a:ext uri="{FF2B5EF4-FFF2-40B4-BE49-F238E27FC236}">
-                <a16:creationId xmlns:a16="http://schemas.microsoft.com/office/drawing/2014/main" id="{10D9C820-AAE1-4FCE-9B15-E7B93F4B6E5D}"/>
-              </a:ext>
-            </a:extLst>
-          </p:cNvPr>
-          <p:cNvSpPr>
-            <a:spLocks noGrp="1"/>
-          </p:cNvSpPr>
-          <p:nvPr>
-            <p:ph type="title"/>
-          </p:nvPr>
-        </p:nvSpPr>
-        <p:spPr/>
-        <p:txBody>
-          <a:bodyPr/>
-          <a:lstStyle/>
-          <a:p>
-            <a:r>
-              <a:rPr lang="en-US" dirty="0"/>
-              <a:t>Tool: Hmm Learn</a:t>
-            </a:r>
-          </a:p>
-        </p:txBody>
-      </p:sp>
-      <p:sp>
-        <p:nvSpPr>
-          <p:cNvPr id="4" name="Slide Number Placeholder 3">
-            <a:extLst>
-              <a:ext uri="{FF2B5EF4-FFF2-40B4-BE49-F238E27FC236}">
-                <a16:creationId xmlns:a16="http://schemas.microsoft.com/office/drawing/2014/main" id="{39A9C1CD-884E-444E-908F-ADABEB829459}"/>
-              </a:ext>
-            </a:extLst>
-          </p:cNvPr>
-          <p:cNvSpPr>
-            <a:spLocks noGrp="1"/>
-          </p:cNvSpPr>
-          <p:nvPr>
-            <p:ph type="sldNum" sz="quarter" idx="16"/>
-          </p:nvPr>
-        </p:nvSpPr>
-        <p:spPr/>
-        <p:txBody>
-          <a:bodyPr/>
-          <a:lstStyle/>
-          <a:p>
-            <a:fld id="{1915DC07-6425-4740-9695-FB9F2ED48CC1}" type="slidenum">
-              <a:rPr lang="en-US" smtClean="0"/>
-              <a:t>9</a:t>
-            </a:fld>
-            <a:endParaRPr lang="en-US"/>
-          </a:p>
-        </p:txBody>
-      </p:sp>
-      <p:pic>
-        <p:nvPicPr>
-          <p:cNvPr id="6" name="Picture 5">
-            <a:extLst>
-              <a:ext uri="{FF2B5EF4-FFF2-40B4-BE49-F238E27FC236}">
-                <a16:creationId xmlns:a16="http://schemas.microsoft.com/office/drawing/2014/main" id="{4C5DEB5E-FC90-4B48-89C2-B0225F62DE1C}"/>
-              </a:ext>
-            </a:extLst>
-          </p:cNvPr>
-          <p:cNvPicPr>
-            <a:picLocks noChangeAspect="1"/>
-          </p:cNvPicPr>
-          <p:nvPr/>
-        </p:nvPicPr>
-        <p:blipFill>
-          <a:blip r:embed="rId2"/>
-          <a:stretch>
-            <a:fillRect/>
-          </a:stretch>
-        </p:blipFill>
-        <p:spPr>
-          <a:xfrm>
-            <a:off x="436418" y="1103109"/>
-            <a:ext cx="8686800" cy="3006718"/>
-          </a:xfrm>
-          <a:prstGeom prst="rect">
-            <a:avLst/>
-          </a:prstGeom>
-        </p:spPr>
-      </p:pic>
-      <p:pic>
-        <p:nvPicPr>
-          <p:cNvPr id="8" name="Picture 7">
-            <a:extLst>
-              <a:ext uri="{FF2B5EF4-FFF2-40B4-BE49-F238E27FC236}">
-                <a16:creationId xmlns:a16="http://schemas.microsoft.com/office/drawing/2014/main" id="{767F577F-54AF-43FB-8908-74FACBD43FF5}"/>
-              </a:ext>
-            </a:extLst>
-          </p:cNvPr>
-          <p:cNvPicPr>
-            <a:picLocks noChangeAspect="1"/>
-          </p:cNvPicPr>
-          <p:nvPr/>
-        </p:nvPicPr>
-        <p:blipFill>
-          <a:blip r:embed="rId3"/>
-          <a:stretch>
-            <a:fillRect/>
-          </a:stretch>
-        </p:blipFill>
-        <p:spPr>
-          <a:xfrm>
-            <a:off x="363682" y="4655348"/>
-            <a:ext cx="8759536" cy="1153792"/>
-          </a:xfrm>
-          <a:prstGeom prst="rect">
-            <a:avLst/>
-          </a:prstGeom>
-        </p:spPr>
-      </p:pic>
-      <p:sp>
-        <p:nvSpPr>
-          <p:cNvPr id="9" name="TextBox 8">
-            <a:extLst>
-              <a:ext uri="{FF2B5EF4-FFF2-40B4-BE49-F238E27FC236}">
-                <a16:creationId xmlns:a16="http://schemas.microsoft.com/office/drawing/2014/main" id="{0B84C342-2D8E-4B18-8C21-A6CAA46296A0}"/>
-              </a:ext>
-            </a:extLst>
-          </p:cNvPr>
-          <p:cNvSpPr txBox="1"/>
-          <p:nvPr/>
-        </p:nvSpPr>
-        <p:spPr bwMode="gray">
-          <a:xfrm>
-            <a:off x="363681" y="835902"/>
-            <a:ext cx="5288973" cy="545521"/>
-          </a:xfrm>
-          <a:prstGeom prst="rect">
-            <a:avLst/>
-          </a:prstGeom>
-          <a:noFill/>
-        </p:spPr>
-        <p:txBody>
-          <a:bodyPr wrap="square" lIns="0" tIns="0" rIns="0" bIns="0" rtlCol="0">
-            <a:noAutofit/>
-          </a:bodyPr>
-          <a:lstStyle/>
-          <a:p>
-            <a:pPr marL="182563" indent="-182563">
-              <a:spcBef>
-                <a:spcPts val="300"/>
-              </a:spcBef>
-              <a:spcAft>
-                <a:spcPts val="300"/>
-              </a:spcAft>
-              <a:buClr>
-                <a:schemeClr val="accent1"/>
-              </a:buClr>
-              <a:buSzPct val="90000"/>
-              <a:buFont typeface="Arial" panose="020B0604020202020204" pitchFamily="34" charset="0"/>
-              <a:buChar char="■"/>
-            </a:pPr>
-            <a:r>
-              <a:rPr lang="en-US" dirty="0"/>
-              <a:t>Initializing and Sampling a Model </a:t>
-            </a:r>
-          </a:p>
-        </p:txBody>
-      </p:sp>
-      <p:sp>
-        <p:nvSpPr>
-          <p:cNvPr id="12" name="TextBox 11">
-            <a:extLst>
-              <a:ext uri="{FF2B5EF4-FFF2-40B4-BE49-F238E27FC236}">
-                <a16:creationId xmlns:a16="http://schemas.microsoft.com/office/drawing/2014/main" id="{5CBDE3B2-979E-4B2F-B252-ABCA8B5E8D38}"/>
-              </a:ext>
-            </a:extLst>
-          </p:cNvPr>
-          <p:cNvSpPr txBox="1"/>
-          <p:nvPr/>
-        </p:nvSpPr>
-        <p:spPr bwMode="gray">
-          <a:xfrm>
-            <a:off x="422564" y="4392734"/>
-            <a:ext cx="3958936" cy="545521"/>
-          </a:xfrm>
-          <a:prstGeom prst="rect">
-            <a:avLst/>
-          </a:prstGeom>
-          <a:noFill/>
-        </p:spPr>
-        <p:txBody>
-          <a:bodyPr wrap="square" lIns="0" tIns="0" rIns="0" bIns="0" rtlCol="0">
-            <a:noAutofit/>
-          </a:bodyPr>
-          <a:lstStyle/>
-          <a:p>
-            <a:pPr marL="182563" indent="-182563">
-              <a:spcBef>
-                <a:spcPts val="300"/>
-              </a:spcBef>
-              <a:spcAft>
-                <a:spcPts val="300"/>
-              </a:spcAft>
-              <a:buClr>
-                <a:schemeClr val="accent1"/>
-              </a:buClr>
-              <a:buSzPct val="90000"/>
-              <a:buFont typeface="Arial" panose="020B0604020202020204" pitchFamily="34" charset="0"/>
-              <a:buChar char="■"/>
-            </a:pPr>
-            <a:r>
-              <a:rPr lang="en-US" dirty="0"/>
-              <a:t>Learning </a:t>
-            </a:r>
-          </a:p>
-        </p:txBody>
-      </p:sp>
-    </p:spTree>
-    <p:extLst>
-      <p:ext uri="{BB962C8B-B14F-4D97-AF65-F5344CB8AC3E}">
-        <p14:creationId xmlns:p14="http://schemas.microsoft.com/office/powerpoint/2010/main" val="3504014497"/>
-      </p:ext>
-    </p:extLst>
-  </p:cSld>
-  <p:clrMapOvr>
-    <a:masterClrMapping/>
-  </p:clrMapOvr>
-  <p:transition>
-    <p:fade/>
-  </p:transition>
-  <p:timing>
-    <p:tnLst>
-      <p:par>
-        <p:cTn id="1" dur="indefinite" restart="never" nodeType="tmRoot">
-          <p:childTnLst>
-            <p:seq concurrent="1" nextAc="seek">
-              <p:cTn id="2" dur="indefinite" nodeType="mainSeq">
-                <p:childTnLst>
-                  <p:par>
-                    <p:cTn id="3" fill="hold">
-                      <p:stCondLst>
-                        <p:cond delay="indefinite"/>
-                      </p:stCondLst>
-                      <p:childTnLst>
-                        <p:par>
-                          <p:cTn id="4" fill="hold">
-                            <p:stCondLst>
-                              <p:cond delay="0"/>
-                            </p:stCondLst>
-                            <p:childTnLst>
-                              <p:par>
-                                <p:cTn id="5" presetID="1" presetClass="entr" presetSubtype="0" fill="hold" nodeType="clickEffect">
-                                  <p:stCondLst>
-                                    <p:cond delay="0"/>
-                                  </p:stCondLst>
-                                  <p:childTnLst>
-                                    <p:set>
-                                      <p:cBhvr>
-                                        <p:cTn id="6" dur="1" fill="hold">
-                                          <p:stCondLst>
-                                            <p:cond delay="0"/>
-                                          </p:stCondLst>
-                                        </p:cTn>
-                                        <p:tgtEl>
-                                          <p:spTgt spid="8"/>
-                                        </p:tgtEl>
-                                        <p:attrNameLst>
-                                          <p:attrName>style.visibility</p:attrName>
-                                        </p:attrNameLst>
-                                      </p:cBhvr>
-                                      <p:to>
-                                        <p:strVal val="visible"/>
-                                      </p:to>
-                                    </p:set>
-                                  </p:childTnLst>
-                                </p:cTn>
-                              </p:par>
-                              <p:par>
-                                <p:cTn id="7" presetID="1" presetClass="entr" presetSubtype="0" fill="hold" grpId="0" nodeType="withEffect">
-                                  <p:stCondLst>
-                                    <p:cond delay="0"/>
-                                  </p:stCondLst>
-                                  <p:childTnLst>
-                                    <p:set>
-                                      <p:cBhvr>
-                                        <p:cTn id="8" dur="1" fill="hold">
-                                          <p:stCondLst>
-                                            <p:cond delay="0"/>
-                                          </p:stCondLst>
-                                        </p:cTn>
-                                        <p:tgtEl>
-                                          <p:spTgt spid="12"/>
-                                        </p:tgtEl>
-                                        <p:attrNameLst>
-                                          <p:attrName>style.visibility</p:attrName>
-                                        </p:attrNameLst>
-                                      </p:cBhvr>
-                                      <p:to>
-                                        <p:strVal val="visible"/>
-                                      </p:to>
-                                    </p:set>
-                                  </p:childTnLst>
-                                </p:cTn>
-                              </p:par>
-                            </p:childTnLst>
-                          </p:cTn>
-                        </p:par>
-                      </p:childTnLst>
-                    </p:cTn>
-                  </p:par>
-                </p:childTnLst>
-              </p:cTn>
-              <p:prevCondLst>
-                <p:cond evt="onPrev" delay="0">
-                  <p:tgtEl>
-                    <p:sldTgt/>
-                  </p:tgtEl>
-                </p:cond>
-              </p:prevCondLst>
-              <p:nextCondLst>
-                <p:cond evt="onNext" delay="0">
-                  <p:tgtEl>
-                    <p:sldTgt/>
-                  </p:tgtEl>
-                </p:cond>
-              </p:nextCondLst>
-            </p:seq>
-          </p:childTnLst>
-        </p:cTn>
-      </p:par>
-    </p:tnLst>
-    <p:bldLst>
-      <p:bldP spid="12" grpId="0"/>
-    </p:bldLst>
-  </p:timing>
 </p:sld>
 </file>
 

--- a/projects/HMM/P2 - Hidden Markov Model.pptx
+++ b/projects/HMM/P2 - Hidden Markov Model.pptx
@@ -5,7 +5,7 @@
     <p:sldMasterId id="2147483660" r:id="rId1"/>
   </p:sldMasterIdLst>
   <p:notesMasterIdLst>
-    <p:notesMasterId r:id="rId18"/>
+    <p:notesMasterId r:id="rId19"/>
   </p:notesMasterIdLst>
   <p:sldIdLst>
     <p:sldId id="256" r:id="rId2"/>
@@ -17,13 +17,14 @@
     <p:sldId id="461" r:id="rId8"/>
     <p:sldId id="451" r:id="rId9"/>
     <p:sldId id="456" r:id="rId10"/>
-    <p:sldId id="460" r:id="rId11"/>
-    <p:sldId id="446" r:id="rId12"/>
-    <p:sldId id="459" r:id="rId13"/>
-    <p:sldId id="457" r:id="rId14"/>
-    <p:sldId id="458" r:id="rId15"/>
-    <p:sldId id="267" r:id="rId16"/>
-    <p:sldId id="257" r:id="rId17"/>
+    <p:sldId id="462" r:id="rId11"/>
+    <p:sldId id="460" r:id="rId12"/>
+    <p:sldId id="446" r:id="rId13"/>
+    <p:sldId id="459" r:id="rId14"/>
+    <p:sldId id="457" r:id="rId15"/>
+    <p:sldId id="458" r:id="rId16"/>
+    <p:sldId id="267" r:id="rId17"/>
+    <p:sldId id="257" r:id="rId18"/>
   </p:sldIdLst>
   <p:sldSz cx="12192000" cy="6858000"/>
   <p:notesSz cx="6858000" cy="9144000"/>
@@ -212,7 +213,7 @@
           <a:p>
             <a:fld id="{A0C1F70C-5BF6-43D2-96A0-6511110BD68E}" type="datetimeFigureOut">
               <a:rPr lang="en-US" smtClean="0"/>
-              <a:t>12/4/2020</a:t>
+              <a:t>12/9/2020</a:t>
             </a:fld>
             <a:endParaRPr lang="en-US"/>
           </a:p>
@@ -697,7 +698,23 @@
           <a:bodyPr/>
           <a:lstStyle/>
           <a:p>
+            <a:r>
+              <a:rPr lang="en-US" dirty="0"/>
+              <a:t>https://www.inf.ed.ac.uk/teaching/courses/asr/2017-18/asr03-hmmgmm-handout.pdf</a:t>
+            </a:r>
+          </a:p>
+          <a:p>
             <a:endParaRPr lang="en-US" dirty="0"/>
+          </a:p>
+          <a:p>
+            <a:r>
+              <a:rPr lang="en-US" dirty="0"/>
+              <a:t>Types of </a:t>
+            </a:r>
+            <a:r>
+              <a:rPr lang="en-US"/>
+              <a:t>covariance matrix: https://stats.stackexchange.com/questions/326671/different-covariance-types-for-gaussian-mixture-models</a:t>
+            </a:r>
           </a:p>
         </p:txBody>
       </p:sp>
@@ -718,7 +735,7 @@
           <a:p>
             <a:fld id="{63CC9EBA-D40F-4B2C-8629-D756AD22D0E0}" type="slidenum">
               <a:rPr lang="en-US" smtClean="0"/>
-              <a:t>14</a:t>
+              <a:t>10</a:t>
             </a:fld>
             <a:endParaRPr lang="en-US"/>
           </a:p>
@@ -727,7 +744,7 @@
     </p:spTree>
     <p:extLst>
       <p:ext uri="{BB962C8B-B14F-4D97-AF65-F5344CB8AC3E}">
-        <p14:creationId xmlns:p14="http://schemas.microsoft.com/office/powerpoint/2010/main" val="3632524534"/>
+        <p14:creationId xmlns:p14="http://schemas.microsoft.com/office/powerpoint/2010/main" val="1323544144"/>
       </p:ext>
     </p:extLst>
   </p:cSld>
@@ -802,7 +819,175 @@
           <a:p>
             <a:fld id="{63CC9EBA-D40F-4B2C-8629-D756AD22D0E0}" type="slidenum">
               <a:rPr lang="en-US" smtClean="0"/>
+              <a:t>11</a:t>
+            </a:fld>
+            <a:endParaRPr lang="en-US"/>
+          </a:p>
+        </p:txBody>
+      </p:sp>
+    </p:spTree>
+    <p:extLst>
+      <p:ext uri="{BB962C8B-B14F-4D97-AF65-F5344CB8AC3E}">
+        <p14:creationId xmlns:p14="http://schemas.microsoft.com/office/powerpoint/2010/main" val="433627180"/>
+      </p:ext>
+    </p:extLst>
+  </p:cSld>
+  <p:clrMapOvr>
+    <a:masterClrMapping/>
+  </p:clrMapOvr>
+</p:notes>
+</file>
+
+<file path=ppt/notesSlides/notesSlide5.xml><?xml version="1.0" encoding="utf-8"?>
+<p:notes xmlns:a="http://schemas.openxmlformats.org/drawingml/2006/main" xmlns:r="http://schemas.openxmlformats.org/officeDocument/2006/relationships" xmlns:p="http://schemas.openxmlformats.org/presentationml/2006/main">
+  <p:cSld>
+    <p:spTree>
+      <p:nvGrpSpPr>
+        <p:cNvPr id="1" name=""/>
+        <p:cNvGrpSpPr/>
+        <p:nvPr/>
+      </p:nvGrpSpPr>
+      <p:grpSpPr>
+        <a:xfrm>
+          <a:off x="0" y="0"/>
+          <a:ext cx="0" cy="0"/>
+          <a:chOff x="0" y="0"/>
+          <a:chExt cx="0" cy="0"/>
+        </a:xfrm>
+      </p:grpSpPr>
+      <p:sp>
+        <p:nvSpPr>
+          <p:cNvPr id="2" name="Slide Image Placeholder 1"/>
+          <p:cNvSpPr>
+            <a:spLocks noGrp="1" noRot="1" noChangeAspect="1"/>
+          </p:cNvSpPr>
+          <p:nvPr>
+            <p:ph type="sldImg"/>
+          </p:nvPr>
+        </p:nvSpPr>
+        <p:spPr/>
+      </p:sp>
+      <p:sp>
+        <p:nvSpPr>
+          <p:cNvPr id="3" name="Notes Placeholder 2"/>
+          <p:cNvSpPr>
+            <a:spLocks noGrp="1"/>
+          </p:cNvSpPr>
+          <p:nvPr>
+            <p:ph type="body" idx="1"/>
+          </p:nvPr>
+        </p:nvSpPr>
+        <p:spPr/>
+        <p:txBody>
+          <a:bodyPr/>
+          <a:lstStyle/>
+          <a:p>
+            <a:endParaRPr lang="en-US" dirty="0"/>
+          </a:p>
+        </p:txBody>
+      </p:sp>
+      <p:sp>
+        <p:nvSpPr>
+          <p:cNvPr id="4" name="Slide Number Placeholder 3"/>
+          <p:cNvSpPr>
+            <a:spLocks noGrp="1"/>
+          </p:cNvSpPr>
+          <p:nvPr>
+            <p:ph type="sldNum" sz="quarter" idx="5"/>
+          </p:nvPr>
+        </p:nvSpPr>
+        <p:spPr/>
+        <p:txBody>
+          <a:bodyPr/>
+          <a:lstStyle/>
+          <a:p>
+            <a:fld id="{63CC9EBA-D40F-4B2C-8629-D756AD22D0E0}" type="slidenum">
+              <a:rPr lang="en-US" smtClean="0"/>
               <a:t>15</a:t>
+            </a:fld>
+            <a:endParaRPr lang="en-US"/>
+          </a:p>
+        </p:txBody>
+      </p:sp>
+    </p:spTree>
+    <p:extLst>
+      <p:ext uri="{BB962C8B-B14F-4D97-AF65-F5344CB8AC3E}">
+        <p14:creationId xmlns:p14="http://schemas.microsoft.com/office/powerpoint/2010/main" val="3632524534"/>
+      </p:ext>
+    </p:extLst>
+  </p:cSld>
+  <p:clrMapOvr>
+    <a:masterClrMapping/>
+  </p:clrMapOvr>
+</p:notes>
+</file>
+
+<file path=ppt/notesSlides/notesSlide6.xml><?xml version="1.0" encoding="utf-8"?>
+<p:notes xmlns:a="http://schemas.openxmlformats.org/drawingml/2006/main" xmlns:r="http://schemas.openxmlformats.org/officeDocument/2006/relationships" xmlns:p="http://schemas.openxmlformats.org/presentationml/2006/main">
+  <p:cSld>
+    <p:spTree>
+      <p:nvGrpSpPr>
+        <p:cNvPr id="1" name=""/>
+        <p:cNvGrpSpPr/>
+        <p:nvPr/>
+      </p:nvGrpSpPr>
+      <p:grpSpPr>
+        <a:xfrm>
+          <a:off x="0" y="0"/>
+          <a:ext cx="0" cy="0"/>
+          <a:chOff x="0" y="0"/>
+          <a:chExt cx="0" cy="0"/>
+        </a:xfrm>
+      </p:grpSpPr>
+      <p:sp>
+        <p:nvSpPr>
+          <p:cNvPr id="2" name="Slide Image Placeholder 1"/>
+          <p:cNvSpPr>
+            <a:spLocks noGrp="1" noRot="1" noChangeAspect="1"/>
+          </p:cNvSpPr>
+          <p:nvPr>
+            <p:ph type="sldImg"/>
+          </p:nvPr>
+        </p:nvSpPr>
+        <p:spPr/>
+      </p:sp>
+      <p:sp>
+        <p:nvSpPr>
+          <p:cNvPr id="3" name="Notes Placeholder 2"/>
+          <p:cNvSpPr>
+            <a:spLocks noGrp="1"/>
+          </p:cNvSpPr>
+          <p:nvPr>
+            <p:ph type="body" idx="1"/>
+          </p:nvPr>
+        </p:nvSpPr>
+        <p:spPr/>
+        <p:txBody>
+          <a:bodyPr/>
+          <a:lstStyle/>
+          <a:p>
+            <a:endParaRPr lang="en-US" dirty="0"/>
+          </a:p>
+        </p:txBody>
+      </p:sp>
+      <p:sp>
+        <p:nvSpPr>
+          <p:cNvPr id="4" name="Slide Number Placeholder 3"/>
+          <p:cNvSpPr>
+            <a:spLocks noGrp="1"/>
+          </p:cNvSpPr>
+          <p:nvPr>
+            <p:ph type="sldNum" sz="quarter" idx="5"/>
+          </p:nvPr>
+        </p:nvSpPr>
+        <p:spPr/>
+        <p:txBody>
+          <a:bodyPr/>
+          <a:lstStyle/>
+          <a:p>
+            <a:fld id="{63CC9EBA-D40F-4B2C-8629-D756AD22D0E0}" type="slidenum">
+              <a:rPr lang="en-US" smtClean="0"/>
+              <a:t>16</a:t>
             </a:fld>
             <a:endParaRPr lang="en-US"/>
           </a:p>
@@ -2545,7 +2730,7 @@
           <a:p>
             <a:fld id="{D56A5F13-4F86-5646-9B99-A42325757066}" type="datetime1">
               <a:rPr lang="en-US" smtClean="0"/>
-              <a:t>12/4/2020</a:t>
+              <a:t>12/9/2020</a:t>
             </a:fld>
             <a:endParaRPr lang="en-US"/>
           </a:p>
@@ -2834,7 +3019,7 @@
           <a:p>
             <a:fld id="{34C8E77E-B710-C741-B9C3-BDFAF2BD28F5}" type="datetime1">
               <a:rPr lang="en-US" smtClean="0"/>
-              <a:t>12/4/2020</a:t>
+              <a:t>12/9/2020</a:t>
             </a:fld>
             <a:endParaRPr lang="en-US"/>
           </a:p>
@@ -3123,7 +3308,7 @@
           <a:p>
             <a:fld id="{3CC70E32-BC87-A748-B8DC-BBE1A8E155BB}" type="datetime1">
               <a:rPr lang="en-US" smtClean="0"/>
-              <a:t>12/4/2020</a:t>
+              <a:t>12/9/2020</a:t>
             </a:fld>
             <a:endParaRPr lang="en-US"/>
           </a:p>
@@ -3412,7 +3597,7 @@
           <a:p>
             <a:fld id="{FF80D806-2732-D74C-AA54-685EF616F24A}" type="datetime1">
               <a:rPr lang="en-US" smtClean="0"/>
-              <a:t>12/4/2020</a:t>
+              <a:t>12/9/2020</a:t>
             </a:fld>
             <a:endParaRPr lang="en-US"/>
           </a:p>
@@ -3649,7 +3834,7 @@
           <a:p>
             <a:fld id="{7EE62EE2-D39B-DB40-8504-5F31AB3A7B1B}" type="datetime1">
               <a:rPr lang="en-US" smtClean="0"/>
-              <a:t>12/4/2020</a:t>
+              <a:t>12/9/2020</a:t>
             </a:fld>
             <a:endParaRPr lang="en-US"/>
           </a:p>
@@ -4106,7 +4291,7 @@
           <a:p>
             <a:fld id="{F2C6AE98-BAC0-8443-BBA0-C97A4F30D31A}" type="datetime1">
               <a:rPr lang="en-US" smtClean="0"/>
-              <a:t>12/4/2020</a:t>
+              <a:t>12/9/2020</a:t>
             </a:fld>
             <a:endParaRPr lang="en-US"/>
           </a:p>
@@ -4374,7 +4559,7 @@
           <a:p>
             <a:fld id="{88DBBF51-3929-3A49-BA7D-3AF73092A0AD}" type="datetime1">
               <a:rPr lang="en-US" smtClean="0"/>
-              <a:t>12/4/2020</a:t>
+              <a:t>12/9/2020</a:t>
             </a:fld>
             <a:endParaRPr lang="en-US"/>
           </a:p>
@@ -4572,7 +4757,7 @@
           <a:p>
             <a:fld id="{36C5C674-12AF-41F5-BDE5-1132B29F8CB8}" type="datetime1">
               <a:rPr lang="en-US" smtClean="0"/>
-              <a:t>12/4/2020</a:t>
+              <a:t>12/9/2020</a:t>
             </a:fld>
             <a:endParaRPr lang="en-US"/>
           </a:p>
@@ -6945,7 +7130,7 @@
           <a:p>
             <a:fld id="{3D457031-A04F-0040-B79E-439CA9E02781}" type="datetime1">
               <a:rPr lang="en-US" smtClean="0"/>
-              <a:t>12/4/2020</a:t>
+              <a:t>12/9/2020</a:t>
             </a:fld>
             <a:endParaRPr lang="en-US"/>
           </a:p>
@@ -7195,7 +7380,7 @@
           <a:p>
             <a:fld id="{641269E8-56DE-E044-B0E5-B498755A2633}" type="datetime1">
               <a:rPr lang="en-US" smtClean="0"/>
-              <a:t>12/4/2020</a:t>
+              <a:t>12/9/2020</a:t>
             </a:fld>
             <a:endParaRPr lang="en-US"/>
           </a:p>
@@ -7581,7 +7766,7 @@
           <a:p>
             <a:fld id="{219B2A40-E9E6-7E49-9EE5-F8C2FAB652F4}" type="datetime1">
               <a:rPr lang="en-US" smtClean="0"/>
-              <a:t>12/4/2020</a:t>
+              <a:t>12/9/2020</a:t>
             </a:fld>
             <a:endParaRPr lang="en-US"/>
           </a:p>
@@ -7841,7 +8026,7 @@
           <a:p>
             <a:fld id="{08D12B45-3253-4A45-B8F9-2E00FEB0C480}" type="datetime1">
               <a:rPr lang="en-US" smtClean="0"/>
-              <a:t>12/4/2020</a:t>
+              <a:t>12/9/2020</a:t>
             </a:fld>
             <a:endParaRPr lang="en-US"/>
           </a:p>
@@ -9959,6 +10144,148 @@
       </p:grpSpPr>
       <p:sp>
         <p:nvSpPr>
+          <p:cNvPr id="2" name="Text Placeholder 1">
+            <a:extLst>
+              <a:ext uri="{FF2B5EF4-FFF2-40B4-BE49-F238E27FC236}">
+                <a16:creationId xmlns:a16="http://schemas.microsoft.com/office/drawing/2014/main" id="{33C531DF-E3C3-440B-8639-21E649B78F36}"/>
+              </a:ext>
+            </a:extLst>
+          </p:cNvPr>
+          <p:cNvSpPr>
+            <a:spLocks noGrp="1"/>
+          </p:cNvSpPr>
+          <p:nvPr>
+            <p:ph type="body" sz="quarter" idx="13"/>
+          </p:nvPr>
+        </p:nvSpPr>
+        <p:spPr/>
+        <p:txBody>
+          <a:bodyPr/>
+          <a:lstStyle/>
+          <a:p>
+            <a:endParaRPr lang="en-US"/>
+          </a:p>
+        </p:txBody>
+      </p:sp>
+      <p:sp>
+        <p:nvSpPr>
+          <p:cNvPr id="3" name="Title 2">
+            <a:extLst>
+              <a:ext uri="{FF2B5EF4-FFF2-40B4-BE49-F238E27FC236}">
+                <a16:creationId xmlns:a16="http://schemas.microsoft.com/office/drawing/2014/main" id="{3022069C-D6F9-450B-BEE1-B298C7011900}"/>
+              </a:ext>
+            </a:extLst>
+          </p:cNvPr>
+          <p:cNvSpPr>
+            <a:spLocks noGrp="1"/>
+          </p:cNvSpPr>
+          <p:nvPr>
+            <p:ph type="title"/>
+          </p:nvPr>
+        </p:nvSpPr>
+        <p:spPr/>
+        <p:txBody>
+          <a:bodyPr/>
+          <a:lstStyle/>
+          <a:p>
+            <a:endParaRPr lang="en-US"/>
+          </a:p>
+        </p:txBody>
+      </p:sp>
+      <p:sp>
+        <p:nvSpPr>
+          <p:cNvPr id="4" name="Slide Number Placeholder 3">
+            <a:extLst>
+              <a:ext uri="{FF2B5EF4-FFF2-40B4-BE49-F238E27FC236}">
+                <a16:creationId xmlns:a16="http://schemas.microsoft.com/office/drawing/2014/main" id="{B2A12721-141B-4322-AEE9-AD1B1EA9F61A}"/>
+              </a:ext>
+            </a:extLst>
+          </p:cNvPr>
+          <p:cNvSpPr>
+            <a:spLocks noGrp="1"/>
+          </p:cNvSpPr>
+          <p:nvPr>
+            <p:ph type="sldNum" sz="quarter" idx="16"/>
+          </p:nvPr>
+        </p:nvSpPr>
+        <p:spPr/>
+        <p:txBody>
+          <a:bodyPr/>
+          <a:lstStyle/>
+          <a:p>
+            <a:fld id="{1915DC07-6425-4740-9695-FB9F2ED48CC1}" type="slidenum">
+              <a:rPr lang="en-US" smtClean="0"/>
+              <a:t>10</a:t>
+            </a:fld>
+            <a:endParaRPr lang="en-US"/>
+          </a:p>
+        </p:txBody>
+      </p:sp>
+      <p:pic>
+        <p:nvPicPr>
+          <p:cNvPr id="6" name="Picture 5">
+            <a:extLst>
+              <a:ext uri="{FF2B5EF4-FFF2-40B4-BE49-F238E27FC236}">
+                <a16:creationId xmlns:a16="http://schemas.microsoft.com/office/drawing/2014/main" id="{FA581961-5DC2-40EC-93F0-93D264C55C9B}"/>
+              </a:ext>
+            </a:extLst>
+          </p:cNvPr>
+          <p:cNvPicPr>
+            <a:picLocks noChangeAspect="1"/>
+          </p:cNvPicPr>
+          <p:nvPr/>
+        </p:nvPicPr>
+        <p:blipFill>
+          <a:blip r:embed="rId3"/>
+          <a:stretch>
+            <a:fillRect/>
+          </a:stretch>
+        </p:blipFill>
+        <p:spPr>
+          <a:xfrm>
+            <a:off x="1649725" y="837708"/>
+            <a:ext cx="8729952" cy="5689096"/>
+          </a:xfrm>
+          <a:prstGeom prst="rect">
+            <a:avLst/>
+          </a:prstGeom>
+        </p:spPr>
+      </p:pic>
+    </p:spTree>
+    <p:extLst>
+      <p:ext uri="{BB962C8B-B14F-4D97-AF65-F5344CB8AC3E}">
+        <p14:creationId xmlns:p14="http://schemas.microsoft.com/office/powerpoint/2010/main" val="3220323047"/>
+      </p:ext>
+    </p:extLst>
+  </p:cSld>
+  <p:clrMapOvr>
+    <a:masterClrMapping/>
+  </p:clrMapOvr>
+  <p:transition>
+    <p:fade/>
+  </p:transition>
+</p:sld>
+</file>
+
+<file path=ppt/slides/slide11.xml><?xml version="1.0" encoding="utf-8"?>
+<p:sld xmlns:a="http://schemas.openxmlformats.org/drawingml/2006/main" xmlns:r="http://schemas.openxmlformats.org/officeDocument/2006/relationships" xmlns:p="http://schemas.openxmlformats.org/presentationml/2006/main">
+  <p:cSld>
+    <p:spTree>
+      <p:nvGrpSpPr>
+        <p:cNvPr id="1" name=""/>
+        <p:cNvGrpSpPr/>
+        <p:nvPr/>
+      </p:nvGrpSpPr>
+      <p:grpSpPr>
+        <a:xfrm>
+          <a:off x="0" y="0"/>
+          <a:ext cx="0" cy="0"/>
+          <a:chOff x="0" y="0"/>
+          <a:chExt cx="0" cy="0"/>
+        </a:xfrm>
+      </p:grpSpPr>
+      <p:sp>
+        <p:nvSpPr>
           <p:cNvPr id="3" name="Title 2">
             <a:extLst>
               <a:ext uri="{FF2B5EF4-FFF2-40B4-BE49-F238E27FC236}">
@@ -10008,7 +10335,7 @@
           <a:p>
             <a:fld id="{1915DC07-6425-4740-9695-FB9F2ED48CC1}" type="slidenum">
               <a:rPr lang="en-US" smtClean="0"/>
-              <a:t>10</a:t>
+              <a:t>11</a:t>
             </a:fld>
             <a:endParaRPr lang="en-US"/>
           </a:p>
@@ -10029,7 +10356,7 @@
           <p:nvPr/>
         </p:nvPicPr>
         <p:blipFill>
-          <a:blip r:embed="rId2"/>
+          <a:blip r:embed="rId3"/>
           <a:stretch>
             <a:fillRect/>
           </a:stretch>
@@ -10059,7 +10386,7 @@
           <p:nvPr/>
         </p:nvPicPr>
         <p:blipFill>
-          <a:blip r:embed="rId3"/>
+          <a:blip r:embed="rId4"/>
           <a:stretch>
             <a:fillRect/>
           </a:stretch>
@@ -10293,7 +10620,7 @@
 </p:sld>
 </file>
 
-<file path=ppt/slides/slide11.xml><?xml version="1.0" encoding="utf-8"?>
+<file path=ppt/slides/slide12.xml><?xml version="1.0" encoding="utf-8"?>
 <p:sld xmlns:a="http://schemas.openxmlformats.org/drawingml/2006/main" xmlns:r="http://schemas.openxmlformats.org/officeDocument/2006/relationships" xmlns:p="http://schemas.openxmlformats.org/presentationml/2006/main">
   <p:cSld>
     <p:spTree>
@@ -11076,7 +11403,7 @@
           <a:p>
             <a:fld id="{1915DC07-6425-4740-9695-FB9F2ED48CC1}" type="slidenum">
               <a:rPr lang="en-US" smtClean="0"/>
-              <a:t>11</a:t>
+              <a:t>12</a:t>
             </a:fld>
             <a:endParaRPr lang="en-US"/>
           </a:p>
@@ -11098,7 +11425,7 @@
 </p:sld>
 </file>
 
-<file path=ppt/slides/slide12.xml><?xml version="1.0" encoding="utf-8"?>
+<file path=ppt/slides/slide13.xml><?xml version="1.0" encoding="utf-8"?>
 <p:sld xmlns:a="http://schemas.openxmlformats.org/drawingml/2006/main" xmlns:r="http://schemas.openxmlformats.org/officeDocument/2006/relationships" xmlns:p="http://schemas.openxmlformats.org/presentationml/2006/main">
   <p:cSld>
     <p:spTree>
@@ -11274,7 +11601,7 @@
           <a:p>
             <a:fld id="{1915DC07-6425-4740-9695-FB9F2ED48CC1}" type="slidenum">
               <a:rPr lang="en-US" smtClean="0"/>
-              <a:t>12</a:t>
+              <a:t>13</a:t>
             </a:fld>
             <a:endParaRPr lang="en-US"/>
           </a:p>
@@ -11296,7 +11623,7 @@
 </p:sld>
 </file>
 
-<file path=ppt/slides/slide13.xml><?xml version="1.0" encoding="utf-8"?>
+<file path=ppt/slides/slide14.xml><?xml version="1.0" encoding="utf-8"?>
 <p:sld xmlns:a="http://schemas.openxmlformats.org/drawingml/2006/main" xmlns:r="http://schemas.openxmlformats.org/officeDocument/2006/relationships" xmlns:p="http://schemas.openxmlformats.org/presentationml/2006/main">
   <p:cSld>
     <p:spTree>
@@ -13806,7 +14133,7 @@
           <a:p>
             <a:fld id="{1915DC07-6425-4740-9695-FB9F2ED48CC1}" type="slidenum">
               <a:rPr lang="en-US" smtClean="0"/>
-              <a:t>13</a:t>
+              <a:t>14</a:t>
             </a:fld>
             <a:endParaRPr lang="en-US"/>
           </a:p>
@@ -13828,7 +14155,7 @@
 </p:sld>
 </file>
 
-<file path=ppt/slides/slide14.xml><?xml version="1.0" encoding="utf-8"?>
+<file path=ppt/slides/slide15.xml><?xml version="1.0" encoding="utf-8"?>
 <p:sld xmlns:a="http://schemas.openxmlformats.org/drawingml/2006/main" xmlns:r="http://schemas.openxmlformats.org/officeDocument/2006/relationships" xmlns:p="http://schemas.openxmlformats.org/presentationml/2006/main">
   <p:cSld>
     <p:spTree>
@@ -15479,7 +15806,7 @@
           <a:p>
             <a:fld id="{1915DC07-6425-4740-9695-FB9F2ED48CC1}" type="slidenum">
               <a:rPr lang="en-US" smtClean="0"/>
-              <a:t>14</a:t>
+              <a:t>15</a:t>
             </a:fld>
             <a:endParaRPr lang="en-US"/>
           </a:p>
@@ -15501,7 +15828,7 @@
 </p:sld>
 </file>
 
-<file path=ppt/slides/slide15.xml><?xml version="1.0" encoding="utf-8"?>
+<file path=ppt/slides/slide16.xml><?xml version="1.0" encoding="utf-8"?>
 <p:sld xmlns:a="http://schemas.openxmlformats.org/drawingml/2006/main" xmlns:r="http://schemas.openxmlformats.org/officeDocument/2006/relationships" xmlns:p="http://schemas.openxmlformats.org/presentationml/2006/main">
   <p:cSld>
     <p:spTree>
@@ -15564,7 +15891,7 @@
 </p:sld>
 </file>
 
-<file path=ppt/slides/slide16.xml><?xml version="1.0" encoding="utf-8"?>
+<file path=ppt/slides/slide17.xml><?xml version="1.0" encoding="utf-8"?>
 <p:sld xmlns:a="http://schemas.openxmlformats.org/drawingml/2006/main" xmlns:r="http://schemas.openxmlformats.org/officeDocument/2006/relationships" xmlns:p="http://schemas.openxmlformats.org/presentationml/2006/main">
   <p:cSld>
     <p:spTree>
@@ -19449,8 +19776,8 @@
           <a:chExt cx="0" cy="0"/>
         </a:xfrm>
       </p:grpSpPr>
-      <mc:AlternateContent xmlns:mc="http://schemas.openxmlformats.org/markup-compatibility/2006">
-        <mc:Choice xmlns:a14="http://schemas.microsoft.com/office/drawing/2010/main" Requires="a14">
+      <mc:AlternateContent xmlns:mc="http://schemas.openxmlformats.org/markup-compatibility/2006" xmlns:a14="http://schemas.microsoft.com/office/drawing/2010/main">
+        <mc:Choice Requires="a14">
           <p:sp>
             <p:nvSpPr>
               <p:cNvPr id="2" name="Text Placeholder 1">
@@ -20248,7 +20575,7 @@
             </p:txBody>
           </p:sp>
         </mc:Choice>
-        <mc:Fallback>
+        <mc:Fallback xmlns="">
           <p:sp>
             <p:nvSpPr>
               <p:cNvPr id="2" name="Text Placeholder 1">
@@ -20349,8 +20676,8 @@
           </a:p>
         </p:txBody>
       </p:sp>
-      <mc:AlternateContent xmlns:mc="http://schemas.openxmlformats.org/markup-compatibility/2006">
-        <mc:Choice xmlns:a14="http://schemas.microsoft.com/office/drawing/2010/main" Requires="a14">
+      <mc:AlternateContent xmlns:mc="http://schemas.openxmlformats.org/markup-compatibility/2006" xmlns:a14="http://schemas.microsoft.com/office/drawing/2010/main">
+        <mc:Choice Requires="a14">
           <p:sp>
             <p:nvSpPr>
               <p:cNvPr id="11" name="TextBox 10">
@@ -21320,6 +21647,7 @@
                 </a:r>
               </a:p>
               <a:p>
+                <a:pPr/>
                 <a14:m>
                   <m:oMathPara xmlns:m="http://schemas.openxmlformats.org/officeDocument/2006/math">
                     <m:oMathParaPr>
@@ -21891,7 +22219,7 @@
             </p:txBody>
           </p:sp>
         </mc:Choice>
-        <mc:Fallback>
+        <mc:Fallback xmlns="">
           <p:sp>
             <p:nvSpPr>
               <p:cNvPr id="11" name="TextBox 10">

--- a/projects/HMM/P2 - Hidden Markov Model.pptx
+++ b/projects/HMM/P2 - Hidden Markov Model.pptx
@@ -213,7 +213,7 @@
           <a:p>
             <a:fld id="{A0C1F70C-5BF6-43D2-96A0-6511110BD68E}" type="datetimeFigureOut">
               <a:rPr lang="en-US" smtClean="0"/>
-              <a:t>12/9/2020</a:t>
+              <a:t>6/15/2021</a:t>
             </a:fld>
             <a:endParaRPr lang="en-US"/>
           </a:p>
@@ -709,11 +709,7 @@
           <a:p>
             <a:r>
               <a:rPr lang="en-US" dirty="0"/>
-              <a:t>Types of </a:t>
-            </a:r>
-            <a:r>
-              <a:rPr lang="en-US"/>
-              <a:t>covariance matrix: https://stats.stackexchange.com/questions/326671/different-covariance-types-for-gaussian-mixture-models</a:t>
+              <a:t>Types of covariance matrix: https://stats.stackexchange.com/questions/326671/different-covariance-types-for-gaussian-mixture-models</a:t>
             </a:r>
           </a:p>
         </p:txBody>
@@ -2730,7 +2726,7 @@
           <a:p>
             <a:fld id="{D56A5F13-4F86-5646-9B99-A42325757066}" type="datetime1">
               <a:rPr lang="en-US" smtClean="0"/>
-              <a:t>12/9/2020</a:t>
+              <a:t>6/15/2021</a:t>
             </a:fld>
             <a:endParaRPr lang="en-US"/>
           </a:p>
@@ -3019,7 +3015,7 @@
           <a:p>
             <a:fld id="{34C8E77E-B710-C741-B9C3-BDFAF2BD28F5}" type="datetime1">
               <a:rPr lang="en-US" smtClean="0"/>
-              <a:t>12/9/2020</a:t>
+              <a:t>6/15/2021</a:t>
             </a:fld>
             <a:endParaRPr lang="en-US"/>
           </a:p>
@@ -3308,7 +3304,7 @@
           <a:p>
             <a:fld id="{3CC70E32-BC87-A748-B8DC-BBE1A8E155BB}" type="datetime1">
               <a:rPr lang="en-US" smtClean="0"/>
-              <a:t>12/9/2020</a:t>
+              <a:t>6/15/2021</a:t>
             </a:fld>
             <a:endParaRPr lang="en-US"/>
           </a:p>
@@ -3597,7 +3593,7 @@
           <a:p>
             <a:fld id="{FF80D806-2732-D74C-AA54-685EF616F24A}" type="datetime1">
               <a:rPr lang="en-US" smtClean="0"/>
-              <a:t>12/9/2020</a:t>
+              <a:t>6/15/2021</a:t>
             </a:fld>
             <a:endParaRPr lang="en-US"/>
           </a:p>
@@ -3834,7 +3830,7 @@
           <a:p>
             <a:fld id="{7EE62EE2-D39B-DB40-8504-5F31AB3A7B1B}" type="datetime1">
               <a:rPr lang="en-US" smtClean="0"/>
-              <a:t>12/9/2020</a:t>
+              <a:t>6/15/2021</a:t>
             </a:fld>
             <a:endParaRPr lang="en-US"/>
           </a:p>
@@ -4291,7 +4287,7 @@
           <a:p>
             <a:fld id="{F2C6AE98-BAC0-8443-BBA0-C97A4F30D31A}" type="datetime1">
               <a:rPr lang="en-US" smtClean="0"/>
-              <a:t>12/9/2020</a:t>
+              <a:t>6/15/2021</a:t>
             </a:fld>
             <a:endParaRPr lang="en-US"/>
           </a:p>
@@ -4559,7 +4555,7 @@
           <a:p>
             <a:fld id="{88DBBF51-3929-3A49-BA7D-3AF73092A0AD}" type="datetime1">
               <a:rPr lang="en-US" smtClean="0"/>
-              <a:t>12/9/2020</a:t>
+              <a:t>6/15/2021</a:t>
             </a:fld>
             <a:endParaRPr lang="en-US"/>
           </a:p>
@@ -4757,7 +4753,7 @@
           <a:p>
             <a:fld id="{36C5C674-12AF-41F5-BDE5-1132B29F8CB8}" type="datetime1">
               <a:rPr lang="en-US" smtClean="0"/>
-              <a:t>12/9/2020</a:t>
+              <a:t>6/15/2021</a:t>
             </a:fld>
             <a:endParaRPr lang="en-US"/>
           </a:p>
@@ -7130,7 +7126,7 @@
           <a:p>
             <a:fld id="{3D457031-A04F-0040-B79E-439CA9E02781}" type="datetime1">
               <a:rPr lang="en-US" smtClean="0"/>
-              <a:t>12/9/2020</a:t>
+              <a:t>6/15/2021</a:t>
             </a:fld>
             <a:endParaRPr lang="en-US"/>
           </a:p>
@@ -7380,7 +7376,7 @@
           <a:p>
             <a:fld id="{641269E8-56DE-E044-B0E5-B498755A2633}" type="datetime1">
               <a:rPr lang="en-US" smtClean="0"/>
-              <a:t>12/9/2020</a:t>
+              <a:t>6/15/2021</a:t>
             </a:fld>
             <a:endParaRPr lang="en-US"/>
           </a:p>
@@ -7766,7 +7762,7 @@
           <a:p>
             <a:fld id="{219B2A40-E9E6-7E49-9EE5-F8C2FAB652F4}" type="datetime1">
               <a:rPr lang="en-US" smtClean="0"/>
-              <a:t>12/9/2020</a:t>
+              <a:t>6/15/2021</a:t>
             </a:fld>
             <a:endParaRPr lang="en-US"/>
           </a:p>
@@ -8026,7 +8022,7 @@
           <a:p>
             <a:fld id="{08D12B45-3253-4A45-B8F9-2E00FEB0C480}" type="datetime1">
               <a:rPr lang="en-US" smtClean="0"/>
-              <a:t>12/9/2020</a:t>
+              <a:t>6/15/2021</a:t>
             </a:fld>
             <a:endParaRPr lang="en-US"/>
           </a:p>
@@ -10144,31 +10140,6 @@
       </p:grpSpPr>
       <p:sp>
         <p:nvSpPr>
-          <p:cNvPr id="2" name="Text Placeholder 1">
-            <a:extLst>
-              <a:ext uri="{FF2B5EF4-FFF2-40B4-BE49-F238E27FC236}">
-                <a16:creationId xmlns:a16="http://schemas.microsoft.com/office/drawing/2014/main" id="{33C531DF-E3C3-440B-8639-21E649B78F36}"/>
-              </a:ext>
-            </a:extLst>
-          </p:cNvPr>
-          <p:cNvSpPr>
-            <a:spLocks noGrp="1"/>
-          </p:cNvSpPr>
-          <p:nvPr>
-            <p:ph type="body" sz="quarter" idx="13"/>
-          </p:nvPr>
-        </p:nvSpPr>
-        <p:spPr/>
-        <p:txBody>
-          <a:bodyPr/>
-          <a:lstStyle/>
-          <a:p>
-            <a:endParaRPr lang="en-US"/>
-          </a:p>
-        </p:txBody>
-      </p:sp>
-      <p:sp>
-        <p:nvSpPr>
           <p:cNvPr id="3" name="Title 2">
             <a:extLst>
               <a:ext uri="{FF2B5EF4-FFF2-40B4-BE49-F238E27FC236}">
@@ -10188,7 +10159,10 @@
           <a:bodyPr/>
           <a:lstStyle/>
           <a:p>
-            <a:endParaRPr lang="en-US"/>
+            <a:r>
+              <a:rPr lang="en-US" dirty="0"/>
+              <a:t>Output Distribution</a:t>
+            </a:r>
           </a:p>
         </p:txBody>
       </p:sp>
@@ -10235,22 +10209,65 @@
           </p:cNvPicPr>
           <p:nvPr/>
         </p:nvPicPr>
-        <p:blipFill>
+        <p:blipFill rotWithShape="1">
           <a:blip r:embed="rId3"/>
-          <a:stretch>
-            <a:fillRect/>
-          </a:stretch>
+          <a:srcRect t="10743"/>
+          <a:stretch/>
         </p:blipFill>
         <p:spPr>
           <a:xfrm>
-            <a:off x="1649725" y="837708"/>
-            <a:ext cx="8729952" cy="5689096"/>
+            <a:off x="1438710" y="1328615"/>
+            <a:ext cx="7681844" cy="4468270"/>
           </a:xfrm>
           <a:prstGeom prst="rect">
             <a:avLst/>
           </a:prstGeom>
         </p:spPr>
       </p:pic>
+      <p:sp>
+        <p:nvSpPr>
+          <p:cNvPr id="7" name="TextBox 6">
+            <a:extLst>
+              <a:ext uri="{FF2B5EF4-FFF2-40B4-BE49-F238E27FC236}">
+                <a16:creationId xmlns:a16="http://schemas.microsoft.com/office/drawing/2014/main" id="{6709F996-7040-4339-83EC-5C6A5B2D9A39}"/>
+              </a:ext>
+            </a:extLst>
+          </p:cNvPr>
+          <p:cNvSpPr txBox="1"/>
+          <p:nvPr/>
+        </p:nvSpPr>
+        <p:spPr bwMode="gray">
+          <a:xfrm>
+            <a:off x="43733" y="6487288"/>
+            <a:ext cx="9169401" cy="307777"/>
+          </a:xfrm>
+          <a:prstGeom prst="rect">
+            <a:avLst/>
+          </a:prstGeom>
+          <a:noFill/>
+        </p:spPr>
+        <p:txBody>
+          <a:bodyPr wrap="square">
+            <a:spAutoFit/>
+          </a:bodyPr>
+          <a:lstStyle/>
+          <a:p>
+            <a:r>
+              <a:rPr lang="en-US" sz="1400" u="sng" dirty="0"/>
+              <a:t>Source</a:t>
+            </a:r>
+            <a:r>
+              <a:rPr lang="en-US" sz="1400" dirty="0"/>
+              <a:t>: https://www.inf.ed.ac.uk/teaching/courses/asr/2017-18/asr03-hmmgmm-handout.</a:t>
+            </a:r>
+            <a:r>
+              <a:rPr lang="en-US" sz="1100" dirty="0"/>
+              <a:t>pdf</a:t>
+            </a:r>
+            <a:endParaRPr lang="en-US" sz="1400" dirty="0"/>
+          </a:p>
+        </p:txBody>
+      </p:sp>
     </p:spTree>
     <p:extLst>
       <p:ext uri="{BB962C8B-B14F-4D97-AF65-F5344CB8AC3E}">
